--- a/105452891 任桓毅.pptx
+++ b/105452891 任桓毅.pptx
@@ -2,28 +2,30 @@
 <file path=ppt/presentation.xml><?xml version="1.0" encoding="utf-8"?>
 <p:presentation xmlns:a="http://schemas.openxmlformats.org/drawingml/2006/main" xmlns:r="http://schemas.openxmlformats.org/officeDocument/2006/relationships" xmlns:p="http://schemas.openxmlformats.org/presentationml/2006/main" saveSubsetFonts="1">
   <p:sldMasterIdLst>
-    <p:sldMasterId id="2147483648" r:id="rId1"/>
+    <p:sldMasterId id="2147483660" r:id="rId1"/>
   </p:sldMasterIdLst>
   <p:notesMasterIdLst>
-    <p:notesMasterId r:id="rId10"/>
+    <p:notesMasterId r:id="rId12"/>
   </p:notesMasterIdLst>
   <p:sldIdLst>
-    <p:sldId id="264" r:id="rId2"/>
-    <p:sldId id="257" r:id="rId3"/>
-    <p:sldId id="258" r:id="rId4"/>
-    <p:sldId id="260" r:id="rId5"/>
-    <p:sldId id="263" r:id="rId6"/>
-    <p:sldId id="259" r:id="rId7"/>
-    <p:sldId id="262" r:id="rId8"/>
-    <p:sldId id="261" r:id="rId9"/>
+    <p:sldId id="265" r:id="rId2"/>
+    <p:sldId id="264" r:id="rId3"/>
+    <p:sldId id="257" r:id="rId4"/>
+    <p:sldId id="266" r:id="rId5"/>
+    <p:sldId id="258" r:id="rId6"/>
+    <p:sldId id="260" r:id="rId7"/>
+    <p:sldId id="263" r:id="rId8"/>
+    <p:sldId id="259" r:id="rId9"/>
+    <p:sldId id="262" r:id="rId10"/>
+    <p:sldId id="261" r:id="rId11"/>
   </p:sldIdLst>
   <p:sldSz cx="12192000" cy="6858000"/>
   <p:notesSz cx="6858000" cy="9144000"/>
   <p:defaultTextStyle>
     <a:defPPr>
-      <a:defRPr lang="zh-TW"/>
+      <a:defRPr lang="en-US"/>
     </a:defPPr>
-    <a:lvl1pPr marL="0" algn="l" defTabSz="914400" rtl="0" eaLnBrk="1" latinLnBrk="0" hangingPunct="1">
+    <a:lvl1pPr marL="0" algn="l" defTabSz="457200" rtl="0" eaLnBrk="1" latinLnBrk="0" hangingPunct="1">
       <a:defRPr sz="1800" kern="1200">
         <a:solidFill>
           <a:schemeClr val="tx1"/>
@@ -33,7 +35,7 @@
         <a:cs typeface="+mn-cs"/>
       </a:defRPr>
     </a:lvl1pPr>
-    <a:lvl2pPr marL="457200" algn="l" defTabSz="914400" rtl="0" eaLnBrk="1" latinLnBrk="0" hangingPunct="1">
+    <a:lvl2pPr marL="457200" algn="l" defTabSz="457200" rtl="0" eaLnBrk="1" latinLnBrk="0" hangingPunct="1">
       <a:defRPr sz="1800" kern="1200">
         <a:solidFill>
           <a:schemeClr val="tx1"/>
@@ -43,7 +45,7 @@
         <a:cs typeface="+mn-cs"/>
       </a:defRPr>
     </a:lvl2pPr>
-    <a:lvl3pPr marL="914400" algn="l" defTabSz="914400" rtl="0" eaLnBrk="1" latinLnBrk="0" hangingPunct="1">
+    <a:lvl3pPr marL="914400" algn="l" defTabSz="457200" rtl="0" eaLnBrk="1" latinLnBrk="0" hangingPunct="1">
       <a:defRPr sz="1800" kern="1200">
         <a:solidFill>
           <a:schemeClr val="tx1"/>
@@ -53,7 +55,7 @@
         <a:cs typeface="+mn-cs"/>
       </a:defRPr>
     </a:lvl3pPr>
-    <a:lvl4pPr marL="1371600" algn="l" defTabSz="914400" rtl="0" eaLnBrk="1" latinLnBrk="0" hangingPunct="1">
+    <a:lvl4pPr marL="1371600" algn="l" defTabSz="457200" rtl="0" eaLnBrk="1" latinLnBrk="0" hangingPunct="1">
       <a:defRPr sz="1800" kern="1200">
         <a:solidFill>
           <a:schemeClr val="tx1"/>
@@ -63,7 +65,7 @@
         <a:cs typeface="+mn-cs"/>
       </a:defRPr>
     </a:lvl4pPr>
-    <a:lvl5pPr marL="1828800" algn="l" defTabSz="914400" rtl="0" eaLnBrk="1" latinLnBrk="0" hangingPunct="1">
+    <a:lvl5pPr marL="1828800" algn="l" defTabSz="457200" rtl="0" eaLnBrk="1" latinLnBrk="0" hangingPunct="1">
       <a:defRPr sz="1800" kern="1200">
         <a:solidFill>
           <a:schemeClr val="tx1"/>
@@ -73,7 +75,7 @@
         <a:cs typeface="+mn-cs"/>
       </a:defRPr>
     </a:lvl5pPr>
-    <a:lvl6pPr marL="2286000" algn="l" defTabSz="914400" rtl="0" eaLnBrk="1" latinLnBrk="0" hangingPunct="1">
+    <a:lvl6pPr marL="2286000" algn="l" defTabSz="457200" rtl="0" eaLnBrk="1" latinLnBrk="0" hangingPunct="1">
       <a:defRPr sz="1800" kern="1200">
         <a:solidFill>
           <a:schemeClr val="tx1"/>
@@ -83,7 +85,7 @@
         <a:cs typeface="+mn-cs"/>
       </a:defRPr>
     </a:lvl6pPr>
-    <a:lvl7pPr marL="2743200" algn="l" defTabSz="914400" rtl="0" eaLnBrk="1" latinLnBrk="0" hangingPunct="1">
+    <a:lvl7pPr marL="2743200" algn="l" defTabSz="457200" rtl="0" eaLnBrk="1" latinLnBrk="0" hangingPunct="1">
       <a:defRPr sz="1800" kern="1200">
         <a:solidFill>
           <a:schemeClr val="tx1"/>
@@ -93,7 +95,7 @@
         <a:cs typeface="+mn-cs"/>
       </a:defRPr>
     </a:lvl7pPr>
-    <a:lvl8pPr marL="3200400" algn="l" defTabSz="914400" rtl="0" eaLnBrk="1" latinLnBrk="0" hangingPunct="1">
+    <a:lvl8pPr marL="3200400" algn="l" defTabSz="457200" rtl="0" eaLnBrk="1" latinLnBrk="0" hangingPunct="1">
       <a:defRPr sz="1800" kern="1200">
         <a:solidFill>
           <a:schemeClr val="tx1"/>
@@ -103,7 +105,7 @@
         <a:cs typeface="+mn-cs"/>
       </a:defRPr>
     </a:lvl8pPr>
-    <a:lvl9pPr marL="3657600" algn="l" defTabSz="914400" rtl="0" eaLnBrk="1" latinLnBrk="0" hangingPunct="1">
+    <a:lvl9pPr marL="3657600" algn="l" defTabSz="457200" rtl="0" eaLnBrk="1" latinLnBrk="0" hangingPunct="1">
       <a:defRPr sz="1800" kern="1200">
         <a:solidFill>
           <a:schemeClr val="tx1"/>
@@ -547,7 +549,7 @@
           <a:p>
             <a:fld id="{20ED6041-ABBB-4ADF-A528-28AB52A7A8D0}" type="slidenum">
               <a:rPr lang="zh-TW" altLang="en-US" smtClean="0"/>
-              <a:t>6</a:t>
+              <a:t>8</a:t>
             </a:fld>
             <a:endParaRPr lang="zh-TW" altLang="en-US"/>
           </a:p>
@@ -567,7 +569,7 @@
 </file>
 
 <file path=ppt/slideLayouts/slideLayout1.xml><?xml version="1.0" encoding="utf-8"?>
-<p:sldLayout xmlns:a="http://schemas.openxmlformats.org/drawingml/2006/main" xmlns:r="http://schemas.openxmlformats.org/officeDocument/2006/relationships" xmlns:p="http://schemas.openxmlformats.org/presentationml/2006/main" type="title" preserve="1">
+<p:sldLayout xmlns:a="http://schemas.openxmlformats.org/drawingml/2006/main" xmlns:r="http://schemas.openxmlformats.org/officeDocument/2006/relationships" xmlns:p="http://schemas.openxmlformats.org/presentationml/2006/main" showMasterSp="0" type="title" preserve="1">
   <p:cSld name="標題投影片">
     <p:spTree>
       <p:nvGrpSpPr>
@@ -585,13 +587,83 @@
       </p:grpSpPr>
       <p:sp>
         <p:nvSpPr>
-          <p:cNvPr id="2" name="標題 1">
-            <a:extLst>
-              <a:ext uri="{FF2B5EF4-FFF2-40B4-BE49-F238E27FC236}">
-                <a16:creationId xmlns:a16="http://schemas.microsoft.com/office/drawing/2014/main" id="{43305D28-6CCC-F54F-EED2-70133D18D80F}"/>
-              </a:ext>
-            </a:extLst>
-          </p:cNvPr>
+          <p:cNvPr id="7" name="Rectangle 6"/>
+          <p:cNvSpPr/>
+          <p:nvPr/>
+        </p:nvSpPr>
+        <p:spPr>
+          <a:xfrm>
+            <a:off x="3175" y="6400800"/>
+            <a:ext cx="12188825" cy="457200"/>
+          </a:xfrm>
+          <a:prstGeom prst="rect">
+            <a:avLst/>
+          </a:prstGeom>
+          <a:solidFill>
+            <a:schemeClr val="accent2"/>
+          </a:solidFill>
+          <a:ln>
+            <a:noFill/>
+          </a:ln>
+        </p:spPr>
+        <p:style>
+          <a:lnRef idx="2">
+            <a:schemeClr val="accent1">
+              <a:shade val="50000"/>
+            </a:schemeClr>
+          </a:lnRef>
+          <a:fillRef idx="1">
+            <a:schemeClr val="accent1"/>
+          </a:fillRef>
+          <a:effectRef idx="0">
+            <a:schemeClr val="accent1"/>
+          </a:effectRef>
+          <a:fontRef idx="minor">
+            <a:schemeClr val="lt1"/>
+          </a:fontRef>
+        </p:style>
+      </p:sp>
+      <p:sp>
+        <p:nvSpPr>
+          <p:cNvPr id="8" name="Rectangle 7"/>
+          <p:cNvSpPr/>
+          <p:nvPr/>
+        </p:nvSpPr>
+        <p:spPr>
+          <a:xfrm>
+            <a:off x="15" y="6334316"/>
+            <a:ext cx="12188825" cy="64008"/>
+          </a:xfrm>
+          <a:prstGeom prst="rect">
+            <a:avLst/>
+          </a:prstGeom>
+          <a:solidFill>
+            <a:schemeClr val="accent1"/>
+          </a:solidFill>
+          <a:ln>
+            <a:noFill/>
+          </a:ln>
+        </p:spPr>
+        <p:style>
+          <a:lnRef idx="2">
+            <a:schemeClr val="accent1">
+              <a:shade val="50000"/>
+            </a:schemeClr>
+          </a:lnRef>
+          <a:fillRef idx="1">
+            <a:schemeClr val="accent1"/>
+          </a:fillRef>
+          <a:effectRef idx="0">
+            <a:schemeClr val="accent1"/>
+          </a:effectRef>
+          <a:fontRef idx="minor">
+            <a:schemeClr val="lt1"/>
+          </a:fontRef>
+        </p:style>
+      </p:sp>
+      <p:sp>
+        <p:nvSpPr>
+          <p:cNvPr id="2" name="Title 1"/>
           <p:cNvSpPr>
             <a:spLocks noGrp="1"/>
           </p:cNvSpPr>
@@ -601,15 +673,27 @@
         </p:nvSpPr>
         <p:spPr>
           <a:xfrm>
-            <a:off x="1524000" y="1122363"/>
-            <a:ext cx="9144000" cy="2387600"/>
+            <a:off x="1097280" y="758952"/>
+            <a:ext cx="10058400" cy="3566160"/>
           </a:xfrm>
         </p:spPr>
         <p:txBody>
-          <a:bodyPr anchor="b"/>
+          <a:bodyPr anchor="b">
+            <a:normAutofit/>
+          </a:bodyPr>
           <a:lstStyle>
-            <a:lvl1pPr algn="ctr">
-              <a:defRPr sz="6000"/>
+            <a:lvl1pPr algn="l">
+              <a:lnSpc>
+                <a:spcPct val="85000"/>
+              </a:lnSpc>
+              <a:defRPr sz="8000" spc="-50" baseline="0">
+                <a:solidFill>
+                  <a:schemeClr val="tx1">
+                    <a:lumMod val="85000"/>
+                    <a:lumOff val="15000"/>
+                  </a:schemeClr>
+                </a:solidFill>
+              </a:defRPr>
             </a:lvl1pPr>
           </a:lstStyle>
           <a:p>
@@ -617,18 +701,13 @@
               <a:rPr lang="zh-TW" altLang="en-US"/>
               <a:t>按一下以編輯母片標題樣式</a:t>
             </a:r>
+            <a:endParaRPr lang="en-US" dirty="0"/>
           </a:p>
         </p:txBody>
       </p:sp>
       <p:sp>
         <p:nvSpPr>
-          <p:cNvPr id="3" name="副標題 2">
-            <a:extLst>
-              <a:ext uri="{FF2B5EF4-FFF2-40B4-BE49-F238E27FC236}">
-                <a16:creationId xmlns:a16="http://schemas.microsoft.com/office/drawing/2014/main" id="{59BCF9FB-AF26-DB9E-02CB-73559D1EF9A6}"/>
-              </a:ext>
-            </a:extLst>
-          </p:cNvPr>
+          <p:cNvPr id="3" name="Subtitle 2"/>
           <p:cNvSpPr>
             <a:spLocks noGrp="1"/>
           </p:cNvSpPr>
@@ -638,48 +717,55 @@
         </p:nvSpPr>
         <p:spPr>
           <a:xfrm>
-            <a:off x="1524000" y="3602038"/>
-            <a:ext cx="9144000" cy="1655762"/>
+            <a:off x="1100051" y="4455620"/>
+            <a:ext cx="10058400" cy="1143000"/>
           </a:xfrm>
         </p:spPr>
         <p:txBody>
-          <a:bodyPr/>
+          <a:bodyPr lIns="91440" rIns="91440">
+            <a:normAutofit/>
+          </a:bodyPr>
           <a:lstStyle>
-            <a:lvl1pPr marL="0" indent="0" algn="ctr">
+            <a:lvl1pPr marL="0" indent="0" algn="l">
               <a:buNone/>
-              <a:defRPr sz="2400"/>
+              <a:defRPr sz="2400" cap="all" spc="200" baseline="0">
+                <a:solidFill>
+                  <a:schemeClr val="tx2"/>
+                </a:solidFill>
+                <a:latin typeface="+mj-lt"/>
+              </a:defRPr>
             </a:lvl1pPr>
             <a:lvl2pPr marL="457200" indent="0" algn="ctr">
               <a:buNone/>
-              <a:defRPr sz="2000"/>
+              <a:defRPr sz="2400"/>
             </a:lvl2pPr>
             <a:lvl3pPr marL="914400" indent="0" algn="ctr">
               <a:buNone/>
-              <a:defRPr sz="1800"/>
+              <a:defRPr sz="2400"/>
             </a:lvl3pPr>
             <a:lvl4pPr marL="1371600" indent="0" algn="ctr">
               <a:buNone/>
-              <a:defRPr sz="1600"/>
+              <a:defRPr sz="2000"/>
             </a:lvl4pPr>
             <a:lvl5pPr marL="1828800" indent="0" algn="ctr">
               <a:buNone/>
-              <a:defRPr sz="1600"/>
+              <a:defRPr sz="2000"/>
             </a:lvl5pPr>
             <a:lvl6pPr marL="2286000" indent="0" algn="ctr">
               <a:buNone/>
-              <a:defRPr sz="1600"/>
+              <a:defRPr sz="2000"/>
             </a:lvl6pPr>
             <a:lvl7pPr marL="2743200" indent="0" algn="ctr">
               <a:buNone/>
-              <a:defRPr sz="1600"/>
+              <a:defRPr sz="2000"/>
             </a:lvl7pPr>
             <a:lvl8pPr marL="3200400" indent="0" algn="ctr">
               <a:buNone/>
-              <a:defRPr sz="1600"/>
+              <a:defRPr sz="2000"/>
             </a:lvl8pPr>
             <a:lvl9pPr marL="3657600" indent="0" algn="ctr">
               <a:buNone/>
-              <a:defRPr sz="1600"/>
+              <a:defRPr sz="2000"/>
             </a:lvl9pPr>
           </a:lstStyle>
           <a:p>
@@ -687,18 +773,13 @@
               <a:rPr lang="zh-TW" altLang="en-US"/>
               <a:t>按一下以編輯母片子標題樣式</a:t>
             </a:r>
+            <a:endParaRPr lang="en-US" dirty="0"/>
           </a:p>
         </p:txBody>
       </p:sp>
       <p:sp>
         <p:nvSpPr>
-          <p:cNvPr id="4" name="日期版面配置區 3">
-            <a:extLst>
-              <a:ext uri="{FF2B5EF4-FFF2-40B4-BE49-F238E27FC236}">
-                <a16:creationId xmlns:a16="http://schemas.microsoft.com/office/drawing/2014/main" id="{DDB9479D-2F80-1B88-A343-AC558E7140D7}"/>
-              </a:ext>
-            </a:extLst>
-          </p:cNvPr>
+          <p:cNvPr id="4" name="Date Placeholder 3"/>
           <p:cNvSpPr>
             <a:spLocks noGrp="1"/>
           </p:cNvSpPr>
@@ -721,13 +802,7 @@
       </p:sp>
       <p:sp>
         <p:nvSpPr>
-          <p:cNvPr id="5" name="頁尾版面配置區 4">
-            <a:extLst>
-              <a:ext uri="{FF2B5EF4-FFF2-40B4-BE49-F238E27FC236}">
-                <a16:creationId xmlns:a16="http://schemas.microsoft.com/office/drawing/2014/main" id="{9964D9D1-E1F6-C47B-2F7E-50074243CC68}"/>
-              </a:ext>
-            </a:extLst>
-          </p:cNvPr>
+          <p:cNvPr id="5" name="Footer Placeholder 4"/>
           <p:cNvSpPr>
             <a:spLocks noGrp="1"/>
           </p:cNvSpPr>
@@ -746,13 +821,7 @@
       </p:sp>
       <p:sp>
         <p:nvSpPr>
-          <p:cNvPr id="6" name="投影片編號版面配置區 5">
-            <a:extLst>
-              <a:ext uri="{FF2B5EF4-FFF2-40B4-BE49-F238E27FC236}">
-                <a16:creationId xmlns:a16="http://schemas.microsoft.com/office/drawing/2014/main" id="{2BB095A5-F435-6495-F4EE-99EED05C86FF}"/>
-              </a:ext>
-            </a:extLst>
-          </p:cNvPr>
+          <p:cNvPr id="6" name="Slide Number Placeholder 5"/>
           <p:cNvSpPr>
             <a:spLocks noGrp="1"/>
           </p:cNvSpPr>
@@ -773,10 +842,48 @@
           </a:p>
         </p:txBody>
       </p:sp>
+      <p:cxnSp>
+        <p:nvCxnSpPr>
+          <p:cNvPr id="9" name="Straight Connector 8"/>
+          <p:cNvCxnSpPr/>
+          <p:nvPr/>
+        </p:nvCxnSpPr>
+        <p:spPr>
+          <a:xfrm>
+            <a:off x="1207658" y="4343400"/>
+            <a:ext cx="9875520" cy="0"/>
+          </a:xfrm>
+          <a:prstGeom prst="line">
+            <a:avLst/>
+          </a:prstGeom>
+          <a:ln w="6350">
+            <a:solidFill>
+              <a:schemeClr val="tx1">
+                <a:lumMod val="50000"/>
+                <a:lumOff val="50000"/>
+              </a:schemeClr>
+            </a:solidFill>
+          </a:ln>
+        </p:spPr>
+        <p:style>
+          <a:lnRef idx="1">
+            <a:schemeClr val="accent1"/>
+          </a:lnRef>
+          <a:fillRef idx="0">
+            <a:schemeClr val="accent1"/>
+          </a:fillRef>
+          <a:effectRef idx="0">
+            <a:schemeClr val="accent1"/>
+          </a:effectRef>
+          <a:fontRef idx="minor">
+            <a:schemeClr val="tx1"/>
+          </a:fontRef>
+        </p:style>
+      </p:cxnSp>
     </p:spTree>
     <p:extLst>
       <p:ext uri="{BB962C8B-B14F-4D97-AF65-F5344CB8AC3E}">
-        <p14:creationId xmlns:p14="http://schemas.microsoft.com/office/powerpoint/2010/main" val="3664200887"/>
+        <p14:creationId xmlns:p14="http://schemas.microsoft.com/office/powerpoint/2010/main" val="3568546066"/>
       </p:ext>
     </p:extLst>
   </p:cSld>
@@ -805,13 +912,7 @@
       </p:grpSpPr>
       <p:sp>
         <p:nvSpPr>
-          <p:cNvPr id="2" name="標題 1">
-            <a:extLst>
-              <a:ext uri="{FF2B5EF4-FFF2-40B4-BE49-F238E27FC236}">
-                <a16:creationId xmlns:a16="http://schemas.microsoft.com/office/drawing/2014/main" id="{9BBA69D3-0C14-431C-A8F5-D37AB2484160}"/>
-              </a:ext>
-            </a:extLst>
-          </p:cNvPr>
+          <p:cNvPr id="2" name="Title 1"/>
           <p:cNvSpPr>
             <a:spLocks noGrp="1"/>
           </p:cNvSpPr>
@@ -828,18 +929,13 @@
               <a:rPr lang="zh-TW" altLang="en-US"/>
               <a:t>按一下以編輯母片標題樣式</a:t>
             </a:r>
+            <a:endParaRPr lang="en-US" dirty="0"/>
           </a:p>
         </p:txBody>
       </p:sp>
       <p:sp>
         <p:nvSpPr>
-          <p:cNvPr id="3" name="直排文字版面配置區 2">
-            <a:extLst>
-              <a:ext uri="{FF2B5EF4-FFF2-40B4-BE49-F238E27FC236}">
-                <a16:creationId xmlns:a16="http://schemas.microsoft.com/office/drawing/2014/main" id="{2B44E030-850D-DA94-61A0-F7B8FCCEB453}"/>
-              </a:ext>
-            </a:extLst>
-          </p:cNvPr>
+          <p:cNvPr id="3" name="Vertical Text Placeholder 2"/>
           <p:cNvSpPr>
             <a:spLocks noGrp="1"/>
           </p:cNvSpPr>
@@ -849,7 +945,7 @@
         </p:nvSpPr>
         <p:spPr/>
         <p:txBody>
-          <a:bodyPr vert="eaVert"/>
+          <a:bodyPr vert="eaVert" lIns="45720" tIns="0" rIns="45720" bIns="0"/>
           <a:lstStyle/>
           <a:p>
             <a:pPr lvl="0"/>
@@ -885,18 +981,13 @@
               <a:rPr lang="zh-TW" altLang="en-US"/>
               <a:t>第五層</a:t>
             </a:r>
+            <a:endParaRPr lang="en-US" dirty="0"/>
           </a:p>
         </p:txBody>
       </p:sp>
       <p:sp>
         <p:nvSpPr>
-          <p:cNvPr id="4" name="日期版面配置區 3">
-            <a:extLst>
-              <a:ext uri="{FF2B5EF4-FFF2-40B4-BE49-F238E27FC236}">
-                <a16:creationId xmlns:a16="http://schemas.microsoft.com/office/drawing/2014/main" id="{7FDCCCF0-EC2A-76C4-30D7-FB8A30250ACD}"/>
-              </a:ext>
-            </a:extLst>
-          </p:cNvPr>
+          <p:cNvPr id="4" name="Date Placeholder 3"/>
           <p:cNvSpPr>
             <a:spLocks noGrp="1"/>
           </p:cNvSpPr>
@@ -919,13 +1010,7 @@
       </p:sp>
       <p:sp>
         <p:nvSpPr>
-          <p:cNvPr id="5" name="頁尾版面配置區 4">
-            <a:extLst>
-              <a:ext uri="{FF2B5EF4-FFF2-40B4-BE49-F238E27FC236}">
-                <a16:creationId xmlns:a16="http://schemas.microsoft.com/office/drawing/2014/main" id="{9B28031C-E3A1-C40F-C5F2-FF0E8A5D7041}"/>
-              </a:ext>
-            </a:extLst>
-          </p:cNvPr>
+          <p:cNvPr id="5" name="Footer Placeholder 4"/>
           <p:cNvSpPr>
             <a:spLocks noGrp="1"/>
           </p:cNvSpPr>
@@ -944,13 +1029,7 @@
       </p:sp>
       <p:sp>
         <p:nvSpPr>
-          <p:cNvPr id="6" name="投影片編號版面配置區 5">
-            <a:extLst>
-              <a:ext uri="{FF2B5EF4-FFF2-40B4-BE49-F238E27FC236}">
-                <a16:creationId xmlns:a16="http://schemas.microsoft.com/office/drawing/2014/main" id="{3044FCE4-D0E1-4C7F-99C3-17B97E138C7F}"/>
-              </a:ext>
-            </a:extLst>
-          </p:cNvPr>
+          <p:cNvPr id="6" name="Slide Number Placeholder 5"/>
           <p:cNvSpPr>
             <a:spLocks noGrp="1"/>
           </p:cNvSpPr>
@@ -974,7 +1053,7 @@
     </p:spTree>
     <p:extLst>
       <p:ext uri="{BB962C8B-B14F-4D97-AF65-F5344CB8AC3E}">
-        <p14:creationId xmlns:p14="http://schemas.microsoft.com/office/powerpoint/2010/main" val="541752350"/>
+        <p14:creationId xmlns:p14="http://schemas.microsoft.com/office/powerpoint/2010/main" val="1590956356"/>
       </p:ext>
     </p:extLst>
   </p:cSld>
@@ -985,7 +1064,7 @@
 </file>
 
 <file path=ppt/slideLayouts/slideLayout11.xml><?xml version="1.0" encoding="utf-8"?>
-<p:sldLayout xmlns:a="http://schemas.openxmlformats.org/drawingml/2006/main" xmlns:r="http://schemas.openxmlformats.org/officeDocument/2006/relationships" xmlns:p="http://schemas.openxmlformats.org/presentationml/2006/main" type="vertTitleAndTx" preserve="1">
+<p:sldLayout xmlns:a="http://schemas.openxmlformats.org/drawingml/2006/main" xmlns:r="http://schemas.openxmlformats.org/officeDocument/2006/relationships" xmlns:p="http://schemas.openxmlformats.org/presentationml/2006/main" showMasterSp="0" type="vertTitleAndTx" preserve="1">
   <p:cSld name="直排標題及文字">
     <p:spTree>
       <p:nvGrpSpPr>
@@ -1003,13 +1082,83 @@
       </p:grpSpPr>
       <p:sp>
         <p:nvSpPr>
-          <p:cNvPr id="2" name="直排標題 1">
-            <a:extLst>
-              <a:ext uri="{FF2B5EF4-FFF2-40B4-BE49-F238E27FC236}">
-                <a16:creationId xmlns:a16="http://schemas.microsoft.com/office/drawing/2014/main" id="{F42E4B2B-037E-9411-0BB2-C4BD8B84DDF1}"/>
-              </a:ext>
-            </a:extLst>
-          </p:cNvPr>
+          <p:cNvPr id="7" name="Rectangle 6"/>
+          <p:cNvSpPr/>
+          <p:nvPr/>
+        </p:nvSpPr>
+        <p:spPr>
+          <a:xfrm>
+            <a:off x="3175" y="6400800"/>
+            <a:ext cx="12188825" cy="457200"/>
+          </a:xfrm>
+          <a:prstGeom prst="rect">
+            <a:avLst/>
+          </a:prstGeom>
+          <a:solidFill>
+            <a:schemeClr val="accent2"/>
+          </a:solidFill>
+          <a:ln>
+            <a:noFill/>
+          </a:ln>
+        </p:spPr>
+        <p:style>
+          <a:lnRef idx="2">
+            <a:schemeClr val="accent1">
+              <a:shade val="50000"/>
+            </a:schemeClr>
+          </a:lnRef>
+          <a:fillRef idx="1">
+            <a:schemeClr val="accent1"/>
+          </a:fillRef>
+          <a:effectRef idx="0">
+            <a:schemeClr val="accent1"/>
+          </a:effectRef>
+          <a:fontRef idx="minor">
+            <a:schemeClr val="lt1"/>
+          </a:fontRef>
+        </p:style>
+      </p:sp>
+      <p:sp>
+        <p:nvSpPr>
+          <p:cNvPr id="8" name="Rectangle 7"/>
+          <p:cNvSpPr/>
+          <p:nvPr/>
+        </p:nvSpPr>
+        <p:spPr>
+          <a:xfrm>
+            <a:off x="15" y="6334316"/>
+            <a:ext cx="12188825" cy="64008"/>
+          </a:xfrm>
+          <a:prstGeom prst="rect">
+            <a:avLst/>
+          </a:prstGeom>
+          <a:solidFill>
+            <a:schemeClr val="accent1"/>
+          </a:solidFill>
+          <a:ln>
+            <a:noFill/>
+          </a:ln>
+        </p:spPr>
+        <p:style>
+          <a:lnRef idx="2">
+            <a:schemeClr val="accent1">
+              <a:shade val="50000"/>
+            </a:schemeClr>
+          </a:lnRef>
+          <a:fillRef idx="1">
+            <a:schemeClr val="accent1"/>
+          </a:fillRef>
+          <a:effectRef idx="0">
+            <a:schemeClr val="accent1"/>
+          </a:effectRef>
+          <a:fontRef idx="minor">
+            <a:schemeClr val="lt1"/>
+          </a:fontRef>
+        </p:style>
+      </p:sp>
+      <p:sp>
+        <p:nvSpPr>
+          <p:cNvPr id="2" name="Vertical Title 1"/>
           <p:cNvSpPr>
             <a:spLocks noGrp="1"/>
           </p:cNvSpPr>
@@ -1019,8 +1168,8 @@
         </p:nvSpPr>
         <p:spPr>
           <a:xfrm>
-            <a:off x="8724900" y="365125"/>
-            <a:ext cx="2628900" cy="5811838"/>
+            <a:off x="8724900" y="414778"/>
+            <a:ext cx="2628900" cy="5757421"/>
           </a:xfrm>
         </p:spPr>
         <p:txBody>
@@ -1031,18 +1180,13 @@
               <a:rPr lang="zh-TW" altLang="en-US"/>
               <a:t>按一下以編輯母片標題樣式</a:t>
             </a:r>
+            <a:endParaRPr lang="en-US" dirty="0"/>
           </a:p>
         </p:txBody>
       </p:sp>
       <p:sp>
         <p:nvSpPr>
-          <p:cNvPr id="3" name="直排文字版面配置區 2">
-            <a:extLst>
-              <a:ext uri="{FF2B5EF4-FFF2-40B4-BE49-F238E27FC236}">
-                <a16:creationId xmlns:a16="http://schemas.microsoft.com/office/drawing/2014/main" id="{077403A1-DC37-CC65-A923-E11E8EB1D32B}"/>
-              </a:ext>
-            </a:extLst>
-          </p:cNvPr>
+          <p:cNvPr id="3" name="Vertical Text Placeholder 2"/>
           <p:cNvSpPr>
             <a:spLocks noGrp="1"/>
           </p:cNvSpPr>
@@ -1052,12 +1196,12 @@
         </p:nvSpPr>
         <p:spPr>
           <a:xfrm>
-            <a:off x="838200" y="365125"/>
-            <a:ext cx="7734300" cy="5811838"/>
+            <a:off x="838200" y="414778"/>
+            <a:ext cx="7734300" cy="5757422"/>
           </a:xfrm>
         </p:spPr>
         <p:txBody>
-          <a:bodyPr vert="eaVert"/>
+          <a:bodyPr vert="eaVert" lIns="45720" tIns="0" rIns="45720" bIns="0"/>
           <a:lstStyle/>
           <a:p>
             <a:pPr lvl="0"/>
@@ -1093,18 +1237,13 @@
               <a:rPr lang="zh-TW" altLang="en-US"/>
               <a:t>第五層</a:t>
             </a:r>
+            <a:endParaRPr lang="en-US" dirty="0"/>
           </a:p>
         </p:txBody>
       </p:sp>
       <p:sp>
         <p:nvSpPr>
-          <p:cNvPr id="4" name="日期版面配置區 3">
-            <a:extLst>
-              <a:ext uri="{FF2B5EF4-FFF2-40B4-BE49-F238E27FC236}">
-                <a16:creationId xmlns:a16="http://schemas.microsoft.com/office/drawing/2014/main" id="{B26E83FB-23A0-C048-4A4A-BF919BD1467E}"/>
-              </a:ext>
-            </a:extLst>
-          </p:cNvPr>
+          <p:cNvPr id="4" name="Date Placeholder 3"/>
           <p:cNvSpPr>
             <a:spLocks noGrp="1"/>
           </p:cNvSpPr>
@@ -1127,13 +1266,7 @@
       </p:sp>
       <p:sp>
         <p:nvSpPr>
-          <p:cNvPr id="5" name="頁尾版面配置區 4">
-            <a:extLst>
-              <a:ext uri="{FF2B5EF4-FFF2-40B4-BE49-F238E27FC236}">
-                <a16:creationId xmlns:a16="http://schemas.microsoft.com/office/drawing/2014/main" id="{87B88AA6-A809-1428-BDCD-E4B37D4D4D6E}"/>
-              </a:ext>
-            </a:extLst>
-          </p:cNvPr>
+          <p:cNvPr id="5" name="Footer Placeholder 4"/>
           <p:cNvSpPr>
             <a:spLocks noGrp="1"/>
           </p:cNvSpPr>
@@ -1152,13 +1285,7 @@
       </p:sp>
       <p:sp>
         <p:nvSpPr>
-          <p:cNvPr id="6" name="投影片編號版面配置區 5">
-            <a:extLst>
-              <a:ext uri="{FF2B5EF4-FFF2-40B4-BE49-F238E27FC236}">
-                <a16:creationId xmlns:a16="http://schemas.microsoft.com/office/drawing/2014/main" id="{EB1F8730-118B-7EEE-549B-972EEA3B9E5F}"/>
-              </a:ext>
-            </a:extLst>
-          </p:cNvPr>
+          <p:cNvPr id="6" name="Slide Number Placeholder 5"/>
           <p:cNvSpPr>
             <a:spLocks noGrp="1"/>
           </p:cNvSpPr>
@@ -1182,7 +1309,7 @@
     </p:spTree>
     <p:extLst>
       <p:ext uri="{BB962C8B-B14F-4D97-AF65-F5344CB8AC3E}">
-        <p14:creationId xmlns:p14="http://schemas.microsoft.com/office/powerpoint/2010/main" val="1526314656"/>
+        <p14:creationId xmlns:p14="http://schemas.microsoft.com/office/powerpoint/2010/main" val="847025492"/>
       </p:ext>
     </p:extLst>
   </p:cSld>
@@ -1211,13 +1338,7 @@
       </p:grpSpPr>
       <p:sp>
         <p:nvSpPr>
-          <p:cNvPr id="2" name="標題 1">
-            <a:extLst>
-              <a:ext uri="{FF2B5EF4-FFF2-40B4-BE49-F238E27FC236}">
-                <a16:creationId xmlns:a16="http://schemas.microsoft.com/office/drawing/2014/main" id="{1647FB1D-4F57-CD29-FD53-DABFF785CFF3}"/>
-              </a:ext>
-            </a:extLst>
-          </p:cNvPr>
+          <p:cNvPr id="2" name="Title 1"/>
           <p:cNvSpPr>
             <a:spLocks noGrp="1"/>
           </p:cNvSpPr>
@@ -1228,24 +1349,23 @@
         <p:spPr/>
         <p:txBody>
           <a:bodyPr/>
-          <a:lstStyle/>
+          <a:lstStyle>
+            <a:lvl1pPr marL="0">
+              <a:defRPr/>
+            </a:lvl1pPr>
+          </a:lstStyle>
           <a:p>
             <a:r>
               <a:rPr lang="zh-TW" altLang="en-US"/>
               <a:t>按一下以編輯母片標題樣式</a:t>
             </a:r>
+            <a:endParaRPr lang="en-US" dirty="0"/>
           </a:p>
         </p:txBody>
       </p:sp>
       <p:sp>
         <p:nvSpPr>
-          <p:cNvPr id="3" name="內容版面配置區 2">
-            <a:extLst>
-              <a:ext uri="{FF2B5EF4-FFF2-40B4-BE49-F238E27FC236}">
-                <a16:creationId xmlns:a16="http://schemas.microsoft.com/office/drawing/2014/main" id="{084AF8D2-54C0-E35B-1BD5-148FEAA2549E}"/>
-              </a:ext>
-            </a:extLst>
-          </p:cNvPr>
+          <p:cNvPr id="3" name="Content Placeholder 2"/>
           <p:cNvSpPr>
             <a:spLocks noGrp="1"/>
           </p:cNvSpPr>
@@ -1291,18 +1411,13 @@
               <a:rPr lang="zh-TW" altLang="en-US"/>
               <a:t>第五層</a:t>
             </a:r>
+            <a:endParaRPr lang="en-US" dirty="0"/>
           </a:p>
         </p:txBody>
       </p:sp>
       <p:sp>
         <p:nvSpPr>
-          <p:cNvPr id="4" name="日期版面配置區 3">
-            <a:extLst>
-              <a:ext uri="{FF2B5EF4-FFF2-40B4-BE49-F238E27FC236}">
-                <a16:creationId xmlns:a16="http://schemas.microsoft.com/office/drawing/2014/main" id="{E6C4F038-DC24-5DA4-A9F3-3984AF6C2515}"/>
-              </a:ext>
-            </a:extLst>
-          </p:cNvPr>
+          <p:cNvPr id="4" name="Date Placeholder 3"/>
           <p:cNvSpPr>
             <a:spLocks noGrp="1"/>
           </p:cNvSpPr>
@@ -1325,13 +1440,7 @@
       </p:sp>
       <p:sp>
         <p:nvSpPr>
-          <p:cNvPr id="5" name="頁尾版面配置區 4">
-            <a:extLst>
-              <a:ext uri="{FF2B5EF4-FFF2-40B4-BE49-F238E27FC236}">
-                <a16:creationId xmlns:a16="http://schemas.microsoft.com/office/drawing/2014/main" id="{30845AB5-21E2-283D-AA54-8E92DEBFEFE1}"/>
-              </a:ext>
-            </a:extLst>
-          </p:cNvPr>
+          <p:cNvPr id="5" name="Footer Placeholder 4"/>
           <p:cNvSpPr>
             <a:spLocks noGrp="1"/>
           </p:cNvSpPr>
@@ -1350,13 +1459,7 @@
       </p:sp>
       <p:sp>
         <p:nvSpPr>
-          <p:cNvPr id="6" name="投影片編號版面配置區 5">
-            <a:extLst>
-              <a:ext uri="{FF2B5EF4-FFF2-40B4-BE49-F238E27FC236}">
-                <a16:creationId xmlns:a16="http://schemas.microsoft.com/office/drawing/2014/main" id="{3239A449-B828-BDB5-20A8-E2530B1160F0}"/>
-              </a:ext>
-            </a:extLst>
-          </p:cNvPr>
+          <p:cNvPr id="6" name="Slide Number Placeholder 5"/>
           <p:cNvSpPr>
             <a:spLocks noGrp="1"/>
           </p:cNvSpPr>
@@ -1380,7 +1483,7 @@
     </p:spTree>
     <p:extLst>
       <p:ext uri="{BB962C8B-B14F-4D97-AF65-F5344CB8AC3E}">
-        <p14:creationId xmlns:p14="http://schemas.microsoft.com/office/powerpoint/2010/main" val="3187257571"/>
+        <p14:creationId xmlns:p14="http://schemas.microsoft.com/office/powerpoint/2010/main" val="92036106"/>
       </p:ext>
     </p:extLst>
   </p:cSld>
@@ -1391,8 +1494,16 @@
 </file>
 
 <file path=ppt/slideLayouts/slideLayout3.xml><?xml version="1.0" encoding="utf-8"?>
-<p:sldLayout xmlns:a="http://schemas.openxmlformats.org/drawingml/2006/main" xmlns:r="http://schemas.openxmlformats.org/officeDocument/2006/relationships" xmlns:p="http://schemas.openxmlformats.org/presentationml/2006/main" type="secHead" preserve="1">
+<p:sldLayout xmlns:a="http://schemas.openxmlformats.org/drawingml/2006/main" xmlns:r="http://schemas.openxmlformats.org/officeDocument/2006/relationships" xmlns:p="http://schemas.openxmlformats.org/presentationml/2006/main" showMasterSp="0" type="secHead" preserve="1">
   <p:cSld name="章節標題">
+    <p:bg>
+      <p:bgPr>
+        <a:solidFill>
+          <a:schemeClr val="bg1"/>
+        </a:solidFill>
+        <a:effectLst/>
+      </p:bgPr>
+    </p:bg>
     <p:spTree>
       <p:nvGrpSpPr>
         <p:cNvPr id="1" name=""/>
@@ -1409,13 +1520,83 @@
       </p:grpSpPr>
       <p:sp>
         <p:nvSpPr>
-          <p:cNvPr id="2" name="標題 1">
-            <a:extLst>
-              <a:ext uri="{FF2B5EF4-FFF2-40B4-BE49-F238E27FC236}">
-                <a16:creationId xmlns:a16="http://schemas.microsoft.com/office/drawing/2014/main" id="{EE4A0880-499C-E662-69E3-D9053B2E805D}"/>
-              </a:ext>
-            </a:extLst>
-          </p:cNvPr>
+          <p:cNvPr id="7" name="Rectangle 6"/>
+          <p:cNvSpPr/>
+          <p:nvPr/>
+        </p:nvSpPr>
+        <p:spPr>
+          <a:xfrm>
+            <a:off x="3175" y="6400800"/>
+            <a:ext cx="12188825" cy="457200"/>
+          </a:xfrm>
+          <a:prstGeom prst="rect">
+            <a:avLst/>
+          </a:prstGeom>
+          <a:solidFill>
+            <a:schemeClr val="accent2"/>
+          </a:solidFill>
+          <a:ln>
+            <a:noFill/>
+          </a:ln>
+        </p:spPr>
+        <p:style>
+          <a:lnRef idx="2">
+            <a:schemeClr val="accent1">
+              <a:shade val="50000"/>
+            </a:schemeClr>
+          </a:lnRef>
+          <a:fillRef idx="1">
+            <a:schemeClr val="accent1"/>
+          </a:fillRef>
+          <a:effectRef idx="0">
+            <a:schemeClr val="accent1"/>
+          </a:effectRef>
+          <a:fontRef idx="minor">
+            <a:schemeClr val="lt1"/>
+          </a:fontRef>
+        </p:style>
+      </p:sp>
+      <p:sp>
+        <p:nvSpPr>
+          <p:cNvPr id="8" name="Rectangle 7"/>
+          <p:cNvSpPr/>
+          <p:nvPr/>
+        </p:nvSpPr>
+        <p:spPr>
+          <a:xfrm>
+            <a:off x="15" y="6334316"/>
+            <a:ext cx="12188825" cy="64008"/>
+          </a:xfrm>
+          <a:prstGeom prst="rect">
+            <a:avLst/>
+          </a:prstGeom>
+          <a:solidFill>
+            <a:schemeClr val="accent1"/>
+          </a:solidFill>
+          <a:ln>
+            <a:noFill/>
+          </a:ln>
+        </p:spPr>
+        <p:style>
+          <a:lnRef idx="2">
+            <a:schemeClr val="accent1">
+              <a:shade val="50000"/>
+            </a:schemeClr>
+          </a:lnRef>
+          <a:fillRef idx="1">
+            <a:schemeClr val="accent1"/>
+          </a:fillRef>
+          <a:effectRef idx="0">
+            <a:schemeClr val="accent1"/>
+          </a:effectRef>
+          <a:fontRef idx="minor">
+            <a:schemeClr val="lt1"/>
+          </a:fontRef>
+        </p:style>
+      </p:sp>
+      <p:sp>
+        <p:nvSpPr>
+          <p:cNvPr id="2" name="Title 1"/>
           <p:cNvSpPr>
             <a:spLocks noGrp="1"/>
           </p:cNvSpPr>
@@ -1425,15 +1606,27 @@
         </p:nvSpPr>
         <p:spPr>
           <a:xfrm>
-            <a:off x="831850" y="1709738"/>
-            <a:ext cx="10515600" cy="2852737"/>
+            <a:off x="1097280" y="758952"/>
+            <a:ext cx="10058400" cy="3566160"/>
           </a:xfrm>
         </p:spPr>
         <p:txBody>
-          <a:bodyPr anchor="b"/>
+          <a:bodyPr anchor="b" anchorCtr="0">
+            <a:normAutofit/>
+          </a:bodyPr>
           <a:lstStyle>
             <a:lvl1pPr>
-              <a:defRPr sz="6000"/>
+              <a:lnSpc>
+                <a:spcPct val="85000"/>
+              </a:lnSpc>
+              <a:defRPr sz="8000" b="0">
+                <a:solidFill>
+                  <a:schemeClr val="tx1">
+                    <a:lumMod val="85000"/>
+                    <a:lumOff val="15000"/>
+                  </a:schemeClr>
+                </a:solidFill>
+              </a:defRPr>
             </a:lvl1pPr>
           </a:lstStyle>
           <a:p>
@@ -1441,18 +1634,13 @@
               <a:rPr lang="zh-TW" altLang="en-US"/>
               <a:t>按一下以編輯母片標題樣式</a:t>
             </a:r>
+            <a:endParaRPr lang="en-US" dirty="0"/>
           </a:p>
         </p:txBody>
       </p:sp>
       <p:sp>
         <p:nvSpPr>
-          <p:cNvPr id="3" name="文字版面配置區 2">
-            <a:extLst>
-              <a:ext uri="{FF2B5EF4-FFF2-40B4-BE49-F238E27FC236}">
-                <a16:creationId xmlns:a16="http://schemas.microsoft.com/office/drawing/2014/main" id="{99732E1C-F72A-C1F6-FAA1-6502E3BEAE1B}"/>
-              </a:ext>
-            </a:extLst>
-          </p:cNvPr>
+          <p:cNvPr id="3" name="Text Placeholder 2"/>
           <p:cNvSpPr>
             <a:spLocks noGrp="1"/>
           </p:cNvSpPr>
@@ -1462,26 +1650,27 @@
         </p:nvSpPr>
         <p:spPr>
           <a:xfrm>
-            <a:off x="831850" y="4589463"/>
-            <a:ext cx="10515600" cy="1500187"/>
+            <a:off x="1097280" y="4453128"/>
+            <a:ext cx="10058400" cy="1143000"/>
           </a:xfrm>
         </p:spPr>
         <p:txBody>
-          <a:bodyPr/>
+          <a:bodyPr lIns="91440" rIns="91440" anchor="t" anchorCtr="0">
+            <a:normAutofit/>
+          </a:bodyPr>
           <a:lstStyle>
             <a:lvl1pPr marL="0" indent="0">
               <a:buNone/>
-              <a:defRPr sz="2400">
-                <a:solidFill>
-                  <a:schemeClr val="tx1">
-                    <a:tint val="75000"/>
-                  </a:schemeClr>
-                </a:solidFill>
+              <a:defRPr sz="2400" cap="all" spc="200" baseline="0">
+                <a:solidFill>
+                  <a:schemeClr val="tx2"/>
+                </a:solidFill>
+                <a:latin typeface="+mj-lt"/>
               </a:defRPr>
             </a:lvl1pPr>
             <a:lvl2pPr marL="457200" indent="0">
               <a:buNone/>
-              <a:defRPr sz="2000">
+              <a:defRPr sz="1800">
                 <a:solidFill>
                   <a:schemeClr val="tx1">
                     <a:tint val="75000"/>
@@ -1491,7 +1680,7 @@
             </a:lvl2pPr>
             <a:lvl3pPr marL="914400" indent="0">
               <a:buNone/>
-              <a:defRPr sz="1800">
+              <a:defRPr sz="1600">
                 <a:solidFill>
                   <a:schemeClr val="tx1">
                     <a:tint val="75000"/>
@@ -1501,7 +1690,7 @@
             </a:lvl3pPr>
             <a:lvl4pPr marL="1371600" indent="0">
               <a:buNone/>
-              <a:defRPr sz="1600">
+              <a:defRPr sz="1400">
                 <a:solidFill>
                   <a:schemeClr val="tx1">
                     <a:tint val="75000"/>
@@ -1511,7 +1700,7 @@
             </a:lvl4pPr>
             <a:lvl5pPr marL="1828800" indent="0">
               <a:buNone/>
-              <a:defRPr sz="1600">
+              <a:defRPr sz="1400">
                 <a:solidFill>
                   <a:schemeClr val="tx1">
                     <a:tint val="75000"/>
@@ -1521,7 +1710,7 @@
             </a:lvl5pPr>
             <a:lvl6pPr marL="2286000" indent="0">
               <a:buNone/>
-              <a:defRPr sz="1600">
+              <a:defRPr sz="1400">
                 <a:solidFill>
                   <a:schemeClr val="tx1">
                     <a:tint val="75000"/>
@@ -1531,7 +1720,7 @@
             </a:lvl6pPr>
             <a:lvl7pPr marL="2743200" indent="0">
               <a:buNone/>
-              <a:defRPr sz="1600">
+              <a:defRPr sz="1400">
                 <a:solidFill>
                   <a:schemeClr val="tx1">
                     <a:tint val="75000"/>
@@ -1541,7 +1730,7 @@
             </a:lvl7pPr>
             <a:lvl8pPr marL="3200400" indent="0">
               <a:buNone/>
-              <a:defRPr sz="1600">
+              <a:defRPr sz="1400">
                 <a:solidFill>
                   <a:schemeClr val="tx1">
                     <a:tint val="75000"/>
@@ -1551,7 +1740,7 @@
             </a:lvl8pPr>
             <a:lvl9pPr marL="3657600" indent="0">
               <a:buNone/>
-              <a:defRPr sz="1600">
+              <a:defRPr sz="1400">
                 <a:solidFill>
                   <a:schemeClr val="tx1">
                     <a:tint val="75000"/>
@@ -1571,13 +1760,7 @@
       </p:sp>
       <p:sp>
         <p:nvSpPr>
-          <p:cNvPr id="4" name="日期版面配置區 3">
-            <a:extLst>
-              <a:ext uri="{FF2B5EF4-FFF2-40B4-BE49-F238E27FC236}">
-                <a16:creationId xmlns:a16="http://schemas.microsoft.com/office/drawing/2014/main" id="{6B6762E0-B0C8-0ACC-337B-14C111C97CF5}"/>
-              </a:ext>
-            </a:extLst>
-          </p:cNvPr>
+          <p:cNvPr id="4" name="Date Placeholder 3"/>
           <p:cNvSpPr>
             <a:spLocks noGrp="1"/>
           </p:cNvSpPr>
@@ -1600,13 +1783,7 @@
       </p:sp>
       <p:sp>
         <p:nvSpPr>
-          <p:cNvPr id="5" name="頁尾版面配置區 4">
-            <a:extLst>
-              <a:ext uri="{FF2B5EF4-FFF2-40B4-BE49-F238E27FC236}">
-                <a16:creationId xmlns:a16="http://schemas.microsoft.com/office/drawing/2014/main" id="{FB4BCC49-347A-C1B7-FFDE-217AE739C856}"/>
-              </a:ext>
-            </a:extLst>
-          </p:cNvPr>
+          <p:cNvPr id="5" name="Footer Placeholder 4"/>
           <p:cNvSpPr>
             <a:spLocks noGrp="1"/>
           </p:cNvSpPr>
@@ -1625,13 +1802,7 @@
       </p:sp>
       <p:sp>
         <p:nvSpPr>
-          <p:cNvPr id="6" name="投影片編號版面配置區 5">
-            <a:extLst>
-              <a:ext uri="{FF2B5EF4-FFF2-40B4-BE49-F238E27FC236}">
-                <a16:creationId xmlns:a16="http://schemas.microsoft.com/office/drawing/2014/main" id="{E6D03E60-C9B9-F68D-82F9-13004241EF98}"/>
-              </a:ext>
-            </a:extLst>
-          </p:cNvPr>
+          <p:cNvPr id="6" name="Slide Number Placeholder 5"/>
           <p:cNvSpPr>
             <a:spLocks noGrp="1"/>
           </p:cNvSpPr>
@@ -1652,10 +1823,48 @@
           </a:p>
         </p:txBody>
       </p:sp>
+      <p:cxnSp>
+        <p:nvCxnSpPr>
+          <p:cNvPr id="9" name="Straight Connector 8"/>
+          <p:cNvCxnSpPr/>
+          <p:nvPr/>
+        </p:nvCxnSpPr>
+        <p:spPr>
+          <a:xfrm>
+            <a:off x="1207658" y="4343400"/>
+            <a:ext cx="9875520" cy="0"/>
+          </a:xfrm>
+          <a:prstGeom prst="line">
+            <a:avLst/>
+          </a:prstGeom>
+          <a:ln w="6350">
+            <a:solidFill>
+              <a:schemeClr val="tx1">
+                <a:lumMod val="50000"/>
+                <a:lumOff val="50000"/>
+              </a:schemeClr>
+            </a:solidFill>
+          </a:ln>
+        </p:spPr>
+        <p:style>
+          <a:lnRef idx="1">
+            <a:schemeClr val="accent1"/>
+          </a:lnRef>
+          <a:fillRef idx="0">
+            <a:schemeClr val="accent1"/>
+          </a:fillRef>
+          <a:effectRef idx="0">
+            <a:schemeClr val="accent1"/>
+          </a:effectRef>
+          <a:fontRef idx="minor">
+            <a:schemeClr val="tx1"/>
+          </a:fontRef>
+        </p:style>
+      </p:cxnSp>
     </p:spTree>
     <p:extLst>
       <p:ext uri="{BB962C8B-B14F-4D97-AF65-F5344CB8AC3E}">
-        <p14:creationId xmlns:p14="http://schemas.microsoft.com/office/powerpoint/2010/main" val="3847034703"/>
+        <p14:creationId xmlns:p14="http://schemas.microsoft.com/office/powerpoint/2010/main" val="1016346441"/>
       </p:ext>
     </p:extLst>
   </p:cSld>
@@ -1684,13 +1893,7 @@
       </p:grpSpPr>
       <p:sp>
         <p:nvSpPr>
-          <p:cNvPr id="2" name="標題 1">
-            <a:extLst>
-              <a:ext uri="{FF2B5EF4-FFF2-40B4-BE49-F238E27FC236}">
-                <a16:creationId xmlns:a16="http://schemas.microsoft.com/office/drawing/2014/main" id="{75BCE7B5-749E-966D-1E4B-8D5728DBF1B3}"/>
-              </a:ext>
-            </a:extLst>
-          </p:cNvPr>
+          <p:cNvPr id="8" name="Title 7"/>
           <p:cNvSpPr>
             <a:spLocks noGrp="1"/>
           </p:cNvSpPr>
@@ -1698,7 +1901,12 @@
             <p:ph type="title"/>
           </p:nvPr>
         </p:nvSpPr>
-        <p:spPr/>
+        <p:spPr>
+          <a:xfrm>
+            <a:off x="1097280" y="286603"/>
+            <a:ext cx="10058400" cy="1450757"/>
+          </a:xfrm>
+        </p:spPr>
         <p:txBody>
           <a:bodyPr/>
           <a:lstStyle/>
@@ -1707,18 +1915,13 @@
               <a:rPr lang="zh-TW" altLang="en-US"/>
               <a:t>按一下以編輯母片標題樣式</a:t>
             </a:r>
+            <a:endParaRPr lang="en-US" dirty="0"/>
           </a:p>
         </p:txBody>
       </p:sp>
       <p:sp>
         <p:nvSpPr>
-          <p:cNvPr id="3" name="內容版面配置區 2">
-            <a:extLst>
-              <a:ext uri="{FF2B5EF4-FFF2-40B4-BE49-F238E27FC236}">
-                <a16:creationId xmlns:a16="http://schemas.microsoft.com/office/drawing/2014/main" id="{D7B90755-2BFA-E661-5584-54DA98064445}"/>
-              </a:ext>
-            </a:extLst>
-          </p:cNvPr>
+          <p:cNvPr id="3" name="Content Placeholder 2"/>
           <p:cNvSpPr>
             <a:spLocks noGrp="1"/>
           </p:cNvSpPr>
@@ -1728,8 +1931,8 @@
         </p:nvSpPr>
         <p:spPr>
           <a:xfrm>
-            <a:off x="838200" y="1825625"/>
-            <a:ext cx="5181600" cy="4351338"/>
+            <a:off x="1097279" y="1845734"/>
+            <a:ext cx="4937760" cy="4023360"/>
           </a:xfrm>
         </p:spPr>
         <p:txBody>
@@ -1769,18 +1972,13 @@
               <a:rPr lang="zh-TW" altLang="en-US"/>
               <a:t>第五層</a:t>
             </a:r>
+            <a:endParaRPr lang="en-US" dirty="0"/>
           </a:p>
         </p:txBody>
       </p:sp>
       <p:sp>
         <p:nvSpPr>
-          <p:cNvPr id="4" name="內容版面配置區 3">
-            <a:extLst>
-              <a:ext uri="{FF2B5EF4-FFF2-40B4-BE49-F238E27FC236}">
-                <a16:creationId xmlns:a16="http://schemas.microsoft.com/office/drawing/2014/main" id="{39CF5D05-6B41-052F-DD0B-053E05DADA6E}"/>
-              </a:ext>
-            </a:extLst>
-          </p:cNvPr>
+          <p:cNvPr id="4" name="Content Placeholder 3"/>
           <p:cNvSpPr>
             <a:spLocks noGrp="1"/>
           </p:cNvSpPr>
@@ -1790,8 +1988,8 @@
         </p:nvSpPr>
         <p:spPr>
           <a:xfrm>
-            <a:off x="6172200" y="1825625"/>
-            <a:ext cx="5181600" cy="4351338"/>
+            <a:off x="6217920" y="1845735"/>
+            <a:ext cx="4937760" cy="4023360"/>
           </a:xfrm>
         </p:spPr>
         <p:txBody>
@@ -1831,18 +2029,13 @@
               <a:rPr lang="zh-TW" altLang="en-US"/>
               <a:t>第五層</a:t>
             </a:r>
+            <a:endParaRPr lang="en-US" dirty="0"/>
           </a:p>
         </p:txBody>
       </p:sp>
       <p:sp>
         <p:nvSpPr>
-          <p:cNvPr id="5" name="日期版面配置區 4">
-            <a:extLst>
-              <a:ext uri="{FF2B5EF4-FFF2-40B4-BE49-F238E27FC236}">
-                <a16:creationId xmlns:a16="http://schemas.microsoft.com/office/drawing/2014/main" id="{BC360040-1CD3-FDF2-EB68-A350DEBAC965}"/>
-              </a:ext>
-            </a:extLst>
-          </p:cNvPr>
+          <p:cNvPr id="5" name="Date Placeholder 4"/>
           <p:cNvSpPr>
             <a:spLocks noGrp="1"/>
           </p:cNvSpPr>
@@ -1865,13 +2058,7 @@
       </p:sp>
       <p:sp>
         <p:nvSpPr>
-          <p:cNvPr id="6" name="頁尾版面配置區 5">
-            <a:extLst>
-              <a:ext uri="{FF2B5EF4-FFF2-40B4-BE49-F238E27FC236}">
-                <a16:creationId xmlns:a16="http://schemas.microsoft.com/office/drawing/2014/main" id="{E14DBDF0-819B-8953-21E9-A3A2156A2C36}"/>
-              </a:ext>
-            </a:extLst>
-          </p:cNvPr>
+          <p:cNvPr id="6" name="Footer Placeholder 5"/>
           <p:cNvSpPr>
             <a:spLocks noGrp="1"/>
           </p:cNvSpPr>
@@ -1890,13 +2077,7 @@
       </p:sp>
       <p:sp>
         <p:nvSpPr>
-          <p:cNvPr id="7" name="投影片編號版面配置區 6">
-            <a:extLst>
-              <a:ext uri="{FF2B5EF4-FFF2-40B4-BE49-F238E27FC236}">
-                <a16:creationId xmlns:a16="http://schemas.microsoft.com/office/drawing/2014/main" id="{2D230B8B-6E49-390F-9794-581092AD9B41}"/>
-              </a:ext>
-            </a:extLst>
-          </p:cNvPr>
+          <p:cNvPr id="7" name="Slide Number Placeholder 6"/>
           <p:cNvSpPr>
             <a:spLocks noGrp="1"/>
           </p:cNvSpPr>
@@ -1920,7 +2101,7 @@
     </p:spTree>
     <p:extLst>
       <p:ext uri="{BB962C8B-B14F-4D97-AF65-F5344CB8AC3E}">
-        <p14:creationId xmlns:p14="http://schemas.microsoft.com/office/powerpoint/2010/main" val="4142860833"/>
+        <p14:creationId xmlns:p14="http://schemas.microsoft.com/office/powerpoint/2010/main" val="3464827948"/>
       </p:ext>
     </p:extLst>
   </p:cSld>
@@ -1949,13 +2130,7 @@
       </p:grpSpPr>
       <p:sp>
         <p:nvSpPr>
-          <p:cNvPr id="2" name="標題 1">
-            <a:extLst>
-              <a:ext uri="{FF2B5EF4-FFF2-40B4-BE49-F238E27FC236}">
-                <a16:creationId xmlns:a16="http://schemas.microsoft.com/office/drawing/2014/main" id="{92C3F00F-BC34-9D89-547B-5A9BCC48DBBD}"/>
-              </a:ext>
-            </a:extLst>
-          </p:cNvPr>
+          <p:cNvPr id="10" name="Title 9"/>
           <p:cNvSpPr>
             <a:spLocks noGrp="1"/>
           </p:cNvSpPr>
@@ -1965,8 +2140,8 @@
         </p:nvSpPr>
         <p:spPr>
           <a:xfrm>
-            <a:off x="839788" y="365125"/>
-            <a:ext cx="10515600" cy="1325563"/>
+            <a:off x="1097280" y="286603"/>
+            <a:ext cx="10058400" cy="1450757"/>
           </a:xfrm>
         </p:spPr>
         <p:txBody>
@@ -1977,18 +2152,13 @@
               <a:rPr lang="zh-TW" altLang="en-US"/>
               <a:t>按一下以編輯母片標題樣式</a:t>
             </a:r>
+            <a:endParaRPr lang="en-US" dirty="0"/>
           </a:p>
         </p:txBody>
       </p:sp>
       <p:sp>
         <p:nvSpPr>
-          <p:cNvPr id="3" name="文字版面配置區 2">
-            <a:extLst>
-              <a:ext uri="{FF2B5EF4-FFF2-40B4-BE49-F238E27FC236}">
-                <a16:creationId xmlns:a16="http://schemas.microsoft.com/office/drawing/2014/main" id="{129DF4EE-EBD1-B210-B7AB-D3580F884E99}"/>
-              </a:ext>
-            </a:extLst>
-          </p:cNvPr>
+          <p:cNvPr id="3" name="Text Placeholder 2"/>
           <p:cNvSpPr>
             <a:spLocks noGrp="1"/>
           </p:cNvSpPr>
@@ -1998,16 +2168,22 @@
         </p:nvSpPr>
         <p:spPr>
           <a:xfrm>
-            <a:off x="839788" y="1681163"/>
-            <a:ext cx="5157787" cy="823912"/>
+            <a:off x="1097280" y="1846052"/>
+            <a:ext cx="4937760" cy="736282"/>
           </a:xfrm>
         </p:spPr>
         <p:txBody>
-          <a:bodyPr anchor="b"/>
+          <a:bodyPr lIns="91440" rIns="91440" anchor="ctr">
+            <a:normAutofit/>
+          </a:bodyPr>
           <a:lstStyle>
             <a:lvl1pPr marL="0" indent="0">
               <a:buNone/>
-              <a:defRPr sz="2400" b="1"/>
+              <a:defRPr sz="2000" b="0" cap="all" baseline="0">
+                <a:solidFill>
+                  <a:schemeClr val="tx2"/>
+                </a:solidFill>
+              </a:defRPr>
             </a:lvl1pPr>
             <a:lvl2pPr marL="457200" indent="0">
               <a:buNone/>
@@ -2053,13 +2229,7 @@
       </p:sp>
       <p:sp>
         <p:nvSpPr>
-          <p:cNvPr id="4" name="內容版面配置區 3">
-            <a:extLst>
-              <a:ext uri="{FF2B5EF4-FFF2-40B4-BE49-F238E27FC236}">
-                <a16:creationId xmlns:a16="http://schemas.microsoft.com/office/drawing/2014/main" id="{A561B5B5-84F0-3FE3-C21D-62A632926B16}"/>
-              </a:ext>
-            </a:extLst>
-          </p:cNvPr>
+          <p:cNvPr id="4" name="Content Placeholder 3"/>
           <p:cNvSpPr>
             <a:spLocks noGrp="1"/>
           </p:cNvSpPr>
@@ -2069,8 +2239,8 @@
         </p:nvSpPr>
         <p:spPr>
           <a:xfrm>
-            <a:off x="839788" y="2505075"/>
-            <a:ext cx="5157787" cy="3684588"/>
+            <a:off x="1097280" y="2582334"/>
+            <a:ext cx="4937760" cy="3378200"/>
           </a:xfrm>
         </p:spPr>
         <p:txBody>
@@ -2110,18 +2280,13 @@
               <a:rPr lang="zh-TW" altLang="en-US"/>
               <a:t>第五層</a:t>
             </a:r>
+            <a:endParaRPr lang="en-US" dirty="0"/>
           </a:p>
         </p:txBody>
       </p:sp>
       <p:sp>
         <p:nvSpPr>
-          <p:cNvPr id="5" name="文字版面配置區 4">
-            <a:extLst>
-              <a:ext uri="{FF2B5EF4-FFF2-40B4-BE49-F238E27FC236}">
-                <a16:creationId xmlns:a16="http://schemas.microsoft.com/office/drawing/2014/main" id="{84529176-CAAF-8AA9-8976-F5F4EFFD4358}"/>
-              </a:ext>
-            </a:extLst>
-          </p:cNvPr>
+          <p:cNvPr id="5" name="Text Placeholder 4"/>
           <p:cNvSpPr>
             <a:spLocks noGrp="1"/>
           </p:cNvSpPr>
@@ -2131,16 +2296,22 @@
         </p:nvSpPr>
         <p:spPr>
           <a:xfrm>
-            <a:off x="6172200" y="1681163"/>
-            <a:ext cx="5183188" cy="823912"/>
+            <a:off x="6217920" y="1846052"/>
+            <a:ext cx="4937760" cy="736282"/>
           </a:xfrm>
         </p:spPr>
         <p:txBody>
-          <a:bodyPr anchor="b"/>
+          <a:bodyPr lIns="91440" rIns="91440" anchor="ctr">
+            <a:normAutofit/>
+          </a:bodyPr>
           <a:lstStyle>
             <a:lvl1pPr marL="0" indent="0">
               <a:buNone/>
-              <a:defRPr sz="2400" b="1"/>
+              <a:defRPr sz="2000" b="0" cap="all" baseline="0">
+                <a:solidFill>
+                  <a:schemeClr val="tx2"/>
+                </a:solidFill>
+              </a:defRPr>
             </a:lvl1pPr>
             <a:lvl2pPr marL="457200" indent="0">
               <a:buNone/>
@@ -2186,13 +2357,7 @@
       </p:sp>
       <p:sp>
         <p:nvSpPr>
-          <p:cNvPr id="6" name="內容版面配置區 5">
-            <a:extLst>
-              <a:ext uri="{FF2B5EF4-FFF2-40B4-BE49-F238E27FC236}">
-                <a16:creationId xmlns:a16="http://schemas.microsoft.com/office/drawing/2014/main" id="{97800102-7EE6-6677-1515-894924BC2068}"/>
-              </a:ext>
-            </a:extLst>
-          </p:cNvPr>
+          <p:cNvPr id="6" name="Content Placeholder 5"/>
           <p:cNvSpPr>
             <a:spLocks noGrp="1"/>
           </p:cNvSpPr>
@@ -2202,8 +2367,8 @@
         </p:nvSpPr>
         <p:spPr>
           <a:xfrm>
-            <a:off x="6172200" y="2505075"/>
-            <a:ext cx="5183188" cy="3684588"/>
+            <a:off x="6217920" y="2582334"/>
+            <a:ext cx="4937760" cy="3378200"/>
           </a:xfrm>
         </p:spPr>
         <p:txBody>
@@ -2243,18 +2408,13 @@
               <a:rPr lang="zh-TW" altLang="en-US"/>
               <a:t>第五層</a:t>
             </a:r>
+            <a:endParaRPr lang="en-US" dirty="0"/>
           </a:p>
         </p:txBody>
       </p:sp>
       <p:sp>
         <p:nvSpPr>
-          <p:cNvPr id="7" name="日期版面配置區 6">
-            <a:extLst>
-              <a:ext uri="{FF2B5EF4-FFF2-40B4-BE49-F238E27FC236}">
-                <a16:creationId xmlns:a16="http://schemas.microsoft.com/office/drawing/2014/main" id="{D1EBC6AC-97BE-E560-331C-20C023867A1D}"/>
-              </a:ext>
-            </a:extLst>
-          </p:cNvPr>
+          <p:cNvPr id="7" name="Date Placeholder 6"/>
           <p:cNvSpPr>
             <a:spLocks noGrp="1"/>
           </p:cNvSpPr>
@@ -2277,13 +2437,7 @@
       </p:sp>
       <p:sp>
         <p:nvSpPr>
-          <p:cNvPr id="8" name="頁尾版面配置區 7">
-            <a:extLst>
-              <a:ext uri="{FF2B5EF4-FFF2-40B4-BE49-F238E27FC236}">
-                <a16:creationId xmlns:a16="http://schemas.microsoft.com/office/drawing/2014/main" id="{0E8FB29B-A428-8D0E-6D4C-F781E4CA3B32}"/>
-              </a:ext>
-            </a:extLst>
-          </p:cNvPr>
+          <p:cNvPr id="8" name="Footer Placeholder 7"/>
           <p:cNvSpPr>
             <a:spLocks noGrp="1"/>
           </p:cNvSpPr>
@@ -2302,13 +2456,7 @@
       </p:sp>
       <p:sp>
         <p:nvSpPr>
-          <p:cNvPr id="9" name="投影片編號版面配置區 8">
-            <a:extLst>
-              <a:ext uri="{FF2B5EF4-FFF2-40B4-BE49-F238E27FC236}">
-                <a16:creationId xmlns:a16="http://schemas.microsoft.com/office/drawing/2014/main" id="{6E7644F7-18B7-FE03-C41F-C7CE0589179D}"/>
-              </a:ext>
-            </a:extLst>
-          </p:cNvPr>
+          <p:cNvPr id="9" name="Slide Number Placeholder 8"/>
           <p:cNvSpPr>
             <a:spLocks noGrp="1"/>
           </p:cNvSpPr>
@@ -2332,7 +2480,7 @@
     </p:spTree>
     <p:extLst>
       <p:ext uri="{BB962C8B-B14F-4D97-AF65-F5344CB8AC3E}">
-        <p14:creationId xmlns:p14="http://schemas.microsoft.com/office/powerpoint/2010/main" val="594358297"/>
+        <p14:creationId xmlns:p14="http://schemas.microsoft.com/office/powerpoint/2010/main" val="1411625057"/>
       </p:ext>
     </p:extLst>
   </p:cSld>
@@ -2361,13 +2509,7 @@
       </p:grpSpPr>
       <p:sp>
         <p:nvSpPr>
-          <p:cNvPr id="2" name="標題 1">
-            <a:extLst>
-              <a:ext uri="{FF2B5EF4-FFF2-40B4-BE49-F238E27FC236}">
-                <a16:creationId xmlns:a16="http://schemas.microsoft.com/office/drawing/2014/main" id="{307B7A1B-3B5C-92A3-BF64-1E8D09CAA11F}"/>
-              </a:ext>
-            </a:extLst>
-          </p:cNvPr>
+          <p:cNvPr id="2" name="Title 1"/>
           <p:cNvSpPr>
             <a:spLocks noGrp="1"/>
           </p:cNvSpPr>
@@ -2384,18 +2526,13 @@
               <a:rPr lang="zh-TW" altLang="en-US"/>
               <a:t>按一下以編輯母片標題樣式</a:t>
             </a:r>
+            <a:endParaRPr lang="en-US" dirty="0"/>
           </a:p>
         </p:txBody>
       </p:sp>
       <p:sp>
         <p:nvSpPr>
-          <p:cNvPr id="3" name="日期版面配置區 2">
-            <a:extLst>
-              <a:ext uri="{FF2B5EF4-FFF2-40B4-BE49-F238E27FC236}">
-                <a16:creationId xmlns:a16="http://schemas.microsoft.com/office/drawing/2014/main" id="{D9873D49-1398-EA82-506D-7E50B88211C6}"/>
-              </a:ext>
-            </a:extLst>
-          </p:cNvPr>
+          <p:cNvPr id="3" name="Date Placeholder 2"/>
           <p:cNvSpPr>
             <a:spLocks noGrp="1"/>
           </p:cNvSpPr>
@@ -2418,13 +2555,7 @@
       </p:sp>
       <p:sp>
         <p:nvSpPr>
-          <p:cNvPr id="4" name="頁尾版面配置區 3">
-            <a:extLst>
-              <a:ext uri="{FF2B5EF4-FFF2-40B4-BE49-F238E27FC236}">
-                <a16:creationId xmlns:a16="http://schemas.microsoft.com/office/drawing/2014/main" id="{E6972A66-BFF5-889A-1936-F5D4DD303BE0}"/>
-              </a:ext>
-            </a:extLst>
-          </p:cNvPr>
+          <p:cNvPr id="4" name="Footer Placeholder 3"/>
           <p:cNvSpPr>
             <a:spLocks noGrp="1"/>
           </p:cNvSpPr>
@@ -2443,13 +2574,7 @@
       </p:sp>
       <p:sp>
         <p:nvSpPr>
-          <p:cNvPr id="5" name="投影片編號版面配置區 4">
-            <a:extLst>
-              <a:ext uri="{FF2B5EF4-FFF2-40B4-BE49-F238E27FC236}">
-                <a16:creationId xmlns:a16="http://schemas.microsoft.com/office/drawing/2014/main" id="{70807AAD-7309-41AA-82B5-F89834F4903C}"/>
-              </a:ext>
-            </a:extLst>
-          </p:cNvPr>
+          <p:cNvPr id="5" name="Slide Number Placeholder 4"/>
           <p:cNvSpPr>
             <a:spLocks noGrp="1"/>
           </p:cNvSpPr>
@@ -2473,7 +2598,7 @@
     </p:spTree>
     <p:extLst>
       <p:ext uri="{BB962C8B-B14F-4D97-AF65-F5344CB8AC3E}">
-        <p14:creationId xmlns:p14="http://schemas.microsoft.com/office/powerpoint/2010/main" val="1195170493"/>
+        <p14:creationId xmlns:p14="http://schemas.microsoft.com/office/powerpoint/2010/main" val="4294197523"/>
       </p:ext>
     </p:extLst>
   </p:cSld>
@@ -2484,7 +2609,7 @@
 </file>
 
 <file path=ppt/slideLayouts/slideLayout7.xml><?xml version="1.0" encoding="utf-8"?>
-<p:sldLayout xmlns:a="http://schemas.openxmlformats.org/drawingml/2006/main" xmlns:r="http://schemas.openxmlformats.org/officeDocument/2006/relationships" xmlns:p="http://schemas.openxmlformats.org/presentationml/2006/main" type="blank" preserve="1">
+<p:sldLayout xmlns:a="http://schemas.openxmlformats.org/drawingml/2006/main" xmlns:r="http://schemas.openxmlformats.org/officeDocument/2006/relationships" xmlns:p="http://schemas.openxmlformats.org/presentationml/2006/main" showMasterSp="0" type="blank" preserve="1">
   <p:cSld name="空白">
     <p:spTree>
       <p:nvGrpSpPr>
@@ -2502,13 +2627,83 @@
       </p:grpSpPr>
       <p:sp>
         <p:nvSpPr>
-          <p:cNvPr id="2" name="日期版面配置區 1">
-            <a:extLst>
-              <a:ext uri="{FF2B5EF4-FFF2-40B4-BE49-F238E27FC236}">
-                <a16:creationId xmlns:a16="http://schemas.microsoft.com/office/drawing/2014/main" id="{B39AEECC-7C28-F6B8-E2A5-DAD31E982518}"/>
-              </a:ext>
-            </a:extLst>
-          </p:cNvPr>
+          <p:cNvPr id="5" name="Rectangle 4"/>
+          <p:cNvSpPr/>
+          <p:nvPr/>
+        </p:nvSpPr>
+        <p:spPr>
+          <a:xfrm>
+            <a:off x="3175" y="6400800"/>
+            <a:ext cx="12188825" cy="457200"/>
+          </a:xfrm>
+          <a:prstGeom prst="rect">
+            <a:avLst/>
+          </a:prstGeom>
+          <a:solidFill>
+            <a:schemeClr val="accent2"/>
+          </a:solidFill>
+          <a:ln>
+            <a:noFill/>
+          </a:ln>
+        </p:spPr>
+        <p:style>
+          <a:lnRef idx="2">
+            <a:schemeClr val="accent1">
+              <a:shade val="50000"/>
+            </a:schemeClr>
+          </a:lnRef>
+          <a:fillRef idx="1">
+            <a:schemeClr val="accent1"/>
+          </a:fillRef>
+          <a:effectRef idx="0">
+            <a:schemeClr val="accent1"/>
+          </a:effectRef>
+          <a:fontRef idx="minor">
+            <a:schemeClr val="lt1"/>
+          </a:fontRef>
+        </p:style>
+      </p:sp>
+      <p:sp>
+        <p:nvSpPr>
+          <p:cNvPr id="6" name="Rectangle 5"/>
+          <p:cNvSpPr/>
+          <p:nvPr/>
+        </p:nvSpPr>
+        <p:spPr>
+          <a:xfrm>
+            <a:off x="15" y="6334316"/>
+            <a:ext cx="12188825" cy="64008"/>
+          </a:xfrm>
+          <a:prstGeom prst="rect">
+            <a:avLst/>
+          </a:prstGeom>
+          <a:solidFill>
+            <a:schemeClr val="accent1"/>
+          </a:solidFill>
+          <a:ln>
+            <a:noFill/>
+          </a:ln>
+        </p:spPr>
+        <p:style>
+          <a:lnRef idx="2">
+            <a:schemeClr val="accent1">
+              <a:shade val="50000"/>
+            </a:schemeClr>
+          </a:lnRef>
+          <a:fillRef idx="1">
+            <a:schemeClr val="accent1"/>
+          </a:fillRef>
+          <a:effectRef idx="0">
+            <a:schemeClr val="accent1"/>
+          </a:effectRef>
+          <a:fontRef idx="minor">
+            <a:schemeClr val="lt1"/>
+          </a:fontRef>
+        </p:style>
+      </p:sp>
+      <p:sp>
+        <p:nvSpPr>
+          <p:cNvPr id="7" name="Date Placeholder 6"/>
           <p:cNvSpPr>
             <a:spLocks noGrp="1"/>
           </p:cNvSpPr>
@@ -2531,13 +2726,7 @@
       </p:sp>
       <p:sp>
         <p:nvSpPr>
-          <p:cNvPr id="3" name="頁尾版面配置區 2">
-            <a:extLst>
-              <a:ext uri="{FF2B5EF4-FFF2-40B4-BE49-F238E27FC236}">
-                <a16:creationId xmlns:a16="http://schemas.microsoft.com/office/drawing/2014/main" id="{FACF3286-F6EA-8D86-CD8B-EEF6DC01865B}"/>
-              </a:ext>
-            </a:extLst>
-          </p:cNvPr>
+          <p:cNvPr id="8" name="Footer Placeholder 7"/>
           <p:cNvSpPr>
             <a:spLocks noGrp="1"/>
           </p:cNvSpPr>
@@ -2548,7 +2737,15 @@
         <p:spPr/>
         <p:txBody>
           <a:bodyPr/>
-          <a:lstStyle/>
+          <a:lstStyle>
+            <a:lvl1pPr>
+              <a:defRPr>
+                <a:solidFill>
+                  <a:srgbClr val="FFFFFF"/>
+                </a:solidFill>
+              </a:defRPr>
+            </a:lvl1pPr>
+          </a:lstStyle>
           <a:p>
             <a:endParaRPr lang="zh-TW" altLang="en-US"/>
           </a:p>
@@ -2556,13 +2753,7 @@
       </p:sp>
       <p:sp>
         <p:nvSpPr>
-          <p:cNvPr id="4" name="投影片編號版面配置區 3">
-            <a:extLst>
-              <a:ext uri="{FF2B5EF4-FFF2-40B4-BE49-F238E27FC236}">
-                <a16:creationId xmlns:a16="http://schemas.microsoft.com/office/drawing/2014/main" id="{000A1213-217A-399E-F71A-A5E1324A5ADC}"/>
-              </a:ext>
-            </a:extLst>
-          </p:cNvPr>
+          <p:cNvPr id="9" name="Slide Number Placeholder 8"/>
           <p:cNvSpPr>
             <a:spLocks noGrp="1"/>
           </p:cNvSpPr>
@@ -2586,7 +2777,7 @@
     </p:spTree>
     <p:extLst>
       <p:ext uri="{BB962C8B-B14F-4D97-AF65-F5344CB8AC3E}">
-        <p14:creationId xmlns:p14="http://schemas.microsoft.com/office/powerpoint/2010/main" val="920524106"/>
+        <p14:creationId xmlns:p14="http://schemas.microsoft.com/office/powerpoint/2010/main" val="3905689884"/>
       </p:ext>
     </p:extLst>
   </p:cSld>
@@ -2597,7 +2788,7 @@
 </file>
 
 <file path=ppt/slideLayouts/slideLayout8.xml><?xml version="1.0" encoding="utf-8"?>
-<p:sldLayout xmlns:a="http://schemas.openxmlformats.org/drawingml/2006/main" xmlns:r="http://schemas.openxmlformats.org/officeDocument/2006/relationships" xmlns:p="http://schemas.openxmlformats.org/presentationml/2006/main" type="objTx" preserve="1">
+<p:sldLayout xmlns:a="http://schemas.openxmlformats.org/drawingml/2006/main" xmlns:r="http://schemas.openxmlformats.org/officeDocument/2006/relationships" xmlns:p="http://schemas.openxmlformats.org/presentationml/2006/main" showMasterSp="0" type="objTx" preserve="1">
   <p:cSld name="含輔助字幕的內容">
     <p:spTree>
       <p:nvGrpSpPr>
@@ -2615,13 +2806,83 @@
       </p:grpSpPr>
       <p:sp>
         <p:nvSpPr>
-          <p:cNvPr id="2" name="標題 1">
-            <a:extLst>
-              <a:ext uri="{FF2B5EF4-FFF2-40B4-BE49-F238E27FC236}">
-                <a16:creationId xmlns:a16="http://schemas.microsoft.com/office/drawing/2014/main" id="{6C6E32FD-68E0-4A3C-8EB8-32CC99BA7F4A}"/>
-              </a:ext>
-            </a:extLst>
-          </p:cNvPr>
+          <p:cNvPr id="8" name="Rectangle 7"/>
+          <p:cNvSpPr/>
+          <p:nvPr/>
+        </p:nvSpPr>
+        <p:spPr>
+          <a:xfrm>
+            <a:off x="16" y="0"/>
+            <a:ext cx="4050791" cy="6858000"/>
+          </a:xfrm>
+          <a:prstGeom prst="rect">
+            <a:avLst/>
+          </a:prstGeom>
+          <a:solidFill>
+            <a:schemeClr val="accent2"/>
+          </a:solidFill>
+          <a:ln>
+            <a:noFill/>
+          </a:ln>
+        </p:spPr>
+        <p:style>
+          <a:lnRef idx="2">
+            <a:schemeClr val="accent1">
+              <a:shade val="50000"/>
+            </a:schemeClr>
+          </a:lnRef>
+          <a:fillRef idx="1">
+            <a:schemeClr val="accent1"/>
+          </a:fillRef>
+          <a:effectRef idx="0">
+            <a:schemeClr val="accent1"/>
+          </a:effectRef>
+          <a:fontRef idx="minor">
+            <a:schemeClr val="lt1"/>
+          </a:fontRef>
+        </p:style>
+      </p:sp>
+      <p:sp>
+        <p:nvSpPr>
+          <p:cNvPr id="9" name="Rectangle 8"/>
+          <p:cNvSpPr/>
+          <p:nvPr/>
+        </p:nvSpPr>
+        <p:spPr>
+          <a:xfrm>
+            <a:off x="4040071" y="0"/>
+            <a:ext cx="64008" cy="6858000"/>
+          </a:xfrm>
+          <a:prstGeom prst="rect">
+            <a:avLst/>
+          </a:prstGeom>
+          <a:solidFill>
+            <a:schemeClr val="accent1"/>
+          </a:solidFill>
+          <a:ln>
+            <a:noFill/>
+          </a:ln>
+        </p:spPr>
+        <p:style>
+          <a:lnRef idx="2">
+            <a:schemeClr val="accent1">
+              <a:shade val="50000"/>
+            </a:schemeClr>
+          </a:lnRef>
+          <a:fillRef idx="1">
+            <a:schemeClr val="accent1"/>
+          </a:fillRef>
+          <a:effectRef idx="0">
+            <a:schemeClr val="accent1"/>
+          </a:effectRef>
+          <a:fontRef idx="minor">
+            <a:schemeClr val="lt1"/>
+          </a:fontRef>
+        </p:style>
+      </p:sp>
+      <p:sp>
+        <p:nvSpPr>
+          <p:cNvPr id="2" name="Title 1"/>
           <p:cNvSpPr>
             <a:spLocks noGrp="1"/>
           </p:cNvSpPr>
@@ -2631,15 +2892,21 @@
         </p:nvSpPr>
         <p:spPr>
           <a:xfrm>
-            <a:off x="839788" y="457200"/>
-            <a:ext cx="3932237" cy="1600200"/>
+            <a:off x="457200" y="594359"/>
+            <a:ext cx="3200400" cy="2286000"/>
           </a:xfrm>
         </p:spPr>
         <p:txBody>
-          <a:bodyPr anchor="b"/>
+          <a:bodyPr anchor="b">
+            <a:normAutofit/>
+          </a:bodyPr>
           <a:lstStyle>
             <a:lvl1pPr>
-              <a:defRPr sz="3200"/>
+              <a:defRPr sz="3600" b="0">
+                <a:solidFill>
+                  <a:srgbClr val="FFFFFF"/>
+                </a:solidFill>
+              </a:defRPr>
             </a:lvl1pPr>
           </a:lstStyle>
           <a:p>
@@ -2647,18 +2914,13 @@
               <a:rPr lang="zh-TW" altLang="en-US"/>
               <a:t>按一下以編輯母片標題樣式</a:t>
             </a:r>
+            <a:endParaRPr lang="en-US" dirty="0"/>
           </a:p>
         </p:txBody>
       </p:sp>
       <p:sp>
         <p:nvSpPr>
-          <p:cNvPr id="3" name="內容版面配置區 2">
-            <a:extLst>
-              <a:ext uri="{FF2B5EF4-FFF2-40B4-BE49-F238E27FC236}">
-                <a16:creationId xmlns:a16="http://schemas.microsoft.com/office/drawing/2014/main" id="{1320219C-6B50-3EAC-2942-EF808DF67014}"/>
-              </a:ext>
-            </a:extLst>
-          </p:cNvPr>
+          <p:cNvPr id="3" name="Content Placeholder 2"/>
           <p:cNvSpPr>
             <a:spLocks noGrp="1"/>
           </p:cNvSpPr>
@@ -2668,41 +2930,13 @@
         </p:nvSpPr>
         <p:spPr>
           <a:xfrm>
-            <a:off x="5183188" y="987425"/>
-            <a:ext cx="6172200" cy="4873625"/>
+            <a:off x="4800600" y="731520"/>
+            <a:ext cx="6492240" cy="5257800"/>
           </a:xfrm>
         </p:spPr>
         <p:txBody>
           <a:bodyPr/>
-          <a:lstStyle>
-            <a:lvl1pPr>
-              <a:defRPr sz="3200"/>
-            </a:lvl1pPr>
-            <a:lvl2pPr>
-              <a:defRPr sz="2800"/>
-            </a:lvl2pPr>
-            <a:lvl3pPr>
-              <a:defRPr sz="2400"/>
-            </a:lvl3pPr>
-            <a:lvl4pPr>
-              <a:defRPr sz="2000"/>
-            </a:lvl4pPr>
-            <a:lvl5pPr>
-              <a:defRPr sz="2000"/>
-            </a:lvl5pPr>
-            <a:lvl6pPr>
-              <a:defRPr sz="2000"/>
-            </a:lvl6pPr>
-            <a:lvl7pPr>
-              <a:defRPr sz="2000"/>
-            </a:lvl7pPr>
-            <a:lvl8pPr>
-              <a:defRPr sz="2000"/>
-            </a:lvl8pPr>
-            <a:lvl9pPr>
-              <a:defRPr sz="2000"/>
-            </a:lvl9pPr>
-          </a:lstStyle>
+          <a:lstStyle/>
           <a:p>
             <a:pPr lvl="0"/>
             <a:r>
@@ -2737,18 +2971,13 @@
               <a:rPr lang="zh-TW" altLang="en-US"/>
               <a:t>第五層</a:t>
             </a:r>
+            <a:endParaRPr lang="en-US" dirty="0"/>
           </a:p>
         </p:txBody>
       </p:sp>
       <p:sp>
         <p:nvSpPr>
-          <p:cNvPr id="4" name="文字版面配置區 3">
-            <a:extLst>
-              <a:ext uri="{FF2B5EF4-FFF2-40B4-BE49-F238E27FC236}">
-                <a16:creationId xmlns:a16="http://schemas.microsoft.com/office/drawing/2014/main" id="{D674B9B7-1243-C4C3-30FD-AE57419871F8}"/>
-              </a:ext>
-            </a:extLst>
-          </p:cNvPr>
+          <p:cNvPr id="4" name="Text Placeholder 3"/>
           <p:cNvSpPr>
             <a:spLocks noGrp="1"/>
           </p:cNvSpPr>
@@ -2758,48 +2987,54 @@
         </p:nvSpPr>
         <p:spPr>
           <a:xfrm>
-            <a:off x="839788" y="2057400"/>
-            <a:ext cx="3932237" cy="3811588"/>
+            <a:off x="457200" y="2926080"/>
+            <a:ext cx="3200400" cy="3379124"/>
           </a:xfrm>
         </p:spPr>
         <p:txBody>
-          <a:bodyPr/>
+          <a:bodyPr lIns="91440" rIns="91440">
+            <a:normAutofit/>
+          </a:bodyPr>
           <a:lstStyle>
             <a:lvl1pPr marL="0" indent="0">
               <a:buNone/>
-              <a:defRPr sz="1600"/>
+              <a:defRPr sz="1500">
+                <a:solidFill>
+                  <a:srgbClr val="FFFFFF"/>
+                </a:solidFill>
+              </a:defRPr>
             </a:lvl1pPr>
             <a:lvl2pPr marL="457200" indent="0">
               <a:buNone/>
-              <a:defRPr sz="1400"/>
+              <a:defRPr sz="1200"/>
             </a:lvl2pPr>
             <a:lvl3pPr marL="914400" indent="0">
               <a:buNone/>
-              <a:defRPr sz="1200"/>
+              <a:defRPr sz="1000"/>
             </a:lvl3pPr>
             <a:lvl4pPr marL="1371600" indent="0">
               <a:buNone/>
-              <a:defRPr sz="1000"/>
+              <a:defRPr sz="900"/>
             </a:lvl4pPr>
             <a:lvl5pPr marL="1828800" indent="0">
               <a:buNone/>
-              <a:defRPr sz="1000"/>
+              <a:defRPr sz="900"/>
             </a:lvl5pPr>
             <a:lvl6pPr marL="2286000" indent="0">
               <a:buNone/>
-              <a:defRPr sz="1000"/>
+              <a:defRPr sz="900"/>
             </a:lvl6pPr>
             <a:lvl7pPr marL="2743200" indent="0">
               <a:buNone/>
-              <a:defRPr sz="1000"/>
+              <a:defRPr sz="900"/>
             </a:lvl7pPr>
             <a:lvl8pPr marL="3200400" indent="0">
               <a:buNone/>
-              <a:defRPr sz="1000"/>
+              <a:defRPr sz="900"/>
             </a:lvl8pPr>
             <a:lvl9pPr marL="3657600" indent="0">
               <a:buNone/>
-              <a:defRPr sz="1000"/>
+              <a:defRPr sz="900"/>
             </a:lvl9pPr>
           </a:lstStyle>
           <a:p>
@@ -2813,13 +3048,7 @@
       </p:sp>
       <p:sp>
         <p:nvSpPr>
-          <p:cNvPr id="5" name="日期版面配置區 4">
-            <a:extLst>
-              <a:ext uri="{FF2B5EF4-FFF2-40B4-BE49-F238E27FC236}">
-                <a16:creationId xmlns:a16="http://schemas.microsoft.com/office/drawing/2014/main" id="{E805F0DF-2B03-9762-2B70-3400D4ADDE2E}"/>
-              </a:ext>
-            </a:extLst>
-          </p:cNvPr>
+          <p:cNvPr id="5" name="Date Placeholder 4"/>
           <p:cNvSpPr>
             <a:spLocks noGrp="1"/>
           </p:cNvSpPr>
@@ -2827,10 +3056,19 @@
             <p:ph type="dt" sz="half" idx="10"/>
           </p:nvPr>
         </p:nvSpPr>
-        <p:spPr/>
+        <p:spPr>
+          <a:xfrm>
+            <a:off x="465512" y="6459785"/>
+            <a:ext cx="2618510" cy="365125"/>
+          </a:xfrm>
+        </p:spPr>
         <p:txBody>
           <a:bodyPr/>
-          <a:lstStyle/>
+          <a:lstStyle>
+            <a:lvl1pPr algn="l">
+              <a:defRPr/>
+            </a:lvl1pPr>
+          </a:lstStyle>
           <a:p>
             <a:fld id="{1A2367E1-B96D-4CD0-902D-B87414EBCADA}" type="datetimeFigureOut">
               <a:rPr lang="zh-TW" altLang="en-US" smtClean="0"/>
@@ -2842,13 +3080,7 @@
       </p:sp>
       <p:sp>
         <p:nvSpPr>
-          <p:cNvPr id="6" name="頁尾版面配置區 5">
-            <a:extLst>
-              <a:ext uri="{FF2B5EF4-FFF2-40B4-BE49-F238E27FC236}">
-                <a16:creationId xmlns:a16="http://schemas.microsoft.com/office/drawing/2014/main" id="{06B17B81-5572-215C-CC95-FF022556A46C}"/>
-              </a:ext>
-            </a:extLst>
-          </p:cNvPr>
+          <p:cNvPr id="6" name="Footer Placeholder 5"/>
           <p:cNvSpPr>
             <a:spLocks noGrp="1"/>
           </p:cNvSpPr>
@@ -2856,10 +3088,23 @@
             <p:ph type="ftr" sz="quarter" idx="11"/>
           </p:nvPr>
         </p:nvSpPr>
-        <p:spPr/>
+        <p:spPr>
+          <a:xfrm>
+            <a:off x="4800600" y="6459785"/>
+            <a:ext cx="4648200" cy="365125"/>
+          </a:xfrm>
+        </p:spPr>
         <p:txBody>
           <a:bodyPr/>
-          <a:lstStyle/>
+          <a:lstStyle>
+            <a:lvl1pPr algn="l">
+              <a:defRPr>
+                <a:solidFill>
+                  <a:schemeClr val="tx2"/>
+                </a:solidFill>
+              </a:defRPr>
+            </a:lvl1pPr>
+          </a:lstStyle>
           <a:p>
             <a:endParaRPr lang="zh-TW" altLang="en-US"/>
           </a:p>
@@ -2867,13 +3112,7 @@
       </p:sp>
       <p:sp>
         <p:nvSpPr>
-          <p:cNvPr id="7" name="投影片編號版面配置區 6">
-            <a:extLst>
-              <a:ext uri="{FF2B5EF4-FFF2-40B4-BE49-F238E27FC236}">
-                <a16:creationId xmlns:a16="http://schemas.microsoft.com/office/drawing/2014/main" id="{FEA90B88-93AA-F0A6-1B58-7A64C174DD56}"/>
-              </a:ext>
-            </a:extLst>
-          </p:cNvPr>
+          <p:cNvPr id="7" name="Slide Number Placeholder 6"/>
           <p:cNvSpPr>
             <a:spLocks noGrp="1"/>
           </p:cNvSpPr>
@@ -2884,7 +3123,15 @@
         <p:spPr/>
         <p:txBody>
           <a:bodyPr/>
-          <a:lstStyle/>
+          <a:lstStyle>
+            <a:lvl1pPr>
+              <a:defRPr>
+                <a:solidFill>
+                  <a:schemeClr val="tx2"/>
+                </a:solidFill>
+              </a:defRPr>
+            </a:lvl1pPr>
+          </a:lstStyle>
           <a:p>
             <a:fld id="{5B371FB1-CC40-489C-8110-B90890A5F3AF}" type="slidenum">
               <a:rPr lang="zh-TW" altLang="en-US" smtClean="0"/>
@@ -2897,7 +3144,7 @@
     </p:spTree>
     <p:extLst>
       <p:ext uri="{BB962C8B-B14F-4D97-AF65-F5344CB8AC3E}">
-        <p14:creationId xmlns:p14="http://schemas.microsoft.com/office/powerpoint/2010/main" val="782934006"/>
+        <p14:creationId xmlns:p14="http://schemas.microsoft.com/office/powerpoint/2010/main" val="1185473453"/>
       </p:ext>
     </p:extLst>
   </p:cSld>
@@ -2908,7 +3155,7 @@
 </file>
 
 <file path=ppt/slideLayouts/slideLayout9.xml><?xml version="1.0" encoding="utf-8"?>
-<p:sldLayout xmlns:a="http://schemas.openxmlformats.org/drawingml/2006/main" xmlns:r="http://schemas.openxmlformats.org/officeDocument/2006/relationships" xmlns:p="http://schemas.openxmlformats.org/presentationml/2006/main" type="picTx" preserve="1">
+<p:sldLayout xmlns:a="http://schemas.openxmlformats.org/drawingml/2006/main" xmlns:r="http://schemas.openxmlformats.org/officeDocument/2006/relationships" xmlns:p="http://schemas.openxmlformats.org/presentationml/2006/main" showMasterSp="0" type="picTx" preserve="1">
   <p:cSld name="含輔助字幕的圖片">
     <p:spTree>
       <p:nvGrpSpPr>
@@ -2926,13 +3173,83 @@
       </p:grpSpPr>
       <p:sp>
         <p:nvSpPr>
-          <p:cNvPr id="2" name="標題 1">
-            <a:extLst>
-              <a:ext uri="{FF2B5EF4-FFF2-40B4-BE49-F238E27FC236}">
-                <a16:creationId xmlns:a16="http://schemas.microsoft.com/office/drawing/2014/main" id="{1879D4E0-D5D9-9A17-6AD5-D4DCCA81C0E1}"/>
-              </a:ext>
-            </a:extLst>
-          </p:cNvPr>
+          <p:cNvPr id="8" name="Rectangle 7"/>
+          <p:cNvSpPr/>
+          <p:nvPr/>
+        </p:nvSpPr>
+        <p:spPr>
+          <a:xfrm>
+            <a:off x="0" y="4953000"/>
+            <a:ext cx="12188825" cy="1905000"/>
+          </a:xfrm>
+          <a:prstGeom prst="rect">
+            <a:avLst/>
+          </a:prstGeom>
+          <a:solidFill>
+            <a:schemeClr val="accent2"/>
+          </a:solidFill>
+          <a:ln>
+            <a:noFill/>
+          </a:ln>
+        </p:spPr>
+        <p:style>
+          <a:lnRef idx="2">
+            <a:schemeClr val="accent1">
+              <a:shade val="50000"/>
+            </a:schemeClr>
+          </a:lnRef>
+          <a:fillRef idx="1">
+            <a:schemeClr val="accent1"/>
+          </a:fillRef>
+          <a:effectRef idx="0">
+            <a:schemeClr val="accent1"/>
+          </a:effectRef>
+          <a:fontRef idx="minor">
+            <a:schemeClr val="lt1"/>
+          </a:fontRef>
+        </p:style>
+      </p:sp>
+      <p:sp>
+        <p:nvSpPr>
+          <p:cNvPr id="9" name="Rectangle 8"/>
+          <p:cNvSpPr/>
+          <p:nvPr/>
+        </p:nvSpPr>
+        <p:spPr>
+          <a:xfrm>
+            <a:off x="15" y="4915076"/>
+            <a:ext cx="12188825" cy="64008"/>
+          </a:xfrm>
+          <a:prstGeom prst="rect">
+            <a:avLst/>
+          </a:prstGeom>
+          <a:solidFill>
+            <a:schemeClr val="accent1"/>
+          </a:solidFill>
+          <a:ln>
+            <a:noFill/>
+          </a:ln>
+        </p:spPr>
+        <p:style>
+          <a:lnRef idx="2">
+            <a:schemeClr val="accent1">
+              <a:shade val="50000"/>
+            </a:schemeClr>
+          </a:lnRef>
+          <a:fillRef idx="1">
+            <a:schemeClr val="accent1"/>
+          </a:fillRef>
+          <a:effectRef idx="0">
+            <a:schemeClr val="accent1"/>
+          </a:effectRef>
+          <a:fontRef idx="minor">
+            <a:schemeClr val="lt1"/>
+          </a:fontRef>
+        </p:style>
+      </p:sp>
+      <p:sp>
+        <p:nvSpPr>
+          <p:cNvPr id="2" name="Title 1"/>
           <p:cNvSpPr>
             <a:spLocks noGrp="1"/>
           </p:cNvSpPr>
@@ -2942,15 +3259,21 @@
         </p:nvSpPr>
         <p:spPr>
           <a:xfrm>
-            <a:off x="839788" y="457200"/>
-            <a:ext cx="3932237" cy="1600200"/>
+            <a:off x="1097280" y="5074920"/>
+            <a:ext cx="10113264" cy="822960"/>
           </a:xfrm>
         </p:spPr>
         <p:txBody>
-          <a:bodyPr anchor="b"/>
+          <a:bodyPr lIns="91440" tIns="0" rIns="91440" bIns="0" anchor="b">
+            <a:noAutofit/>
+          </a:bodyPr>
           <a:lstStyle>
             <a:lvl1pPr>
-              <a:defRPr sz="3200"/>
+              <a:defRPr sz="3600" b="0">
+                <a:solidFill>
+                  <a:srgbClr val="FFFFFF"/>
+                </a:solidFill>
+              </a:defRPr>
             </a:lvl1pPr>
           </a:lstStyle>
           <a:p>
@@ -2958,20 +3281,15 @@
               <a:rPr lang="zh-TW" altLang="en-US"/>
               <a:t>按一下以編輯母片標題樣式</a:t>
             </a:r>
+            <a:endParaRPr lang="en-US" dirty="0"/>
           </a:p>
         </p:txBody>
       </p:sp>
       <p:sp>
         <p:nvSpPr>
-          <p:cNvPr id="3" name="圖片版面配置區 2">
-            <a:extLst>
-              <a:ext uri="{FF2B5EF4-FFF2-40B4-BE49-F238E27FC236}">
-                <a16:creationId xmlns:a16="http://schemas.microsoft.com/office/drawing/2014/main" id="{8F3121DB-46CE-1498-A09D-C52BA863513F}"/>
-              </a:ext>
-            </a:extLst>
-          </p:cNvPr>
+          <p:cNvPr id="3" name="Picture Placeholder 2"/>
           <p:cNvSpPr>
-            <a:spLocks noGrp="1"/>
+            <a:spLocks noGrp="1" noChangeAspect="1"/>
           </p:cNvSpPr>
           <p:nvPr>
             <p:ph type="pic" idx="1"/>
@@ -2979,16 +3297,26 @@
         </p:nvSpPr>
         <p:spPr>
           <a:xfrm>
-            <a:off x="5183188" y="987425"/>
-            <a:ext cx="6172200" cy="4873625"/>
+            <a:off x="15" y="0"/>
+            <a:ext cx="12191985" cy="4915076"/>
           </a:xfrm>
+          <a:blipFill>
+            <a:blip r:embed="rId2"/>
+            <a:stretch>
+              <a:fillRect/>
+            </a:stretch>
+          </a:blipFill>
         </p:spPr>
         <p:txBody>
-          <a:bodyPr/>
+          <a:bodyPr lIns="457200" tIns="457200" anchor="t"/>
           <a:lstStyle>
             <a:lvl1pPr marL="0" indent="0">
               <a:buNone/>
-              <a:defRPr sz="3200"/>
+              <a:defRPr sz="3200">
+                <a:solidFill>
+                  <a:schemeClr val="bg1"/>
+                </a:solidFill>
+              </a:defRPr>
             </a:lvl1pPr>
             <a:lvl2pPr marL="457200" indent="0">
               <a:buNone/>
@@ -3024,19 +3352,17 @@
             </a:lvl9pPr>
           </a:lstStyle>
           <a:p>
-            <a:endParaRPr lang="zh-TW" altLang="en-US"/>
+            <a:r>
+              <a:rPr lang="zh-TW" altLang="en-US"/>
+              <a:t>按一下圖示以新增圖片</a:t>
+            </a:r>
+            <a:endParaRPr lang="en-US" dirty="0"/>
           </a:p>
         </p:txBody>
       </p:sp>
       <p:sp>
         <p:nvSpPr>
-          <p:cNvPr id="4" name="文字版面配置區 3">
-            <a:extLst>
-              <a:ext uri="{FF2B5EF4-FFF2-40B4-BE49-F238E27FC236}">
-                <a16:creationId xmlns:a16="http://schemas.microsoft.com/office/drawing/2014/main" id="{8482BAAB-4969-69CC-F558-EA88DD187D3F}"/>
-              </a:ext>
-            </a:extLst>
-          </p:cNvPr>
+          <p:cNvPr id="4" name="Text Placeholder 3"/>
           <p:cNvSpPr>
             <a:spLocks noGrp="1"/>
           </p:cNvSpPr>
@@ -3046,48 +3372,60 @@
         </p:nvSpPr>
         <p:spPr>
           <a:xfrm>
-            <a:off x="839788" y="2057400"/>
-            <a:ext cx="3932237" cy="3811588"/>
+            <a:off x="1097280" y="5907023"/>
+            <a:ext cx="10113264" cy="594360"/>
           </a:xfrm>
         </p:spPr>
         <p:txBody>
-          <a:bodyPr/>
+          <a:bodyPr lIns="91440" tIns="0" rIns="91440" bIns="0">
+            <a:normAutofit/>
+          </a:bodyPr>
           <a:lstStyle>
             <a:lvl1pPr marL="0" indent="0">
+              <a:spcBef>
+                <a:spcPts val="0"/>
+              </a:spcBef>
+              <a:spcAft>
+                <a:spcPts val="600"/>
+              </a:spcAft>
               <a:buNone/>
-              <a:defRPr sz="1600"/>
+              <a:defRPr sz="1500">
+                <a:solidFill>
+                  <a:srgbClr val="FFFFFF"/>
+                </a:solidFill>
+              </a:defRPr>
             </a:lvl1pPr>
             <a:lvl2pPr marL="457200" indent="0">
               <a:buNone/>
-              <a:defRPr sz="1400"/>
+              <a:defRPr sz="1200"/>
             </a:lvl2pPr>
             <a:lvl3pPr marL="914400" indent="0">
               <a:buNone/>
-              <a:defRPr sz="1200"/>
+              <a:defRPr sz="1000"/>
             </a:lvl3pPr>
             <a:lvl4pPr marL="1371600" indent="0">
               <a:buNone/>
-              <a:defRPr sz="1000"/>
+              <a:defRPr sz="900"/>
             </a:lvl4pPr>
             <a:lvl5pPr marL="1828800" indent="0">
               <a:buNone/>
-              <a:defRPr sz="1000"/>
+              <a:defRPr sz="900"/>
             </a:lvl5pPr>
             <a:lvl6pPr marL="2286000" indent="0">
               <a:buNone/>
-              <a:defRPr sz="1000"/>
+              <a:defRPr sz="900"/>
             </a:lvl6pPr>
             <a:lvl7pPr marL="2743200" indent="0">
               <a:buNone/>
-              <a:defRPr sz="1000"/>
+              <a:defRPr sz="900"/>
             </a:lvl7pPr>
             <a:lvl8pPr marL="3200400" indent="0">
               <a:buNone/>
-              <a:defRPr sz="1000"/>
+              <a:defRPr sz="900"/>
             </a:lvl8pPr>
             <a:lvl9pPr marL="3657600" indent="0">
               <a:buNone/>
-              <a:defRPr sz="1000"/>
+              <a:defRPr sz="900"/>
             </a:lvl9pPr>
           </a:lstStyle>
           <a:p>
@@ -3101,13 +3439,7 @@
       </p:sp>
       <p:sp>
         <p:nvSpPr>
-          <p:cNvPr id="5" name="日期版面配置區 4">
-            <a:extLst>
-              <a:ext uri="{FF2B5EF4-FFF2-40B4-BE49-F238E27FC236}">
-                <a16:creationId xmlns:a16="http://schemas.microsoft.com/office/drawing/2014/main" id="{068601B1-A464-1337-DAC3-3329890BF4FA}"/>
-              </a:ext>
-            </a:extLst>
-          </p:cNvPr>
+          <p:cNvPr id="5" name="Date Placeholder 4"/>
           <p:cNvSpPr>
             <a:spLocks noGrp="1"/>
           </p:cNvSpPr>
@@ -3130,13 +3462,7 @@
       </p:sp>
       <p:sp>
         <p:nvSpPr>
-          <p:cNvPr id="6" name="頁尾版面配置區 5">
-            <a:extLst>
-              <a:ext uri="{FF2B5EF4-FFF2-40B4-BE49-F238E27FC236}">
-                <a16:creationId xmlns:a16="http://schemas.microsoft.com/office/drawing/2014/main" id="{A97BF738-69C7-3919-A50B-B1102689A59A}"/>
-              </a:ext>
-            </a:extLst>
-          </p:cNvPr>
+          <p:cNvPr id="6" name="Footer Placeholder 5"/>
           <p:cNvSpPr>
             <a:spLocks noGrp="1"/>
           </p:cNvSpPr>
@@ -3155,13 +3481,7 @@
       </p:sp>
       <p:sp>
         <p:nvSpPr>
-          <p:cNvPr id="7" name="投影片編號版面配置區 6">
-            <a:extLst>
-              <a:ext uri="{FF2B5EF4-FFF2-40B4-BE49-F238E27FC236}">
-                <a16:creationId xmlns:a16="http://schemas.microsoft.com/office/drawing/2014/main" id="{6E271A9E-0543-0188-DA9D-BAB261E9BAE8}"/>
-              </a:ext>
-            </a:extLst>
-          </p:cNvPr>
+          <p:cNvPr id="7" name="Slide Number Placeholder 6"/>
           <p:cNvSpPr>
             <a:spLocks noGrp="1"/>
           </p:cNvSpPr>
@@ -3185,7 +3505,7 @@
     </p:spTree>
     <p:extLst>
       <p:ext uri="{BB962C8B-B14F-4D97-AF65-F5344CB8AC3E}">
-        <p14:creationId xmlns:p14="http://schemas.microsoft.com/office/powerpoint/2010/main" val="594645086"/>
+        <p14:creationId xmlns:p14="http://schemas.microsoft.com/office/powerpoint/2010/main" val="233508756"/>
       </p:ext>
     </p:extLst>
   </p:cSld>
@@ -3219,13 +3539,83 @@
       </p:grpSpPr>
       <p:sp>
         <p:nvSpPr>
-          <p:cNvPr id="2" name="標題版面配置區 1">
-            <a:extLst>
-              <a:ext uri="{FF2B5EF4-FFF2-40B4-BE49-F238E27FC236}">
-                <a16:creationId xmlns:a16="http://schemas.microsoft.com/office/drawing/2014/main" id="{FED75D3C-203B-67DF-8D19-B8BD649DCEC1}"/>
-              </a:ext>
-            </a:extLst>
-          </p:cNvPr>
+          <p:cNvPr id="7" name="Rectangle 6"/>
+          <p:cNvSpPr/>
+          <p:nvPr/>
+        </p:nvSpPr>
+        <p:spPr>
+          <a:xfrm>
+            <a:off x="1" y="6400800"/>
+            <a:ext cx="12192000" cy="457200"/>
+          </a:xfrm>
+          <a:prstGeom prst="rect">
+            <a:avLst/>
+          </a:prstGeom>
+          <a:solidFill>
+            <a:schemeClr val="accent2"/>
+          </a:solidFill>
+          <a:ln>
+            <a:noFill/>
+          </a:ln>
+        </p:spPr>
+        <p:style>
+          <a:lnRef idx="2">
+            <a:schemeClr val="accent1">
+              <a:shade val="50000"/>
+            </a:schemeClr>
+          </a:lnRef>
+          <a:fillRef idx="1">
+            <a:schemeClr val="accent1"/>
+          </a:fillRef>
+          <a:effectRef idx="0">
+            <a:schemeClr val="accent1"/>
+          </a:effectRef>
+          <a:fontRef idx="minor">
+            <a:schemeClr val="lt1"/>
+          </a:fontRef>
+        </p:style>
+      </p:sp>
+      <p:sp>
+        <p:nvSpPr>
+          <p:cNvPr id="9" name="Rectangle 8"/>
+          <p:cNvSpPr/>
+          <p:nvPr/>
+        </p:nvSpPr>
+        <p:spPr>
+          <a:xfrm>
+            <a:off x="0" y="6334316"/>
+            <a:ext cx="12192001" cy="65998"/>
+          </a:xfrm>
+          <a:prstGeom prst="rect">
+            <a:avLst/>
+          </a:prstGeom>
+          <a:solidFill>
+            <a:schemeClr val="accent1"/>
+          </a:solidFill>
+          <a:ln>
+            <a:noFill/>
+          </a:ln>
+        </p:spPr>
+        <p:style>
+          <a:lnRef idx="2">
+            <a:schemeClr val="accent1">
+              <a:shade val="50000"/>
+            </a:schemeClr>
+          </a:lnRef>
+          <a:fillRef idx="1">
+            <a:schemeClr val="accent1"/>
+          </a:fillRef>
+          <a:effectRef idx="0">
+            <a:schemeClr val="accent1"/>
+          </a:effectRef>
+          <a:fontRef idx="minor">
+            <a:schemeClr val="lt1"/>
+          </a:fontRef>
+        </p:style>
+      </p:sp>
+      <p:sp>
+        <p:nvSpPr>
+          <p:cNvPr id="2" name="Title Placeholder 1"/>
           <p:cNvSpPr>
             <a:spLocks noGrp="1"/>
           </p:cNvSpPr>
@@ -3235,15 +3625,15 @@
         </p:nvSpPr>
         <p:spPr>
           <a:xfrm>
-            <a:off x="838200" y="365125"/>
-            <a:ext cx="10515600" cy="1325563"/>
+            <a:off x="1097280" y="286603"/>
+            <a:ext cx="10058400" cy="1450757"/>
           </a:xfrm>
           <a:prstGeom prst="rect">
             <a:avLst/>
           </a:prstGeom>
         </p:spPr>
         <p:txBody>
-          <a:bodyPr vert="horz" lIns="91440" tIns="45720" rIns="91440" bIns="45720" rtlCol="0" anchor="ctr">
+          <a:bodyPr vert="horz" lIns="91440" tIns="45720" rIns="91440" bIns="45720" rtlCol="0" anchor="b">
             <a:normAutofit/>
           </a:bodyPr>
           <a:lstStyle/>
@@ -3252,18 +3642,13 @@
               <a:rPr lang="zh-TW" altLang="en-US"/>
               <a:t>按一下以編輯母片標題樣式</a:t>
             </a:r>
+            <a:endParaRPr lang="en-US" dirty="0"/>
           </a:p>
         </p:txBody>
       </p:sp>
       <p:sp>
         <p:nvSpPr>
-          <p:cNvPr id="3" name="文字版面配置區 2">
-            <a:extLst>
-              <a:ext uri="{FF2B5EF4-FFF2-40B4-BE49-F238E27FC236}">
-                <a16:creationId xmlns:a16="http://schemas.microsoft.com/office/drawing/2014/main" id="{1002DB4B-E9D3-28C1-12D1-7641797F0BAE}"/>
-              </a:ext>
-            </a:extLst>
-          </p:cNvPr>
+          <p:cNvPr id="3" name="Text Placeholder 2"/>
           <p:cNvSpPr>
             <a:spLocks noGrp="1"/>
           </p:cNvSpPr>
@@ -3273,15 +3658,15 @@
         </p:nvSpPr>
         <p:spPr>
           <a:xfrm>
-            <a:off x="838200" y="1825625"/>
-            <a:ext cx="10515600" cy="4351338"/>
+            <a:off x="1097280" y="1845734"/>
+            <a:ext cx="10058400" cy="4023360"/>
           </a:xfrm>
           <a:prstGeom prst="rect">
             <a:avLst/>
           </a:prstGeom>
         </p:spPr>
         <p:txBody>
-          <a:bodyPr vert="horz" lIns="91440" tIns="45720" rIns="91440" bIns="45720" rtlCol="0">
+          <a:bodyPr vert="horz" lIns="0" tIns="45720" rIns="0" bIns="45720" rtlCol="0">
             <a:normAutofit/>
           </a:bodyPr>
           <a:lstStyle/>
@@ -3319,18 +3704,13 @@
               <a:rPr lang="zh-TW" altLang="en-US"/>
               <a:t>第五層</a:t>
             </a:r>
+            <a:endParaRPr lang="en-US" dirty="0"/>
           </a:p>
         </p:txBody>
       </p:sp>
       <p:sp>
         <p:nvSpPr>
-          <p:cNvPr id="4" name="日期版面配置區 3">
-            <a:extLst>
-              <a:ext uri="{FF2B5EF4-FFF2-40B4-BE49-F238E27FC236}">
-                <a16:creationId xmlns:a16="http://schemas.microsoft.com/office/drawing/2014/main" id="{E56AD115-4BBB-4B82-7E5C-F45DA3DEC121}"/>
-              </a:ext>
-            </a:extLst>
-          </p:cNvPr>
+          <p:cNvPr id="4" name="Date Placeholder 3"/>
           <p:cNvSpPr>
             <a:spLocks noGrp="1"/>
           </p:cNvSpPr>
@@ -3340,8 +3720,8 @@
         </p:nvSpPr>
         <p:spPr>
           <a:xfrm>
-            <a:off x="838200" y="6356350"/>
-            <a:ext cx="2743200" cy="365125"/>
+            <a:off x="1097280" y="6459785"/>
+            <a:ext cx="2472271" cy="365125"/>
           </a:xfrm>
           <a:prstGeom prst="rect">
             <a:avLst/>
@@ -3351,11 +3731,9 @@
           <a:bodyPr vert="horz" lIns="91440" tIns="45720" rIns="91440" bIns="45720" rtlCol="0" anchor="ctr"/>
           <a:lstStyle>
             <a:lvl1pPr algn="l">
-              <a:defRPr sz="1200">
-                <a:solidFill>
-                  <a:schemeClr val="tx1">
-                    <a:tint val="75000"/>
-                  </a:schemeClr>
+              <a:defRPr sz="900">
+                <a:solidFill>
+                  <a:srgbClr val="FFFFFF"/>
                 </a:solidFill>
               </a:defRPr>
             </a:lvl1pPr>
@@ -3371,13 +3749,7 @@
       </p:sp>
       <p:sp>
         <p:nvSpPr>
-          <p:cNvPr id="5" name="頁尾版面配置區 4">
-            <a:extLst>
-              <a:ext uri="{FF2B5EF4-FFF2-40B4-BE49-F238E27FC236}">
-                <a16:creationId xmlns:a16="http://schemas.microsoft.com/office/drawing/2014/main" id="{06664928-D56E-2D83-32AF-7AAC279C37F9}"/>
-              </a:ext>
-            </a:extLst>
-          </p:cNvPr>
+          <p:cNvPr id="5" name="Footer Placeholder 4"/>
           <p:cNvSpPr>
             <a:spLocks noGrp="1"/>
           </p:cNvSpPr>
@@ -3387,8 +3759,8 @@
         </p:nvSpPr>
         <p:spPr>
           <a:xfrm>
-            <a:off x="4038600" y="6356350"/>
-            <a:ext cx="4114800" cy="365125"/>
+            <a:off x="3686185" y="6459785"/>
+            <a:ext cx="4822804" cy="365125"/>
           </a:xfrm>
           <a:prstGeom prst="rect">
             <a:avLst/>
@@ -3398,11 +3770,9 @@
           <a:bodyPr vert="horz" lIns="91440" tIns="45720" rIns="91440" bIns="45720" rtlCol="0" anchor="ctr"/>
           <a:lstStyle>
             <a:lvl1pPr algn="ctr">
-              <a:defRPr sz="1200">
-                <a:solidFill>
-                  <a:schemeClr val="tx1">
-                    <a:tint val="75000"/>
-                  </a:schemeClr>
+              <a:defRPr sz="900" cap="all" baseline="0">
+                <a:solidFill>
+                  <a:srgbClr val="FFFFFF"/>
                 </a:solidFill>
               </a:defRPr>
             </a:lvl1pPr>
@@ -3414,13 +3784,7 @@
       </p:sp>
       <p:sp>
         <p:nvSpPr>
-          <p:cNvPr id="6" name="投影片編號版面配置區 5">
-            <a:extLst>
-              <a:ext uri="{FF2B5EF4-FFF2-40B4-BE49-F238E27FC236}">
-                <a16:creationId xmlns:a16="http://schemas.microsoft.com/office/drawing/2014/main" id="{4946E5BE-7E46-A318-59CE-088FF6D9082C}"/>
-              </a:ext>
-            </a:extLst>
-          </p:cNvPr>
+          <p:cNvPr id="6" name="Slide Number Placeholder 5"/>
           <p:cNvSpPr>
             <a:spLocks noGrp="1"/>
           </p:cNvSpPr>
@@ -3430,8 +3794,8 @@
         </p:nvSpPr>
         <p:spPr>
           <a:xfrm>
-            <a:off x="8610600" y="6356350"/>
-            <a:ext cx="2743200" cy="365125"/>
+            <a:off x="9900458" y="6459785"/>
+            <a:ext cx="1312025" cy="365125"/>
           </a:xfrm>
           <a:prstGeom prst="rect">
             <a:avLst/>
@@ -3441,11 +3805,9 @@
           <a:bodyPr vert="horz" lIns="91440" tIns="45720" rIns="91440" bIns="45720" rtlCol="0" anchor="ctr"/>
           <a:lstStyle>
             <a:lvl1pPr algn="r">
-              <a:defRPr sz="1200">
-                <a:solidFill>
-                  <a:schemeClr val="tx1">
-                    <a:tint val="75000"/>
-                  </a:schemeClr>
+              <a:defRPr sz="1050">
+                <a:solidFill>
+                  <a:srgbClr val="FFFFFF"/>
                 </a:solidFill>
               </a:defRPr>
             </a:lvl1pPr>
@@ -3459,40 +3821,81 @@
           </a:p>
         </p:txBody>
       </p:sp>
+      <p:cxnSp>
+        <p:nvCxnSpPr>
+          <p:cNvPr id="10" name="Straight Connector 9"/>
+          <p:cNvCxnSpPr/>
+          <p:nvPr/>
+        </p:nvCxnSpPr>
+        <p:spPr>
+          <a:xfrm>
+            <a:off x="1193532" y="1737845"/>
+            <a:ext cx="9966960" cy="0"/>
+          </a:xfrm>
+          <a:prstGeom prst="line">
+            <a:avLst/>
+          </a:prstGeom>
+          <a:ln w="6350">
+            <a:solidFill>
+              <a:schemeClr val="tx1">
+                <a:lumMod val="50000"/>
+                <a:lumOff val="50000"/>
+              </a:schemeClr>
+            </a:solidFill>
+          </a:ln>
+        </p:spPr>
+        <p:style>
+          <a:lnRef idx="1">
+            <a:schemeClr val="accent1"/>
+          </a:lnRef>
+          <a:fillRef idx="0">
+            <a:schemeClr val="accent1"/>
+          </a:fillRef>
+          <a:effectRef idx="0">
+            <a:schemeClr val="accent1"/>
+          </a:effectRef>
+          <a:fontRef idx="minor">
+            <a:schemeClr val="tx1"/>
+          </a:fontRef>
+        </p:style>
+      </p:cxnSp>
     </p:spTree>
     <p:extLst>
       <p:ext uri="{BB962C8B-B14F-4D97-AF65-F5344CB8AC3E}">
-        <p14:creationId xmlns:p14="http://schemas.microsoft.com/office/powerpoint/2010/main" val="94171280"/>
+        <p14:creationId xmlns:p14="http://schemas.microsoft.com/office/powerpoint/2010/main" val="3482882073"/>
       </p:ext>
     </p:extLst>
   </p:cSld>
   <p:clrMap bg1="lt1" tx1="dk1" bg2="lt2" tx2="dk2" accent1="accent1" accent2="accent2" accent3="accent3" accent4="accent4" accent5="accent5" accent6="accent6" hlink="hlink" folHlink="folHlink"/>
   <p:sldLayoutIdLst>
-    <p:sldLayoutId id="2147483649" r:id="rId1"/>
-    <p:sldLayoutId id="2147483650" r:id="rId2"/>
-    <p:sldLayoutId id="2147483651" r:id="rId3"/>
-    <p:sldLayoutId id="2147483652" r:id="rId4"/>
-    <p:sldLayoutId id="2147483653" r:id="rId5"/>
-    <p:sldLayoutId id="2147483654" r:id="rId6"/>
-    <p:sldLayoutId id="2147483655" r:id="rId7"/>
-    <p:sldLayoutId id="2147483656" r:id="rId8"/>
-    <p:sldLayoutId id="2147483657" r:id="rId9"/>
-    <p:sldLayoutId id="2147483658" r:id="rId10"/>
-    <p:sldLayoutId id="2147483659" r:id="rId11"/>
+    <p:sldLayoutId id="2147483661" r:id="rId1"/>
+    <p:sldLayoutId id="2147483662" r:id="rId2"/>
+    <p:sldLayoutId id="2147483663" r:id="rId3"/>
+    <p:sldLayoutId id="2147483664" r:id="rId4"/>
+    <p:sldLayoutId id="2147483665" r:id="rId5"/>
+    <p:sldLayoutId id="2147483666" r:id="rId6"/>
+    <p:sldLayoutId id="2147483667" r:id="rId7"/>
+    <p:sldLayoutId id="2147483668" r:id="rId8"/>
+    <p:sldLayoutId id="2147483669" r:id="rId9"/>
+    <p:sldLayoutId id="2147483670" r:id="rId10"/>
+    <p:sldLayoutId id="2147483671" r:id="rId11"/>
   </p:sldLayoutIdLst>
   <p:txStyles>
     <p:titleStyle>
       <a:lvl1pPr algn="l" defTabSz="914400" rtl="0" eaLnBrk="1" latinLnBrk="0" hangingPunct="1">
         <a:lnSpc>
-          <a:spcPct val="90000"/>
+          <a:spcPct val="85000"/>
         </a:lnSpc>
         <a:spcBef>
           <a:spcPct val="0"/>
         </a:spcBef>
         <a:buNone/>
-        <a:defRPr sz="4400" kern="1200">
+        <a:defRPr sz="4800" kern="1200" spc="-50" baseline="0">
           <a:solidFill>
-            <a:schemeClr val="tx1"/>
+            <a:schemeClr val="tx1">
+              <a:lumMod val="75000"/>
+              <a:lumOff val="25000"/>
+            </a:schemeClr>
           </a:solidFill>
           <a:latin typeface="+mj-lt"/>
           <a:ea typeface="+mj-ea"/>
@@ -3501,162 +3904,244 @@
       </a:lvl1pPr>
     </p:titleStyle>
     <p:bodyStyle>
-      <a:lvl1pPr marL="228600" indent="-228600" algn="l" defTabSz="914400" rtl="0" eaLnBrk="1" latinLnBrk="0" hangingPunct="1">
+      <a:lvl1pPr marL="91440" indent="-91440" algn="l" defTabSz="914400" rtl="0" eaLnBrk="1" latinLnBrk="0" hangingPunct="1">
         <a:lnSpc>
           <a:spcPct val="90000"/>
         </a:lnSpc>
         <a:spcBef>
-          <a:spcPts val="1000"/>
+          <a:spcPts val="1200"/>
         </a:spcBef>
-        <a:buFont typeface="Arial" panose="020B0604020202020204" pitchFamily="34" charset="0"/>
-        <a:buChar char="•"/>
-        <a:defRPr sz="2800" kern="1200">
+        <a:spcAft>
+          <a:spcPts val="200"/>
+        </a:spcAft>
+        <a:buClr>
+          <a:schemeClr val="accent1"/>
+        </a:buClr>
+        <a:buSzPct val="100000"/>
+        <a:buFont typeface="Calibri" panose="020F0502020204030204" pitchFamily="34" charset="0"/>
+        <a:buChar char=" "/>
+        <a:defRPr sz="2000" kern="1200">
           <a:solidFill>
-            <a:schemeClr val="tx1"/>
+            <a:schemeClr val="tx1">
+              <a:lumMod val="75000"/>
+              <a:lumOff val="25000"/>
+            </a:schemeClr>
           </a:solidFill>
           <a:latin typeface="+mn-lt"/>
           <a:ea typeface="+mn-ea"/>
           <a:cs typeface="+mn-cs"/>
         </a:defRPr>
       </a:lvl1pPr>
-      <a:lvl2pPr marL="685800" indent="-228600" algn="l" defTabSz="914400" rtl="0" eaLnBrk="1" latinLnBrk="0" hangingPunct="1">
+      <a:lvl2pPr marL="384048" indent="-182880" algn="l" defTabSz="914400" rtl="0" eaLnBrk="1" latinLnBrk="0" hangingPunct="1">
         <a:lnSpc>
           <a:spcPct val="90000"/>
         </a:lnSpc>
         <a:spcBef>
-          <a:spcPts val="500"/>
+          <a:spcPts val="200"/>
         </a:spcBef>
-        <a:buFont typeface="Arial" panose="020B0604020202020204" pitchFamily="34" charset="0"/>
-        <a:buChar char="•"/>
-        <a:defRPr sz="2400" kern="1200">
+        <a:spcAft>
+          <a:spcPts val="400"/>
+        </a:spcAft>
+        <a:buClr>
+          <a:schemeClr val="accent1"/>
+        </a:buClr>
+        <a:buFont typeface="Calibri" pitchFamily="34" charset="0"/>
+        <a:buChar char="◦"/>
+        <a:defRPr sz="1800" kern="1200">
           <a:solidFill>
-            <a:schemeClr val="tx1"/>
+            <a:schemeClr val="tx1">
+              <a:lumMod val="75000"/>
+              <a:lumOff val="25000"/>
+            </a:schemeClr>
           </a:solidFill>
           <a:latin typeface="+mn-lt"/>
           <a:ea typeface="+mn-ea"/>
           <a:cs typeface="+mn-cs"/>
         </a:defRPr>
       </a:lvl2pPr>
-      <a:lvl3pPr marL="1143000" indent="-228600" algn="l" defTabSz="914400" rtl="0" eaLnBrk="1" latinLnBrk="0" hangingPunct="1">
+      <a:lvl3pPr marL="566928" indent="-182880" algn="l" defTabSz="914400" rtl="0" eaLnBrk="1" latinLnBrk="0" hangingPunct="1">
         <a:lnSpc>
           <a:spcPct val="90000"/>
         </a:lnSpc>
         <a:spcBef>
-          <a:spcPts val="500"/>
+          <a:spcPts val="200"/>
         </a:spcBef>
-        <a:buFont typeface="Arial" panose="020B0604020202020204" pitchFamily="34" charset="0"/>
-        <a:buChar char="•"/>
-        <a:defRPr sz="2000" kern="1200">
+        <a:spcAft>
+          <a:spcPts val="400"/>
+        </a:spcAft>
+        <a:buClr>
+          <a:schemeClr val="accent1"/>
+        </a:buClr>
+        <a:buFont typeface="Calibri" pitchFamily="34" charset="0"/>
+        <a:buChar char="◦"/>
+        <a:defRPr sz="1400" kern="1200">
           <a:solidFill>
-            <a:schemeClr val="tx1"/>
+            <a:schemeClr val="tx1">
+              <a:lumMod val="75000"/>
+              <a:lumOff val="25000"/>
+            </a:schemeClr>
           </a:solidFill>
           <a:latin typeface="+mn-lt"/>
           <a:ea typeface="+mn-ea"/>
           <a:cs typeface="+mn-cs"/>
         </a:defRPr>
       </a:lvl3pPr>
-      <a:lvl4pPr marL="1600200" indent="-228600" algn="l" defTabSz="914400" rtl="0" eaLnBrk="1" latinLnBrk="0" hangingPunct="1">
+      <a:lvl4pPr marL="749808" indent="-182880" algn="l" defTabSz="914400" rtl="0" eaLnBrk="1" latinLnBrk="0" hangingPunct="1">
         <a:lnSpc>
           <a:spcPct val="90000"/>
         </a:lnSpc>
         <a:spcBef>
-          <a:spcPts val="500"/>
+          <a:spcPts val="200"/>
         </a:spcBef>
-        <a:buFont typeface="Arial" panose="020B0604020202020204" pitchFamily="34" charset="0"/>
-        <a:buChar char="•"/>
-        <a:defRPr sz="1800" kern="1200">
+        <a:spcAft>
+          <a:spcPts val="400"/>
+        </a:spcAft>
+        <a:buClr>
+          <a:schemeClr val="accent1"/>
+        </a:buClr>
+        <a:buFont typeface="Calibri" pitchFamily="34" charset="0"/>
+        <a:buChar char="◦"/>
+        <a:defRPr sz="1400" kern="1200">
           <a:solidFill>
-            <a:schemeClr val="tx1"/>
+            <a:schemeClr val="tx1">
+              <a:lumMod val="75000"/>
+              <a:lumOff val="25000"/>
+            </a:schemeClr>
           </a:solidFill>
           <a:latin typeface="+mn-lt"/>
           <a:ea typeface="+mn-ea"/>
           <a:cs typeface="+mn-cs"/>
         </a:defRPr>
       </a:lvl4pPr>
-      <a:lvl5pPr marL="2057400" indent="-228600" algn="l" defTabSz="914400" rtl="0" eaLnBrk="1" latinLnBrk="0" hangingPunct="1">
+      <a:lvl5pPr marL="932688" indent="-182880" algn="l" defTabSz="914400" rtl="0" eaLnBrk="1" latinLnBrk="0" hangingPunct="1">
         <a:lnSpc>
           <a:spcPct val="90000"/>
         </a:lnSpc>
         <a:spcBef>
-          <a:spcPts val="500"/>
+          <a:spcPts val="200"/>
         </a:spcBef>
-        <a:buFont typeface="Arial" panose="020B0604020202020204" pitchFamily="34" charset="0"/>
-        <a:buChar char="•"/>
-        <a:defRPr sz="1800" kern="1200">
+        <a:spcAft>
+          <a:spcPts val="400"/>
+        </a:spcAft>
+        <a:buClr>
+          <a:schemeClr val="accent1"/>
+        </a:buClr>
+        <a:buFont typeface="Calibri" pitchFamily="34" charset="0"/>
+        <a:buChar char="◦"/>
+        <a:defRPr sz="1400" kern="1200">
           <a:solidFill>
-            <a:schemeClr val="tx1"/>
+            <a:schemeClr val="tx1">
+              <a:lumMod val="75000"/>
+              <a:lumOff val="25000"/>
+            </a:schemeClr>
           </a:solidFill>
           <a:latin typeface="+mn-lt"/>
           <a:ea typeface="+mn-ea"/>
           <a:cs typeface="+mn-cs"/>
         </a:defRPr>
       </a:lvl5pPr>
-      <a:lvl6pPr marL="2514600" indent="-228600" algn="l" defTabSz="914400" rtl="0" eaLnBrk="1" latinLnBrk="0" hangingPunct="1">
+      <a:lvl6pPr marL="1100000" indent="-228600" algn="l" defTabSz="914400" rtl="0" eaLnBrk="1" latinLnBrk="0" hangingPunct="1">
         <a:lnSpc>
           <a:spcPct val="90000"/>
         </a:lnSpc>
         <a:spcBef>
-          <a:spcPts val="500"/>
+          <a:spcPts val="200"/>
         </a:spcBef>
-        <a:buFont typeface="Arial" panose="020B0604020202020204" pitchFamily="34" charset="0"/>
-        <a:buChar char="•"/>
-        <a:defRPr sz="1800" kern="1200">
+        <a:spcAft>
+          <a:spcPts val="400"/>
+        </a:spcAft>
+        <a:buClr>
+          <a:schemeClr val="accent1"/>
+        </a:buClr>
+        <a:buFont typeface="Calibri" pitchFamily="34" charset="0"/>
+        <a:buChar char="◦"/>
+        <a:defRPr sz="1400" kern="1200">
           <a:solidFill>
-            <a:schemeClr val="tx1"/>
+            <a:schemeClr val="tx1">
+              <a:lumMod val="75000"/>
+              <a:lumOff val="25000"/>
+            </a:schemeClr>
           </a:solidFill>
           <a:latin typeface="+mn-lt"/>
           <a:ea typeface="+mn-ea"/>
           <a:cs typeface="+mn-cs"/>
         </a:defRPr>
       </a:lvl6pPr>
-      <a:lvl7pPr marL="2971800" indent="-228600" algn="l" defTabSz="914400" rtl="0" eaLnBrk="1" latinLnBrk="0" hangingPunct="1">
+      <a:lvl7pPr marL="1300000" indent="-228600" algn="l" defTabSz="914400" rtl="0" eaLnBrk="1" latinLnBrk="0" hangingPunct="1">
         <a:lnSpc>
           <a:spcPct val="90000"/>
         </a:lnSpc>
         <a:spcBef>
-          <a:spcPts val="500"/>
+          <a:spcPts val="200"/>
         </a:spcBef>
-        <a:buFont typeface="Arial" panose="020B0604020202020204" pitchFamily="34" charset="0"/>
-        <a:buChar char="•"/>
-        <a:defRPr sz="1800" kern="1200">
+        <a:spcAft>
+          <a:spcPts val="400"/>
+        </a:spcAft>
+        <a:buClr>
+          <a:schemeClr val="accent1"/>
+        </a:buClr>
+        <a:buFont typeface="Calibri" pitchFamily="34" charset="0"/>
+        <a:buChar char="◦"/>
+        <a:defRPr sz="1400" kern="1200">
           <a:solidFill>
-            <a:schemeClr val="tx1"/>
+            <a:schemeClr val="tx1">
+              <a:lumMod val="75000"/>
+              <a:lumOff val="25000"/>
+            </a:schemeClr>
           </a:solidFill>
           <a:latin typeface="+mn-lt"/>
           <a:ea typeface="+mn-ea"/>
           <a:cs typeface="+mn-cs"/>
         </a:defRPr>
       </a:lvl7pPr>
-      <a:lvl8pPr marL="3429000" indent="-228600" algn="l" defTabSz="914400" rtl="0" eaLnBrk="1" latinLnBrk="0" hangingPunct="1">
+      <a:lvl8pPr marL="1500000" indent="-228600" algn="l" defTabSz="914400" rtl="0" eaLnBrk="1" latinLnBrk="0" hangingPunct="1">
         <a:lnSpc>
           <a:spcPct val="90000"/>
         </a:lnSpc>
         <a:spcBef>
-          <a:spcPts val="500"/>
+          <a:spcPts val="200"/>
         </a:spcBef>
-        <a:buFont typeface="Arial" panose="020B0604020202020204" pitchFamily="34" charset="0"/>
-        <a:buChar char="•"/>
-        <a:defRPr sz="1800" kern="1200">
+        <a:spcAft>
+          <a:spcPts val="400"/>
+        </a:spcAft>
+        <a:buClr>
+          <a:schemeClr val="accent1"/>
+        </a:buClr>
+        <a:buFont typeface="Calibri" pitchFamily="34" charset="0"/>
+        <a:buChar char="◦"/>
+        <a:defRPr sz="1400" kern="1200">
           <a:solidFill>
-            <a:schemeClr val="tx1"/>
+            <a:schemeClr val="tx1">
+              <a:lumMod val="75000"/>
+              <a:lumOff val="25000"/>
+            </a:schemeClr>
           </a:solidFill>
           <a:latin typeface="+mn-lt"/>
           <a:ea typeface="+mn-ea"/>
           <a:cs typeface="+mn-cs"/>
         </a:defRPr>
       </a:lvl8pPr>
-      <a:lvl9pPr marL="3886200" indent="-228600" algn="l" defTabSz="914400" rtl="0" eaLnBrk="1" latinLnBrk="0" hangingPunct="1">
+      <a:lvl9pPr marL="1700000" indent="-228600" algn="l" defTabSz="914400" rtl="0" eaLnBrk="1" latinLnBrk="0" hangingPunct="1">
         <a:lnSpc>
           <a:spcPct val="90000"/>
         </a:lnSpc>
         <a:spcBef>
-          <a:spcPts val="500"/>
+          <a:spcPts val="200"/>
         </a:spcBef>
-        <a:buFont typeface="Arial" panose="020B0604020202020204" pitchFamily="34" charset="0"/>
-        <a:buChar char="•"/>
-        <a:defRPr sz="1800" kern="1200">
+        <a:spcAft>
+          <a:spcPts val="400"/>
+        </a:spcAft>
+        <a:buClr>
+          <a:schemeClr val="accent1"/>
+        </a:buClr>
+        <a:buFont typeface="Calibri" pitchFamily="34" charset="0"/>
+        <a:buChar char="◦"/>
+        <a:defRPr sz="1400" kern="1200">
           <a:solidFill>
-            <a:schemeClr val="tx1"/>
+            <a:schemeClr val="tx1">
+              <a:lumMod val="75000"/>
+              <a:lumOff val="25000"/>
+            </a:schemeClr>
           </a:solidFill>
           <a:latin typeface="+mn-lt"/>
           <a:ea typeface="+mn-ea"/>
@@ -3666,7 +4151,7 @@
     </p:bodyStyle>
     <p:otherStyle>
       <a:defPPr>
-        <a:defRPr lang="zh-TW"/>
+        <a:defRPr lang="en-US"/>
       </a:defPPr>
       <a:lvl1pPr marL="0" algn="l" defTabSz="914400" rtl="0" eaLnBrk="1" latinLnBrk="0" hangingPunct="1">
         <a:defRPr sz="1800" kern="1200">
@@ -3785,6 +4270,1367 @@
           <p:cNvPr id="2" name="標題 1">
             <a:extLst>
               <a:ext uri="{FF2B5EF4-FFF2-40B4-BE49-F238E27FC236}">
+                <a16:creationId xmlns:a16="http://schemas.microsoft.com/office/drawing/2014/main" id="{F40D9318-B323-EAD9-C1D8-69A0BF447CB7}"/>
+              </a:ext>
+            </a:extLst>
+          </p:cNvPr>
+          <p:cNvSpPr>
+            <a:spLocks noGrp="1"/>
+          </p:cNvSpPr>
+          <p:nvPr>
+            <p:ph type="ctrTitle"/>
+          </p:nvPr>
+        </p:nvSpPr>
+        <p:spPr/>
+        <p:txBody>
+          <a:bodyPr/>
+          <a:lstStyle/>
+          <a:p>
+            <a:r>
+              <a:rPr lang="zh-TW" altLang="en-US" dirty="0"/>
+              <a:t>環島旅遊</a:t>
+            </a:r>
+            <a:br>
+              <a:rPr lang="en-US" altLang="zh-TW" dirty="0"/>
+            </a:br>
+            <a:r>
+              <a:rPr lang="zh-TW" altLang="en-US" sz="4400" dirty="0"/>
+              <a:t>網頁前端實作</a:t>
+            </a:r>
+            <a:endParaRPr lang="zh-TW" altLang="en-US" dirty="0"/>
+          </a:p>
+        </p:txBody>
+      </p:sp>
+      <p:sp>
+        <p:nvSpPr>
+          <p:cNvPr id="3" name="副標題 2">
+            <a:extLst>
+              <a:ext uri="{FF2B5EF4-FFF2-40B4-BE49-F238E27FC236}">
+                <a16:creationId xmlns:a16="http://schemas.microsoft.com/office/drawing/2014/main" id="{738DE4BB-F7A4-55F0-C80B-56A924964E7B}"/>
+              </a:ext>
+            </a:extLst>
+          </p:cNvPr>
+          <p:cNvSpPr>
+            <a:spLocks noGrp="1"/>
+          </p:cNvSpPr>
+          <p:nvPr>
+            <p:ph type="subTitle" idx="1"/>
+          </p:nvPr>
+        </p:nvSpPr>
+        <p:spPr/>
+        <p:txBody>
+          <a:bodyPr/>
+          <a:lstStyle/>
+          <a:p>
+            <a:r>
+              <a:rPr lang="en-US" altLang="zh-TW" dirty="0"/>
+              <a:t>105452891</a:t>
+            </a:r>
+            <a:r>
+              <a:rPr lang="zh-TW" altLang="en-US" dirty="0"/>
+              <a:t> 任桓毅</a:t>
+            </a:r>
+            <a:endParaRPr lang="en-US" altLang="zh-TW" dirty="0"/>
+          </a:p>
+          <a:p>
+            <a:r>
+              <a:rPr lang="en-US" altLang="zh-TW" dirty="0">
+                <a:hlinkClick r:id="rId2"/>
+              </a:rPr>
+              <a:t>https://oscar3488.github.io</a:t>
+            </a:r>
+            <a:endParaRPr lang="zh-TW" altLang="en-US" dirty="0"/>
+          </a:p>
+        </p:txBody>
+      </p:sp>
+    </p:spTree>
+    <p:extLst>
+      <p:ext uri="{BB962C8B-B14F-4D97-AF65-F5344CB8AC3E}">
+        <p14:creationId xmlns:p14="http://schemas.microsoft.com/office/powerpoint/2010/main" val="709476742"/>
+      </p:ext>
+    </p:extLst>
+  </p:cSld>
+  <p:clrMapOvr>
+    <a:masterClrMapping/>
+  </p:clrMapOvr>
+</p:sld>
+</file>
+
+<file path=ppt/slides/slide10.xml><?xml version="1.0" encoding="utf-8"?>
+<p:sld xmlns:a="http://schemas.openxmlformats.org/drawingml/2006/main" xmlns:r="http://schemas.openxmlformats.org/officeDocument/2006/relationships" xmlns:p="http://schemas.openxmlformats.org/presentationml/2006/main">
+  <p:cSld>
+    <p:spTree>
+      <p:nvGrpSpPr>
+        <p:cNvPr id="1" name=""/>
+        <p:cNvGrpSpPr/>
+        <p:nvPr/>
+      </p:nvGrpSpPr>
+      <p:grpSpPr>
+        <a:xfrm>
+          <a:off x="0" y="0"/>
+          <a:ext cx="0" cy="0"/>
+          <a:chOff x="0" y="0"/>
+          <a:chExt cx="0" cy="0"/>
+        </a:xfrm>
+      </p:grpSpPr>
+      <p:sp>
+        <p:nvSpPr>
+          <p:cNvPr id="2" name="標題 1">
+            <a:extLst>
+              <a:ext uri="{FF2B5EF4-FFF2-40B4-BE49-F238E27FC236}">
+                <a16:creationId xmlns:a16="http://schemas.microsoft.com/office/drawing/2014/main" id="{187592B7-173A-8059-A748-D71440128A1B}"/>
+              </a:ext>
+            </a:extLst>
+          </p:cNvPr>
+          <p:cNvSpPr>
+            <a:spLocks noGrp="1"/>
+          </p:cNvSpPr>
+          <p:nvPr>
+            <p:ph type="title"/>
+          </p:nvPr>
+        </p:nvSpPr>
+        <p:spPr>
+          <a:xfrm>
+            <a:off x="4577080" y="5295907"/>
+            <a:ext cx="4861205" cy="1325563"/>
+          </a:xfrm>
+        </p:spPr>
+        <p:txBody>
+          <a:bodyPr/>
+          <a:lstStyle/>
+          <a:p>
+            <a:r>
+              <a:rPr lang="zh-TW" altLang="en-US" dirty="0"/>
+              <a:t>小小留言板</a:t>
+            </a:r>
+          </a:p>
+        </p:txBody>
+      </p:sp>
+      <p:sp>
+        <p:nvSpPr>
+          <p:cNvPr id="3" name="內容版面配置區 2">
+            <a:extLst>
+              <a:ext uri="{FF2B5EF4-FFF2-40B4-BE49-F238E27FC236}">
+                <a16:creationId xmlns:a16="http://schemas.microsoft.com/office/drawing/2014/main" id="{13642058-D68C-6D89-47A3-17A90EACD992}"/>
+              </a:ext>
+            </a:extLst>
+          </p:cNvPr>
+          <p:cNvSpPr>
+            <a:spLocks noGrp="1"/>
+          </p:cNvSpPr>
+          <p:nvPr>
+            <p:ph idx="1"/>
+          </p:nvPr>
+        </p:nvSpPr>
+        <p:spPr/>
+        <p:txBody>
+          <a:bodyPr/>
+          <a:lstStyle/>
+          <a:p>
+            <a:endParaRPr lang="zh-TW" altLang="en-US" dirty="0"/>
+          </a:p>
+        </p:txBody>
+      </p:sp>
+      <p:pic>
+        <p:nvPicPr>
+          <p:cNvPr id="5" name="圖片 4">
+            <a:extLst>
+              <a:ext uri="{FF2B5EF4-FFF2-40B4-BE49-F238E27FC236}">
+                <a16:creationId xmlns:a16="http://schemas.microsoft.com/office/drawing/2014/main" id="{E79BD735-6ABB-4E40-72D6-5C8F839B5032}"/>
+              </a:ext>
+            </a:extLst>
+          </p:cNvPr>
+          <p:cNvPicPr>
+            <a:picLocks noChangeAspect="1"/>
+          </p:cNvPicPr>
+          <p:nvPr/>
+        </p:nvPicPr>
+        <p:blipFill>
+          <a:blip r:embed="rId2"/>
+          <a:stretch>
+            <a:fillRect/>
+          </a:stretch>
+        </p:blipFill>
+        <p:spPr>
+          <a:xfrm>
+            <a:off x="-533197" y="681037"/>
+            <a:ext cx="11469701" cy="2657846"/>
+          </a:xfrm>
+          <a:prstGeom prst="rect">
+            <a:avLst/>
+          </a:prstGeom>
+        </p:spPr>
+      </p:pic>
+      <p:pic>
+        <p:nvPicPr>
+          <p:cNvPr id="7" name="圖片 6">
+            <a:extLst>
+              <a:ext uri="{FF2B5EF4-FFF2-40B4-BE49-F238E27FC236}">
+                <a16:creationId xmlns:a16="http://schemas.microsoft.com/office/drawing/2014/main" id="{F37825E7-4164-546B-CA4C-6534CB1BE156}"/>
+              </a:ext>
+            </a:extLst>
+          </p:cNvPr>
+          <p:cNvPicPr>
+            <a:picLocks noChangeAspect="1"/>
+          </p:cNvPicPr>
+          <p:nvPr/>
+        </p:nvPicPr>
+        <p:blipFill>
+          <a:blip r:embed="rId3"/>
+          <a:stretch>
+            <a:fillRect/>
+          </a:stretch>
+        </p:blipFill>
+        <p:spPr>
+          <a:xfrm>
+            <a:off x="0" y="3429000"/>
+            <a:ext cx="10802858" cy="2876951"/>
+          </a:xfrm>
+          <a:prstGeom prst="rect">
+            <a:avLst/>
+          </a:prstGeom>
+        </p:spPr>
+      </p:pic>
+      <p:sp>
+        <p:nvSpPr>
+          <p:cNvPr id="9" name="文字方塊 8">
+            <a:extLst>
+              <a:ext uri="{FF2B5EF4-FFF2-40B4-BE49-F238E27FC236}">
+                <a16:creationId xmlns:a16="http://schemas.microsoft.com/office/drawing/2014/main" id="{83F6EAA8-F2E5-C631-568E-9383FD123BB4}"/>
+              </a:ext>
+            </a:extLst>
+          </p:cNvPr>
+          <p:cNvSpPr txBox="1"/>
+          <p:nvPr/>
+        </p:nvSpPr>
+        <p:spPr>
+          <a:xfrm>
+            <a:off x="5201654" y="681037"/>
+            <a:ext cx="6152146" cy="3970318"/>
+          </a:xfrm>
+          <a:prstGeom prst="rect">
+            <a:avLst/>
+          </a:prstGeom>
+          <a:solidFill>
+            <a:schemeClr val="tx1"/>
+          </a:solidFill>
+        </p:spPr>
+        <p:txBody>
+          <a:bodyPr wrap="square">
+            <a:spAutoFit/>
+          </a:bodyPr>
+          <a:lstStyle/>
+          <a:p>
+            <a:r>
+              <a:rPr lang="en-US" altLang="zh-TW" b="0" dirty="0">
+                <a:solidFill>
+                  <a:srgbClr val="569CD6"/>
+                </a:solidFill>
+                <a:effectLst/>
+                <a:latin typeface="Consolas" panose="020B0609020204030204" pitchFamily="49" charset="0"/>
+              </a:rPr>
+              <a:t>function</a:t>
+            </a:r>
+            <a:r>
+              <a:rPr lang="en-US" altLang="zh-TW" b="0" dirty="0">
+                <a:solidFill>
+                  <a:srgbClr val="D4D4D4"/>
+                </a:solidFill>
+                <a:effectLst/>
+                <a:latin typeface="Consolas" panose="020B0609020204030204" pitchFamily="49" charset="0"/>
+              </a:rPr>
+              <a:t> </a:t>
+            </a:r>
+            <a:r>
+              <a:rPr lang="en-US" altLang="zh-TW" b="0" dirty="0">
+                <a:solidFill>
+                  <a:srgbClr val="DCDCAA"/>
+                </a:solidFill>
+                <a:effectLst/>
+                <a:latin typeface="Consolas" panose="020B0609020204030204" pitchFamily="49" charset="0"/>
+              </a:rPr>
+              <a:t>message</a:t>
+            </a:r>
+            <a:r>
+              <a:rPr lang="en-US" altLang="zh-TW" b="0" dirty="0">
+                <a:solidFill>
+                  <a:srgbClr val="D4D4D4"/>
+                </a:solidFill>
+                <a:effectLst/>
+                <a:latin typeface="Consolas" panose="020B0609020204030204" pitchFamily="49" charset="0"/>
+              </a:rPr>
+              <a:t>(){</a:t>
+            </a:r>
+          </a:p>
+          <a:p>
+            <a:r>
+              <a:rPr lang="en-US" altLang="zh-TW" b="0" dirty="0">
+                <a:solidFill>
+                  <a:srgbClr val="D4D4D4"/>
+                </a:solidFill>
+                <a:effectLst/>
+                <a:latin typeface="Consolas" panose="020B0609020204030204" pitchFamily="49" charset="0"/>
+              </a:rPr>
+              <a:t>    </a:t>
+            </a:r>
+            <a:r>
+              <a:rPr lang="en-US" altLang="zh-TW" b="0" dirty="0">
+                <a:solidFill>
+                  <a:srgbClr val="569CD6"/>
+                </a:solidFill>
+                <a:effectLst/>
+                <a:latin typeface="Consolas" panose="020B0609020204030204" pitchFamily="49" charset="0"/>
+              </a:rPr>
+              <a:t>let</a:t>
+            </a:r>
+            <a:r>
+              <a:rPr lang="en-US" altLang="zh-TW" b="0" dirty="0">
+                <a:solidFill>
+                  <a:srgbClr val="D4D4D4"/>
+                </a:solidFill>
+                <a:effectLst/>
+                <a:latin typeface="Consolas" panose="020B0609020204030204" pitchFamily="49" charset="0"/>
+              </a:rPr>
+              <a:t> </a:t>
+            </a:r>
+            <a:r>
+              <a:rPr lang="en-US" altLang="zh-TW" b="0" dirty="0" err="1">
+                <a:solidFill>
+                  <a:srgbClr val="9CDCFE"/>
+                </a:solidFill>
+                <a:effectLst/>
+                <a:latin typeface="Consolas" panose="020B0609020204030204" pitchFamily="49" charset="0"/>
+              </a:rPr>
+              <a:t>ms</a:t>
+            </a:r>
+            <a:r>
+              <a:rPr lang="en-US" altLang="zh-TW" b="0" dirty="0">
+                <a:solidFill>
+                  <a:srgbClr val="D4D4D4"/>
+                </a:solidFill>
+                <a:effectLst/>
+                <a:latin typeface="Consolas" panose="020B0609020204030204" pitchFamily="49" charset="0"/>
+              </a:rPr>
+              <a:t> = </a:t>
+            </a:r>
+            <a:r>
+              <a:rPr lang="en-US" altLang="zh-TW" b="0" dirty="0" err="1">
+                <a:solidFill>
+                  <a:srgbClr val="9CDCFE"/>
+                </a:solidFill>
+                <a:effectLst/>
+                <a:latin typeface="Consolas" panose="020B0609020204030204" pitchFamily="49" charset="0"/>
+              </a:rPr>
+              <a:t>document</a:t>
+            </a:r>
+            <a:r>
+              <a:rPr lang="en-US" altLang="zh-TW" b="0" dirty="0" err="1">
+                <a:solidFill>
+                  <a:srgbClr val="D4D4D4"/>
+                </a:solidFill>
+                <a:effectLst/>
+                <a:latin typeface="Consolas" panose="020B0609020204030204" pitchFamily="49" charset="0"/>
+              </a:rPr>
+              <a:t>.</a:t>
+            </a:r>
+            <a:r>
+              <a:rPr lang="en-US" altLang="zh-TW" b="0" dirty="0" err="1">
+                <a:solidFill>
+                  <a:srgbClr val="DCDCAA"/>
+                </a:solidFill>
+                <a:effectLst/>
+                <a:latin typeface="Consolas" panose="020B0609020204030204" pitchFamily="49" charset="0"/>
+              </a:rPr>
+              <a:t>getElementsByClassName</a:t>
+            </a:r>
+            <a:r>
+              <a:rPr lang="en-US" altLang="zh-TW" b="0" dirty="0">
+                <a:solidFill>
+                  <a:srgbClr val="D4D4D4"/>
+                </a:solidFill>
+                <a:effectLst/>
+                <a:latin typeface="Consolas" panose="020B0609020204030204" pitchFamily="49" charset="0"/>
+              </a:rPr>
+              <a:t>(</a:t>
+            </a:r>
+            <a:r>
+              <a:rPr lang="en-US" altLang="zh-TW" b="0" dirty="0">
+                <a:solidFill>
+                  <a:srgbClr val="CE9178"/>
+                </a:solidFill>
+                <a:effectLst/>
+                <a:latin typeface="Consolas" panose="020B0609020204030204" pitchFamily="49" charset="0"/>
+              </a:rPr>
+              <a:t>"board"</a:t>
+            </a:r>
+            <a:r>
+              <a:rPr lang="en-US" altLang="zh-TW" b="0" dirty="0">
+                <a:solidFill>
+                  <a:srgbClr val="D4D4D4"/>
+                </a:solidFill>
+                <a:effectLst/>
+                <a:latin typeface="Consolas" panose="020B0609020204030204" pitchFamily="49" charset="0"/>
+              </a:rPr>
+              <a:t>)[</a:t>
+            </a:r>
+            <a:r>
+              <a:rPr lang="en-US" altLang="zh-TW" b="0" dirty="0">
+                <a:solidFill>
+                  <a:srgbClr val="B5CEA8"/>
+                </a:solidFill>
+                <a:effectLst/>
+                <a:latin typeface="Consolas" panose="020B0609020204030204" pitchFamily="49" charset="0"/>
+              </a:rPr>
+              <a:t>0</a:t>
+            </a:r>
+            <a:r>
+              <a:rPr lang="en-US" altLang="zh-TW" b="0" dirty="0">
+                <a:solidFill>
+                  <a:srgbClr val="D4D4D4"/>
+                </a:solidFill>
+                <a:effectLst/>
+                <a:latin typeface="Consolas" panose="020B0609020204030204" pitchFamily="49" charset="0"/>
+              </a:rPr>
+              <a:t>];</a:t>
+            </a:r>
+          </a:p>
+          <a:p>
+            <a:r>
+              <a:rPr lang="en-US" altLang="zh-TW" b="0" dirty="0">
+                <a:solidFill>
+                  <a:srgbClr val="D4D4D4"/>
+                </a:solidFill>
+                <a:effectLst/>
+                <a:latin typeface="Consolas" panose="020B0609020204030204" pitchFamily="49" charset="0"/>
+              </a:rPr>
+              <a:t>    </a:t>
+            </a:r>
+            <a:r>
+              <a:rPr lang="en-US" altLang="zh-TW" b="0" dirty="0">
+                <a:solidFill>
+                  <a:srgbClr val="569CD6"/>
+                </a:solidFill>
+                <a:effectLst/>
+                <a:latin typeface="Consolas" panose="020B0609020204030204" pitchFamily="49" charset="0"/>
+              </a:rPr>
+              <a:t>let</a:t>
+            </a:r>
+            <a:r>
+              <a:rPr lang="en-US" altLang="zh-TW" b="0" dirty="0">
+                <a:solidFill>
+                  <a:srgbClr val="D4D4D4"/>
+                </a:solidFill>
+                <a:effectLst/>
+                <a:latin typeface="Consolas" panose="020B0609020204030204" pitchFamily="49" charset="0"/>
+              </a:rPr>
+              <a:t> </a:t>
+            </a:r>
+            <a:r>
+              <a:rPr lang="en-US" altLang="zh-TW" b="0" dirty="0">
+                <a:solidFill>
+                  <a:srgbClr val="9CDCFE"/>
+                </a:solidFill>
+                <a:effectLst/>
+                <a:latin typeface="Consolas" panose="020B0609020204030204" pitchFamily="49" charset="0"/>
+              </a:rPr>
+              <a:t>add</a:t>
+            </a:r>
+            <a:r>
+              <a:rPr lang="en-US" altLang="zh-TW" b="0" dirty="0">
+                <a:solidFill>
+                  <a:srgbClr val="D4D4D4"/>
+                </a:solidFill>
+                <a:effectLst/>
+                <a:latin typeface="Consolas" panose="020B0609020204030204" pitchFamily="49" charset="0"/>
+              </a:rPr>
+              <a:t> = </a:t>
+            </a:r>
+            <a:r>
+              <a:rPr lang="en-US" altLang="zh-TW" b="0" dirty="0" err="1">
+                <a:solidFill>
+                  <a:srgbClr val="9CDCFE"/>
+                </a:solidFill>
+                <a:effectLst/>
+                <a:latin typeface="Consolas" panose="020B0609020204030204" pitchFamily="49" charset="0"/>
+              </a:rPr>
+              <a:t>document</a:t>
+            </a:r>
+            <a:r>
+              <a:rPr lang="en-US" altLang="zh-TW" b="0" dirty="0" err="1">
+                <a:solidFill>
+                  <a:srgbClr val="D4D4D4"/>
+                </a:solidFill>
+                <a:effectLst/>
+                <a:latin typeface="Consolas" panose="020B0609020204030204" pitchFamily="49" charset="0"/>
+              </a:rPr>
+              <a:t>.</a:t>
+            </a:r>
+            <a:r>
+              <a:rPr lang="en-US" altLang="zh-TW" b="0" dirty="0" err="1">
+                <a:solidFill>
+                  <a:srgbClr val="DCDCAA"/>
+                </a:solidFill>
+                <a:effectLst/>
+                <a:latin typeface="Consolas" panose="020B0609020204030204" pitchFamily="49" charset="0"/>
+              </a:rPr>
+              <a:t>getElementById</a:t>
+            </a:r>
+            <a:r>
+              <a:rPr lang="en-US" altLang="zh-TW" b="0" dirty="0">
+                <a:solidFill>
+                  <a:srgbClr val="D4D4D4"/>
+                </a:solidFill>
+                <a:effectLst/>
+                <a:latin typeface="Consolas" panose="020B0609020204030204" pitchFamily="49" charset="0"/>
+              </a:rPr>
+              <a:t>(</a:t>
+            </a:r>
+            <a:r>
+              <a:rPr lang="en-US" altLang="zh-TW" b="0" dirty="0">
+                <a:solidFill>
+                  <a:srgbClr val="CE9178"/>
+                </a:solidFill>
+                <a:effectLst/>
+                <a:latin typeface="Consolas" panose="020B0609020204030204" pitchFamily="49" charset="0"/>
+              </a:rPr>
+              <a:t>"text"</a:t>
+            </a:r>
+            <a:r>
+              <a:rPr lang="en-US" altLang="zh-TW" b="0" dirty="0">
+                <a:solidFill>
+                  <a:srgbClr val="D4D4D4"/>
+                </a:solidFill>
+                <a:effectLst/>
+                <a:latin typeface="Consolas" panose="020B0609020204030204" pitchFamily="49" charset="0"/>
+              </a:rPr>
+              <a:t>).</a:t>
+            </a:r>
+            <a:r>
+              <a:rPr lang="en-US" altLang="zh-TW" b="0" dirty="0">
+                <a:solidFill>
+                  <a:srgbClr val="9CDCFE"/>
+                </a:solidFill>
+                <a:effectLst/>
+                <a:latin typeface="Consolas" panose="020B0609020204030204" pitchFamily="49" charset="0"/>
+              </a:rPr>
+              <a:t>value</a:t>
+            </a:r>
+            <a:endParaRPr lang="en-US" altLang="zh-TW" b="0" dirty="0">
+              <a:solidFill>
+                <a:srgbClr val="D4D4D4"/>
+              </a:solidFill>
+              <a:effectLst/>
+              <a:latin typeface="Consolas" panose="020B0609020204030204" pitchFamily="49" charset="0"/>
+            </a:endParaRPr>
+          </a:p>
+          <a:p>
+            <a:r>
+              <a:rPr lang="en-US" altLang="zh-TW" b="0" dirty="0">
+                <a:solidFill>
+                  <a:srgbClr val="D4D4D4"/>
+                </a:solidFill>
+                <a:effectLst/>
+                <a:latin typeface="Consolas" panose="020B0609020204030204" pitchFamily="49" charset="0"/>
+              </a:rPr>
+              <a:t>    </a:t>
+            </a:r>
+            <a:r>
+              <a:rPr lang="en-US" altLang="zh-TW" b="0" dirty="0">
+                <a:solidFill>
+                  <a:srgbClr val="569CD6"/>
+                </a:solidFill>
+                <a:effectLst/>
+                <a:latin typeface="Consolas" panose="020B0609020204030204" pitchFamily="49" charset="0"/>
+              </a:rPr>
+              <a:t>let</a:t>
+            </a:r>
+            <a:r>
+              <a:rPr lang="en-US" altLang="zh-TW" b="0" dirty="0">
+                <a:solidFill>
+                  <a:srgbClr val="D4D4D4"/>
+                </a:solidFill>
+                <a:effectLst/>
+                <a:latin typeface="Consolas" panose="020B0609020204030204" pitchFamily="49" charset="0"/>
+              </a:rPr>
+              <a:t> </a:t>
+            </a:r>
+            <a:r>
+              <a:rPr lang="en-US" altLang="zh-TW" b="0" dirty="0">
+                <a:solidFill>
+                  <a:srgbClr val="9CDCFE"/>
+                </a:solidFill>
+                <a:effectLst/>
+                <a:latin typeface="Consolas" panose="020B0609020204030204" pitchFamily="49" charset="0"/>
+              </a:rPr>
+              <a:t>li</a:t>
+            </a:r>
+            <a:r>
+              <a:rPr lang="en-US" altLang="zh-TW" b="0" dirty="0">
+                <a:solidFill>
+                  <a:srgbClr val="D4D4D4"/>
+                </a:solidFill>
+                <a:effectLst/>
+                <a:latin typeface="Consolas" panose="020B0609020204030204" pitchFamily="49" charset="0"/>
+              </a:rPr>
+              <a:t> = </a:t>
+            </a:r>
+            <a:r>
+              <a:rPr lang="en-US" altLang="zh-TW" b="0" dirty="0" err="1">
+                <a:solidFill>
+                  <a:srgbClr val="9CDCFE"/>
+                </a:solidFill>
+                <a:effectLst/>
+                <a:latin typeface="Consolas" panose="020B0609020204030204" pitchFamily="49" charset="0"/>
+              </a:rPr>
+              <a:t>document</a:t>
+            </a:r>
+            <a:r>
+              <a:rPr lang="en-US" altLang="zh-TW" b="0" dirty="0" err="1">
+                <a:solidFill>
+                  <a:srgbClr val="D4D4D4"/>
+                </a:solidFill>
+                <a:effectLst/>
+                <a:latin typeface="Consolas" panose="020B0609020204030204" pitchFamily="49" charset="0"/>
+              </a:rPr>
+              <a:t>.</a:t>
+            </a:r>
+            <a:r>
+              <a:rPr lang="en-US" altLang="zh-TW" b="0" dirty="0" err="1">
+                <a:solidFill>
+                  <a:srgbClr val="DCDCAA"/>
+                </a:solidFill>
+                <a:effectLst/>
+                <a:latin typeface="Consolas" panose="020B0609020204030204" pitchFamily="49" charset="0"/>
+              </a:rPr>
+              <a:t>createElement</a:t>
+            </a:r>
+            <a:r>
+              <a:rPr lang="en-US" altLang="zh-TW" b="0" dirty="0">
+                <a:solidFill>
+                  <a:srgbClr val="D4D4D4"/>
+                </a:solidFill>
+                <a:effectLst/>
+                <a:latin typeface="Consolas" panose="020B0609020204030204" pitchFamily="49" charset="0"/>
+              </a:rPr>
+              <a:t>(</a:t>
+            </a:r>
+            <a:r>
+              <a:rPr lang="en-US" altLang="zh-TW" b="0" dirty="0">
+                <a:solidFill>
+                  <a:srgbClr val="CE9178"/>
+                </a:solidFill>
+                <a:effectLst/>
+                <a:latin typeface="Consolas" panose="020B0609020204030204" pitchFamily="49" charset="0"/>
+              </a:rPr>
+              <a:t>"li"</a:t>
+            </a:r>
+            <a:r>
+              <a:rPr lang="en-US" altLang="zh-TW" b="0" dirty="0">
+                <a:solidFill>
+                  <a:srgbClr val="D4D4D4"/>
+                </a:solidFill>
+                <a:effectLst/>
+                <a:latin typeface="Consolas" panose="020B0609020204030204" pitchFamily="49" charset="0"/>
+              </a:rPr>
+              <a:t>);</a:t>
+            </a:r>
+          </a:p>
+          <a:p>
+            <a:endParaRPr lang="en-US" altLang="zh-TW" b="0" dirty="0">
+              <a:solidFill>
+                <a:srgbClr val="D4D4D4"/>
+              </a:solidFill>
+              <a:effectLst/>
+              <a:latin typeface="Consolas" panose="020B0609020204030204" pitchFamily="49" charset="0"/>
+            </a:endParaRPr>
+          </a:p>
+          <a:p>
+            <a:r>
+              <a:rPr lang="en-US" altLang="zh-TW" b="0" dirty="0">
+                <a:solidFill>
+                  <a:srgbClr val="D4D4D4"/>
+                </a:solidFill>
+                <a:effectLst/>
+                <a:latin typeface="Consolas" panose="020B0609020204030204" pitchFamily="49" charset="0"/>
+              </a:rPr>
+              <a:t>    </a:t>
+            </a:r>
+            <a:r>
+              <a:rPr lang="en-US" altLang="zh-TW" b="0" dirty="0" err="1">
+                <a:solidFill>
+                  <a:srgbClr val="9CDCFE"/>
+                </a:solidFill>
+                <a:effectLst/>
+                <a:latin typeface="Consolas" panose="020B0609020204030204" pitchFamily="49" charset="0"/>
+              </a:rPr>
+              <a:t>li</a:t>
+            </a:r>
+            <a:r>
+              <a:rPr lang="en-US" altLang="zh-TW" b="0" dirty="0" err="1">
+                <a:solidFill>
+                  <a:srgbClr val="D4D4D4"/>
+                </a:solidFill>
+                <a:effectLst/>
+                <a:latin typeface="Consolas" panose="020B0609020204030204" pitchFamily="49" charset="0"/>
+              </a:rPr>
+              <a:t>.</a:t>
+            </a:r>
+            <a:r>
+              <a:rPr lang="en-US" altLang="zh-TW" b="0" dirty="0" err="1">
+                <a:solidFill>
+                  <a:srgbClr val="9CDCFE"/>
+                </a:solidFill>
+                <a:effectLst/>
+                <a:latin typeface="Consolas" panose="020B0609020204030204" pitchFamily="49" charset="0"/>
+              </a:rPr>
+              <a:t>innerText</a:t>
+            </a:r>
+            <a:r>
+              <a:rPr lang="en-US" altLang="zh-TW" b="0" dirty="0">
+                <a:solidFill>
+                  <a:srgbClr val="D4D4D4"/>
+                </a:solidFill>
+                <a:effectLst/>
+                <a:latin typeface="Consolas" panose="020B0609020204030204" pitchFamily="49" charset="0"/>
+              </a:rPr>
+              <a:t>=</a:t>
+            </a:r>
+            <a:r>
+              <a:rPr lang="en-US" altLang="zh-TW" b="0" dirty="0">
+                <a:solidFill>
+                  <a:srgbClr val="9CDCFE"/>
+                </a:solidFill>
+                <a:effectLst/>
+                <a:latin typeface="Consolas" panose="020B0609020204030204" pitchFamily="49" charset="0"/>
+              </a:rPr>
+              <a:t>add</a:t>
+            </a:r>
+            <a:r>
+              <a:rPr lang="en-US" altLang="zh-TW" b="0" dirty="0">
+                <a:solidFill>
+                  <a:srgbClr val="D4D4D4"/>
+                </a:solidFill>
+                <a:effectLst/>
+                <a:latin typeface="Consolas" panose="020B0609020204030204" pitchFamily="49" charset="0"/>
+              </a:rPr>
+              <a:t>;</a:t>
+            </a:r>
+          </a:p>
+          <a:p>
+            <a:endParaRPr lang="en-US" altLang="zh-TW" b="0" dirty="0">
+              <a:solidFill>
+                <a:srgbClr val="D4D4D4"/>
+              </a:solidFill>
+              <a:effectLst/>
+              <a:latin typeface="Consolas" panose="020B0609020204030204" pitchFamily="49" charset="0"/>
+            </a:endParaRPr>
+          </a:p>
+          <a:p>
+            <a:r>
+              <a:rPr lang="en-US" altLang="zh-TW" b="0" dirty="0">
+                <a:solidFill>
+                  <a:srgbClr val="D4D4D4"/>
+                </a:solidFill>
+                <a:effectLst/>
+                <a:latin typeface="Consolas" panose="020B0609020204030204" pitchFamily="49" charset="0"/>
+              </a:rPr>
+              <a:t>    </a:t>
+            </a:r>
+            <a:r>
+              <a:rPr lang="en-US" altLang="zh-TW" b="0" dirty="0" err="1">
+                <a:solidFill>
+                  <a:srgbClr val="9CDCFE"/>
+                </a:solidFill>
+                <a:effectLst/>
+                <a:latin typeface="Consolas" panose="020B0609020204030204" pitchFamily="49" charset="0"/>
+              </a:rPr>
+              <a:t>ms</a:t>
+            </a:r>
+            <a:r>
+              <a:rPr lang="en-US" altLang="zh-TW" b="0" dirty="0" err="1">
+                <a:solidFill>
+                  <a:srgbClr val="D4D4D4"/>
+                </a:solidFill>
+                <a:effectLst/>
+                <a:latin typeface="Consolas" panose="020B0609020204030204" pitchFamily="49" charset="0"/>
+              </a:rPr>
+              <a:t>.</a:t>
+            </a:r>
+            <a:r>
+              <a:rPr lang="en-US" altLang="zh-TW" b="0" dirty="0" err="1">
+                <a:solidFill>
+                  <a:srgbClr val="DCDCAA"/>
+                </a:solidFill>
+                <a:effectLst/>
+                <a:latin typeface="Consolas" panose="020B0609020204030204" pitchFamily="49" charset="0"/>
+              </a:rPr>
+              <a:t>insertBefore</a:t>
+            </a:r>
+            <a:r>
+              <a:rPr lang="en-US" altLang="zh-TW" b="0" dirty="0">
+                <a:solidFill>
+                  <a:srgbClr val="D4D4D4"/>
+                </a:solidFill>
+                <a:effectLst/>
+                <a:latin typeface="Consolas" panose="020B0609020204030204" pitchFamily="49" charset="0"/>
+              </a:rPr>
+              <a:t>(</a:t>
+            </a:r>
+            <a:r>
+              <a:rPr lang="en-US" altLang="zh-TW" b="0" dirty="0" err="1">
+                <a:solidFill>
+                  <a:srgbClr val="9CDCFE"/>
+                </a:solidFill>
+                <a:effectLst/>
+                <a:latin typeface="Consolas" panose="020B0609020204030204" pitchFamily="49" charset="0"/>
+              </a:rPr>
+              <a:t>li</a:t>
+            </a:r>
+            <a:r>
+              <a:rPr lang="en-US" altLang="zh-TW" b="0" dirty="0" err="1">
+                <a:solidFill>
+                  <a:srgbClr val="D4D4D4"/>
+                </a:solidFill>
+                <a:effectLst/>
+                <a:latin typeface="Consolas" panose="020B0609020204030204" pitchFamily="49" charset="0"/>
+              </a:rPr>
+              <a:t>,</a:t>
+            </a:r>
+            <a:r>
+              <a:rPr lang="en-US" altLang="zh-TW" b="0" dirty="0" err="1">
+                <a:solidFill>
+                  <a:srgbClr val="9CDCFE"/>
+                </a:solidFill>
+                <a:effectLst/>
+                <a:latin typeface="Consolas" panose="020B0609020204030204" pitchFamily="49" charset="0"/>
+              </a:rPr>
+              <a:t>ms</a:t>
+            </a:r>
+            <a:r>
+              <a:rPr lang="en-US" altLang="zh-TW" b="0" dirty="0" err="1">
+                <a:solidFill>
+                  <a:srgbClr val="D4D4D4"/>
+                </a:solidFill>
+                <a:effectLst/>
+                <a:latin typeface="Consolas" panose="020B0609020204030204" pitchFamily="49" charset="0"/>
+              </a:rPr>
+              <a:t>.</a:t>
+            </a:r>
+            <a:r>
+              <a:rPr lang="en-US" altLang="zh-TW" b="0" dirty="0" err="1">
+                <a:solidFill>
+                  <a:srgbClr val="4FC1FF"/>
+                </a:solidFill>
+                <a:effectLst/>
+                <a:latin typeface="Consolas" panose="020B0609020204030204" pitchFamily="49" charset="0"/>
+              </a:rPr>
+              <a:t>children</a:t>
+            </a:r>
+            <a:r>
+              <a:rPr lang="en-US" altLang="zh-TW" b="0" dirty="0">
+                <a:solidFill>
+                  <a:srgbClr val="D4D4D4"/>
+                </a:solidFill>
+                <a:effectLst/>
+                <a:latin typeface="Consolas" panose="020B0609020204030204" pitchFamily="49" charset="0"/>
+              </a:rPr>
+              <a:t>[</a:t>
+            </a:r>
+            <a:r>
+              <a:rPr lang="en-US" altLang="zh-TW" b="0" dirty="0">
+                <a:solidFill>
+                  <a:srgbClr val="B5CEA8"/>
+                </a:solidFill>
+                <a:effectLst/>
+                <a:latin typeface="Consolas" panose="020B0609020204030204" pitchFamily="49" charset="0"/>
+              </a:rPr>
+              <a:t>0</a:t>
+            </a:r>
+            <a:r>
+              <a:rPr lang="en-US" altLang="zh-TW" b="0" dirty="0">
+                <a:solidFill>
+                  <a:srgbClr val="D4D4D4"/>
+                </a:solidFill>
+                <a:effectLst/>
+                <a:latin typeface="Consolas" panose="020B0609020204030204" pitchFamily="49" charset="0"/>
+              </a:rPr>
+              <a:t>]);</a:t>
+            </a:r>
+          </a:p>
+          <a:p>
+            <a:endParaRPr lang="en-US" altLang="zh-TW" b="0" dirty="0">
+              <a:solidFill>
+                <a:srgbClr val="D4D4D4"/>
+              </a:solidFill>
+              <a:effectLst/>
+              <a:latin typeface="Consolas" panose="020B0609020204030204" pitchFamily="49" charset="0"/>
+            </a:endParaRPr>
+          </a:p>
+          <a:p>
+            <a:r>
+              <a:rPr lang="en-US" altLang="zh-TW" b="0" dirty="0">
+                <a:solidFill>
+                  <a:srgbClr val="D4D4D4"/>
+                </a:solidFill>
+                <a:effectLst/>
+                <a:latin typeface="Consolas" panose="020B0609020204030204" pitchFamily="49" charset="0"/>
+              </a:rPr>
+              <a:t>    </a:t>
+            </a:r>
+            <a:r>
+              <a:rPr lang="en-US" altLang="zh-TW" b="0" dirty="0" err="1">
+                <a:solidFill>
+                  <a:srgbClr val="9CDCFE"/>
+                </a:solidFill>
+                <a:effectLst/>
+                <a:latin typeface="Consolas" panose="020B0609020204030204" pitchFamily="49" charset="0"/>
+              </a:rPr>
+              <a:t>document</a:t>
+            </a:r>
+            <a:r>
+              <a:rPr lang="en-US" altLang="zh-TW" b="0" dirty="0" err="1">
+                <a:solidFill>
+                  <a:srgbClr val="D4D4D4"/>
+                </a:solidFill>
+                <a:effectLst/>
+                <a:latin typeface="Consolas" panose="020B0609020204030204" pitchFamily="49" charset="0"/>
+              </a:rPr>
+              <a:t>.</a:t>
+            </a:r>
+            <a:r>
+              <a:rPr lang="en-US" altLang="zh-TW" b="0" dirty="0" err="1">
+                <a:solidFill>
+                  <a:srgbClr val="DCDCAA"/>
+                </a:solidFill>
+                <a:effectLst/>
+                <a:latin typeface="Consolas" panose="020B0609020204030204" pitchFamily="49" charset="0"/>
+              </a:rPr>
+              <a:t>getElementById</a:t>
+            </a:r>
+            <a:r>
+              <a:rPr lang="en-US" altLang="zh-TW" b="0" dirty="0">
+                <a:solidFill>
+                  <a:srgbClr val="D4D4D4"/>
+                </a:solidFill>
+                <a:effectLst/>
+                <a:latin typeface="Consolas" panose="020B0609020204030204" pitchFamily="49" charset="0"/>
+              </a:rPr>
+              <a:t>(</a:t>
+            </a:r>
+            <a:r>
+              <a:rPr lang="en-US" altLang="zh-TW" b="0" dirty="0">
+                <a:solidFill>
+                  <a:srgbClr val="CE9178"/>
+                </a:solidFill>
+                <a:effectLst/>
+                <a:latin typeface="Consolas" panose="020B0609020204030204" pitchFamily="49" charset="0"/>
+              </a:rPr>
+              <a:t>"text"</a:t>
+            </a:r>
+            <a:r>
+              <a:rPr lang="en-US" altLang="zh-TW" b="0" dirty="0">
+                <a:solidFill>
+                  <a:srgbClr val="D4D4D4"/>
+                </a:solidFill>
+                <a:effectLst/>
+                <a:latin typeface="Consolas" panose="020B0609020204030204" pitchFamily="49" charset="0"/>
+              </a:rPr>
+              <a:t>).</a:t>
+            </a:r>
+            <a:r>
+              <a:rPr lang="en-US" altLang="zh-TW" b="0" dirty="0">
+                <a:solidFill>
+                  <a:srgbClr val="9CDCFE"/>
+                </a:solidFill>
+                <a:effectLst/>
+                <a:latin typeface="Consolas" panose="020B0609020204030204" pitchFamily="49" charset="0"/>
+              </a:rPr>
+              <a:t>value</a:t>
+            </a:r>
+            <a:r>
+              <a:rPr lang="en-US" altLang="zh-TW" b="0" dirty="0">
+                <a:solidFill>
+                  <a:srgbClr val="D4D4D4"/>
+                </a:solidFill>
+                <a:effectLst/>
+                <a:latin typeface="Consolas" panose="020B0609020204030204" pitchFamily="49" charset="0"/>
+              </a:rPr>
+              <a:t> = </a:t>
+            </a:r>
+            <a:r>
+              <a:rPr lang="en-US" altLang="zh-TW" b="0" dirty="0">
+                <a:solidFill>
+                  <a:srgbClr val="CE9178"/>
+                </a:solidFill>
+                <a:effectLst/>
+                <a:latin typeface="Consolas" panose="020B0609020204030204" pitchFamily="49" charset="0"/>
+              </a:rPr>
+              <a:t>" "</a:t>
+            </a:r>
+            <a:r>
+              <a:rPr lang="en-US" altLang="zh-TW" b="0" dirty="0">
+                <a:solidFill>
+                  <a:srgbClr val="D4D4D4"/>
+                </a:solidFill>
+                <a:effectLst/>
+                <a:latin typeface="Consolas" panose="020B0609020204030204" pitchFamily="49" charset="0"/>
+              </a:rPr>
+              <a:t>;</a:t>
+            </a:r>
+          </a:p>
+          <a:p>
+            <a:r>
+              <a:rPr lang="en-US" altLang="zh-TW" b="0" dirty="0">
+                <a:solidFill>
+                  <a:srgbClr val="D4D4D4"/>
+                </a:solidFill>
+                <a:effectLst/>
+                <a:latin typeface="Consolas" panose="020B0609020204030204" pitchFamily="49" charset="0"/>
+              </a:rPr>
+              <a:t>    </a:t>
+            </a:r>
+            <a:r>
+              <a:rPr lang="en-US" altLang="zh-TW" b="0" dirty="0">
+                <a:solidFill>
+                  <a:srgbClr val="6A9955"/>
+                </a:solidFill>
+                <a:effectLst/>
+                <a:latin typeface="Consolas" panose="020B0609020204030204" pitchFamily="49" charset="0"/>
+              </a:rPr>
+              <a:t>// alert(</a:t>
+            </a:r>
+            <a:r>
+              <a:rPr lang="en-US" altLang="zh-TW" b="0" dirty="0" err="1">
+                <a:solidFill>
+                  <a:srgbClr val="6A9955"/>
+                </a:solidFill>
+                <a:effectLst/>
+                <a:latin typeface="Consolas" panose="020B0609020204030204" pitchFamily="49" charset="0"/>
+              </a:rPr>
+              <a:t>ms</a:t>
+            </a:r>
+            <a:r>
+              <a:rPr lang="en-US" altLang="zh-TW" b="0" dirty="0">
+                <a:solidFill>
+                  <a:srgbClr val="6A9955"/>
+                </a:solidFill>
+                <a:effectLst/>
+                <a:latin typeface="Consolas" panose="020B0609020204030204" pitchFamily="49" charset="0"/>
+              </a:rPr>
+              <a:t>)</a:t>
+            </a:r>
+            <a:endParaRPr lang="en-US" altLang="zh-TW" b="0" dirty="0">
+              <a:solidFill>
+                <a:srgbClr val="D4D4D4"/>
+              </a:solidFill>
+              <a:effectLst/>
+              <a:latin typeface="Consolas" panose="020B0609020204030204" pitchFamily="49" charset="0"/>
+            </a:endParaRPr>
+          </a:p>
+          <a:p>
+            <a:r>
+              <a:rPr lang="en-US" altLang="zh-TW" b="0" dirty="0">
+                <a:solidFill>
+                  <a:srgbClr val="D4D4D4"/>
+                </a:solidFill>
+                <a:effectLst/>
+                <a:latin typeface="Consolas" panose="020B0609020204030204" pitchFamily="49" charset="0"/>
+              </a:rPr>
+              <a:t>}</a:t>
+            </a:r>
+          </a:p>
+        </p:txBody>
+      </p:sp>
+      <p:sp>
+        <p:nvSpPr>
+          <p:cNvPr id="8" name="文字方塊 7">
+            <a:extLst>
+              <a:ext uri="{FF2B5EF4-FFF2-40B4-BE49-F238E27FC236}">
+                <a16:creationId xmlns:a16="http://schemas.microsoft.com/office/drawing/2014/main" id="{FC34973E-045F-186E-A7AA-4CEC74031640}"/>
+              </a:ext>
+            </a:extLst>
+          </p:cNvPr>
+          <p:cNvSpPr txBox="1"/>
+          <p:nvPr/>
+        </p:nvSpPr>
+        <p:spPr>
+          <a:xfrm>
+            <a:off x="7479094" y="1562093"/>
+            <a:ext cx="1569660" cy="369332"/>
+          </a:xfrm>
+          <a:prstGeom prst="rect">
+            <a:avLst/>
+          </a:prstGeom>
+          <a:noFill/>
+        </p:spPr>
+        <p:txBody>
+          <a:bodyPr wrap="none" rtlCol="0">
+            <a:spAutoFit/>
+          </a:bodyPr>
+          <a:lstStyle/>
+          <a:p>
+            <a:r>
+              <a:rPr lang="zh-TW" altLang="en-US" dirty="0">
+                <a:solidFill>
+                  <a:schemeClr val="bg1"/>
+                </a:solidFill>
+              </a:rPr>
+              <a:t>取得輸入內容</a:t>
+            </a:r>
+            <a:endParaRPr lang="en-US" altLang="zh-TW" dirty="0">
+              <a:solidFill>
+                <a:schemeClr val="bg1"/>
+              </a:solidFill>
+            </a:endParaRPr>
+          </a:p>
+        </p:txBody>
+      </p:sp>
+      <p:sp>
+        <p:nvSpPr>
+          <p:cNvPr id="10" name="文字方塊 9">
+            <a:extLst>
+              <a:ext uri="{FF2B5EF4-FFF2-40B4-BE49-F238E27FC236}">
+                <a16:creationId xmlns:a16="http://schemas.microsoft.com/office/drawing/2014/main" id="{4F764303-E5A5-CE16-20F8-77AD419F7452}"/>
+              </a:ext>
+            </a:extLst>
+          </p:cNvPr>
+          <p:cNvSpPr txBox="1"/>
+          <p:nvPr/>
+        </p:nvSpPr>
+        <p:spPr>
+          <a:xfrm>
+            <a:off x="7479094" y="2361159"/>
+            <a:ext cx="1675459" cy="369332"/>
+          </a:xfrm>
+          <a:prstGeom prst="rect">
+            <a:avLst/>
+          </a:prstGeom>
+          <a:noFill/>
+        </p:spPr>
+        <p:txBody>
+          <a:bodyPr wrap="none" rtlCol="0">
+            <a:spAutoFit/>
+          </a:bodyPr>
+          <a:lstStyle/>
+          <a:p>
+            <a:r>
+              <a:rPr lang="zh-TW" altLang="en-US" dirty="0">
+                <a:solidFill>
+                  <a:schemeClr val="bg1"/>
+                </a:solidFill>
+              </a:rPr>
+              <a:t>新增一格</a:t>
+            </a:r>
+            <a:r>
+              <a:rPr lang="en-US" altLang="zh-TW" dirty="0">
+                <a:solidFill>
+                  <a:schemeClr val="bg1"/>
+                </a:solidFill>
+              </a:rPr>
+              <a:t>li</a:t>
+            </a:r>
+            <a:r>
+              <a:rPr lang="zh-TW" altLang="en-US" dirty="0">
+                <a:solidFill>
+                  <a:schemeClr val="bg1"/>
+                </a:solidFill>
+              </a:rPr>
+              <a:t>標籤</a:t>
+            </a:r>
+            <a:endParaRPr lang="en-US" altLang="zh-TW" dirty="0">
+              <a:solidFill>
+                <a:schemeClr val="bg1"/>
+              </a:solidFill>
+            </a:endParaRPr>
+          </a:p>
+        </p:txBody>
+      </p:sp>
+      <p:sp>
+        <p:nvSpPr>
+          <p:cNvPr id="11" name="文字方塊 10">
+            <a:extLst>
+              <a:ext uri="{FF2B5EF4-FFF2-40B4-BE49-F238E27FC236}">
+                <a16:creationId xmlns:a16="http://schemas.microsoft.com/office/drawing/2014/main" id="{59CFBAAC-0D61-28E4-5755-21CC1A3E185A}"/>
+              </a:ext>
+            </a:extLst>
+          </p:cNvPr>
+          <p:cNvSpPr txBox="1"/>
+          <p:nvPr/>
+        </p:nvSpPr>
+        <p:spPr>
+          <a:xfrm>
+            <a:off x="7479094" y="2838947"/>
+            <a:ext cx="2137124" cy="369332"/>
+          </a:xfrm>
+          <a:prstGeom prst="rect">
+            <a:avLst/>
+          </a:prstGeom>
+          <a:noFill/>
+        </p:spPr>
+        <p:txBody>
+          <a:bodyPr wrap="none" rtlCol="0">
+            <a:spAutoFit/>
+          </a:bodyPr>
+          <a:lstStyle/>
+          <a:p>
+            <a:r>
+              <a:rPr lang="zh-TW" altLang="en-US" dirty="0">
+                <a:solidFill>
+                  <a:schemeClr val="bg1"/>
+                </a:solidFill>
+              </a:rPr>
+              <a:t>輸入內容放進新的</a:t>
+            </a:r>
+            <a:r>
+              <a:rPr lang="en-US" altLang="zh-TW" dirty="0">
+                <a:solidFill>
+                  <a:schemeClr val="bg1"/>
+                </a:solidFill>
+              </a:rPr>
+              <a:t>li</a:t>
+            </a:r>
+          </a:p>
+        </p:txBody>
+      </p:sp>
+      <p:sp>
+        <p:nvSpPr>
+          <p:cNvPr id="12" name="文字方塊 11">
+            <a:extLst>
+              <a:ext uri="{FF2B5EF4-FFF2-40B4-BE49-F238E27FC236}">
+                <a16:creationId xmlns:a16="http://schemas.microsoft.com/office/drawing/2014/main" id="{EC0C7893-897B-089E-C67F-511E47F1811A}"/>
+              </a:ext>
+            </a:extLst>
+          </p:cNvPr>
+          <p:cNvSpPr txBox="1"/>
+          <p:nvPr/>
+        </p:nvSpPr>
+        <p:spPr>
+          <a:xfrm>
+            <a:off x="7479094" y="3437299"/>
+            <a:ext cx="1959191" cy="369332"/>
+          </a:xfrm>
+          <a:prstGeom prst="rect">
+            <a:avLst/>
+          </a:prstGeom>
+          <a:noFill/>
+        </p:spPr>
+        <p:txBody>
+          <a:bodyPr wrap="none" rtlCol="0">
+            <a:spAutoFit/>
+          </a:bodyPr>
+          <a:lstStyle/>
+          <a:p>
+            <a:r>
+              <a:rPr lang="zh-TW" altLang="en-US" dirty="0">
+                <a:solidFill>
+                  <a:schemeClr val="bg1"/>
+                </a:solidFill>
+              </a:rPr>
+              <a:t>新的</a:t>
+            </a:r>
+            <a:r>
+              <a:rPr lang="en-US" altLang="zh-TW" dirty="0">
+                <a:solidFill>
+                  <a:schemeClr val="bg1"/>
+                </a:solidFill>
+              </a:rPr>
+              <a:t>li</a:t>
+            </a:r>
+            <a:r>
+              <a:rPr lang="zh-TW" altLang="en-US" dirty="0">
+                <a:solidFill>
+                  <a:schemeClr val="bg1"/>
+                </a:solidFill>
+              </a:rPr>
+              <a:t>放進 留言板</a:t>
+            </a:r>
+            <a:endParaRPr lang="en-US" altLang="zh-TW" dirty="0">
+              <a:solidFill>
+                <a:schemeClr val="bg1"/>
+              </a:solidFill>
+            </a:endParaRPr>
+          </a:p>
+        </p:txBody>
+      </p:sp>
+      <p:sp>
+        <p:nvSpPr>
+          <p:cNvPr id="13" name="文字方塊 12">
+            <a:extLst>
+              <a:ext uri="{FF2B5EF4-FFF2-40B4-BE49-F238E27FC236}">
+                <a16:creationId xmlns:a16="http://schemas.microsoft.com/office/drawing/2014/main" id="{A7EDF051-90B9-0AEA-AD04-1E6BF9BB6ED3}"/>
+              </a:ext>
+            </a:extLst>
+          </p:cNvPr>
+          <p:cNvSpPr txBox="1"/>
+          <p:nvPr/>
+        </p:nvSpPr>
+        <p:spPr>
+          <a:xfrm>
+            <a:off x="7479094" y="4044327"/>
+            <a:ext cx="1338828" cy="369332"/>
+          </a:xfrm>
+          <a:prstGeom prst="rect">
+            <a:avLst/>
+          </a:prstGeom>
+          <a:noFill/>
+        </p:spPr>
+        <p:txBody>
+          <a:bodyPr wrap="none" rtlCol="0">
+            <a:spAutoFit/>
+          </a:bodyPr>
+          <a:lstStyle/>
+          <a:p>
+            <a:r>
+              <a:rPr lang="zh-TW" altLang="en-US" dirty="0">
+                <a:solidFill>
+                  <a:schemeClr val="bg1"/>
+                </a:solidFill>
+              </a:rPr>
+              <a:t>清空輸入欄</a:t>
+            </a:r>
+            <a:endParaRPr lang="en-US" altLang="zh-TW" dirty="0">
+              <a:solidFill>
+                <a:schemeClr val="bg1"/>
+              </a:solidFill>
+            </a:endParaRPr>
+          </a:p>
+        </p:txBody>
+      </p:sp>
+    </p:spTree>
+    <p:extLst>
+      <p:ext uri="{BB962C8B-B14F-4D97-AF65-F5344CB8AC3E}">
+        <p14:creationId xmlns:p14="http://schemas.microsoft.com/office/powerpoint/2010/main" val="29531014"/>
+      </p:ext>
+    </p:extLst>
+  </p:cSld>
+  <p:clrMapOvr>
+    <a:masterClrMapping/>
+  </p:clrMapOvr>
+</p:sld>
+</file>
+
+<file path=ppt/slides/slide2.xml><?xml version="1.0" encoding="utf-8"?>
+<p:sld xmlns:a="http://schemas.openxmlformats.org/drawingml/2006/main" xmlns:r="http://schemas.openxmlformats.org/officeDocument/2006/relationships" xmlns:p="http://schemas.openxmlformats.org/presentationml/2006/main">
+  <p:cSld>
+    <p:spTree>
+      <p:nvGrpSpPr>
+        <p:cNvPr id="1" name=""/>
+        <p:cNvGrpSpPr/>
+        <p:nvPr/>
+      </p:nvGrpSpPr>
+      <p:grpSpPr>
+        <a:xfrm>
+          <a:off x="0" y="0"/>
+          <a:ext cx="0" cy="0"/>
+          <a:chOff x="0" y="0"/>
+          <a:chExt cx="0" cy="0"/>
+        </a:xfrm>
+      </p:grpSpPr>
+      <p:sp>
+        <p:nvSpPr>
+          <p:cNvPr id="2" name="標題 1">
+            <a:extLst>
+              <a:ext uri="{FF2B5EF4-FFF2-40B4-BE49-F238E27FC236}">
                 <a16:creationId xmlns:a16="http://schemas.microsoft.com/office/drawing/2014/main" id="{10E98BE9-CD33-5712-8BD2-D2EEC2F4D7F7}"/>
               </a:ext>
             </a:extLst>
@@ -4974,7 +6820,7 @@
 </p:sld>
 </file>
 
-<file path=ppt/slides/slide2.xml><?xml version="1.0" encoding="utf-8"?>
+<file path=ppt/slides/slide3.xml><?xml version="1.0" encoding="utf-8"?>
 <p:sld xmlns:a="http://schemas.openxmlformats.org/drawingml/2006/main" xmlns:r="http://schemas.openxmlformats.org/officeDocument/2006/relationships" xmlns:p="http://schemas.openxmlformats.org/presentationml/2006/main">
   <p:cSld>
     <p:spTree>
@@ -5898,7 +7744,1133 @@
 </p:sld>
 </file>
 
-<file path=ppt/slides/slide3.xml><?xml version="1.0" encoding="utf-8"?>
+<file path=ppt/slides/slide4.xml><?xml version="1.0" encoding="utf-8"?>
+<p:sld xmlns:a="http://schemas.openxmlformats.org/drawingml/2006/main" xmlns:r="http://schemas.openxmlformats.org/officeDocument/2006/relationships" xmlns:p="http://schemas.openxmlformats.org/presentationml/2006/main">
+  <p:cSld>
+    <p:spTree>
+      <p:nvGrpSpPr>
+        <p:cNvPr id="1" name=""/>
+        <p:cNvGrpSpPr/>
+        <p:nvPr/>
+      </p:nvGrpSpPr>
+      <p:grpSpPr>
+        <a:xfrm>
+          <a:off x="0" y="0"/>
+          <a:ext cx="0" cy="0"/>
+          <a:chOff x="0" y="0"/>
+          <a:chExt cx="0" cy="0"/>
+        </a:xfrm>
+      </p:grpSpPr>
+      <p:sp>
+        <p:nvSpPr>
+          <p:cNvPr id="2" name="標題 1">
+            <a:extLst>
+              <a:ext uri="{FF2B5EF4-FFF2-40B4-BE49-F238E27FC236}">
+                <a16:creationId xmlns:a16="http://schemas.microsoft.com/office/drawing/2014/main" id="{CE600B44-97B3-CAD7-73DC-ED6BB55E4CB1}"/>
+              </a:ext>
+            </a:extLst>
+          </p:cNvPr>
+          <p:cNvSpPr>
+            <a:spLocks noGrp="1"/>
+          </p:cNvSpPr>
+          <p:nvPr>
+            <p:ph type="title"/>
+          </p:nvPr>
+        </p:nvSpPr>
+        <p:spPr/>
+        <p:txBody>
+          <a:bodyPr/>
+          <a:lstStyle/>
+          <a:p>
+            <a:r>
+              <a:rPr lang="zh-TW" altLang="en-US" dirty="0"/>
+              <a:t>移動至卡片放大醒目提示</a:t>
+            </a:r>
+          </a:p>
+        </p:txBody>
+      </p:sp>
+      <p:sp>
+        <p:nvSpPr>
+          <p:cNvPr id="3" name="內容版面配置區 2">
+            <a:extLst>
+              <a:ext uri="{FF2B5EF4-FFF2-40B4-BE49-F238E27FC236}">
+                <a16:creationId xmlns:a16="http://schemas.microsoft.com/office/drawing/2014/main" id="{BC255B46-2E90-2A59-4AA0-73BD6E481458}"/>
+              </a:ext>
+            </a:extLst>
+          </p:cNvPr>
+          <p:cNvSpPr>
+            <a:spLocks noGrp="1"/>
+          </p:cNvSpPr>
+          <p:nvPr>
+            <p:ph idx="1"/>
+          </p:nvPr>
+        </p:nvSpPr>
+        <p:spPr/>
+        <p:txBody>
+          <a:bodyPr/>
+          <a:lstStyle/>
+          <a:p>
+            <a:endParaRPr lang="zh-TW" altLang="en-US"/>
+          </a:p>
+        </p:txBody>
+      </p:sp>
+      <p:pic>
+        <p:nvPicPr>
+          <p:cNvPr id="5" name="圖片 4">
+            <a:extLst>
+              <a:ext uri="{FF2B5EF4-FFF2-40B4-BE49-F238E27FC236}">
+                <a16:creationId xmlns:a16="http://schemas.microsoft.com/office/drawing/2014/main" id="{03806ADE-31F9-98FF-3496-01FB1B839A25}"/>
+              </a:ext>
+            </a:extLst>
+          </p:cNvPr>
+          <p:cNvPicPr>
+            <a:picLocks noChangeAspect="1"/>
+          </p:cNvPicPr>
+          <p:nvPr/>
+        </p:nvPicPr>
+        <p:blipFill>
+          <a:blip r:embed="rId2"/>
+          <a:stretch>
+            <a:fillRect/>
+          </a:stretch>
+        </p:blipFill>
+        <p:spPr>
+          <a:xfrm>
+            <a:off x="169466" y="2701316"/>
+            <a:ext cx="5600714" cy="4077261"/>
+          </a:xfrm>
+          <a:prstGeom prst="rect">
+            <a:avLst/>
+          </a:prstGeom>
+        </p:spPr>
+      </p:pic>
+      <p:pic>
+        <p:nvPicPr>
+          <p:cNvPr id="7" name="圖片 6">
+            <a:extLst>
+              <a:ext uri="{FF2B5EF4-FFF2-40B4-BE49-F238E27FC236}">
+                <a16:creationId xmlns:a16="http://schemas.microsoft.com/office/drawing/2014/main" id="{283E151C-8755-3417-41E7-BF1FB1177EF2}"/>
+              </a:ext>
+            </a:extLst>
+          </p:cNvPr>
+          <p:cNvPicPr>
+            <a:picLocks noChangeAspect="1"/>
+          </p:cNvPicPr>
+          <p:nvPr/>
+        </p:nvPicPr>
+        <p:blipFill>
+          <a:blip r:embed="rId3"/>
+          <a:stretch>
+            <a:fillRect/>
+          </a:stretch>
+        </p:blipFill>
+        <p:spPr>
+          <a:xfrm>
+            <a:off x="2681007" y="1767736"/>
+            <a:ext cx="9402487" cy="933580"/>
+          </a:xfrm>
+          <a:prstGeom prst="rect">
+            <a:avLst/>
+          </a:prstGeom>
+        </p:spPr>
+      </p:pic>
+      <p:sp>
+        <p:nvSpPr>
+          <p:cNvPr id="9" name="文字方塊 8">
+            <a:extLst>
+              <a:ext uri="{FF2B5EF4-FFF2-40B4-BE49-F238E27FC236}">
+                <a16:creationId xmlns:a16="http://schemas.microsoft.com/office/drawing/2014/main" id="{8F3FE089-FC42-FB23-828D-72564498248F}"/>
+              </a:ext>
+            </a:extLst>
+          </p:cNvPr>
+          <p:cNvSpPr txBox="1"/>
+          <p:nvPr/>
+        </p:nvSpPr>
+        <p:spPr>
+          <a:xfrm>
+            <a:off x="5990122" y="2779314"/>
+            <a:ext cx="6093372" cy="3416320"/>
+          </a:xfrm>
+          <a:prstGeom prst="rect">
+            <a:avLst/>
+          </a:prstGeom>
+          <a:solidFill>
+            <a:schemeClr val="tx1"/>
+          </a:solidFill>
+        </p:spPr>
+        <p:txBody>
+          <a:bodyPr wrap="square">
+            <a:spAutoFit/>
+          </a:bodyPr>
+          <a:lstStyle/>
+          <a:p>
+            <a:r>
+              <a:rPr lang="en-US" altLang="zh-TW" b="0" dirty="0">
+                <a:solidFill>
+                  <a:srgbClr val="569CD6"/>
+                </a:solidFill>
+                <a:effectLst/>
+                <a:latin typeface="Consolas" panose="020B0609020204030204" pitchFamily="49" charset="0"/>
+              </a:rPr>
+              <a:t>function</a:t>
+            </a:r>
+            <a:r>
+              <a:rPr lang="en-US" altLang="zh-TW" b="0" dirty="0">
+                <a:solidFill>
+                  <a:srgbClr val="D4D4D4"/>
+                </a:solidFill>
+                <a:effectLst/>
+                <a:latin typeface="Consolas" panose="020B0609020204030204" pitchFamily="49" charset="0"/>
+              </a:rPr>
+              <a:t> </a:t>
+            </a:r>
+            <a:r>
+              <a:rPr lang="en-US" altLang="zh-TW" b="0" dirty="0" err="1">
+                <a:solidFill>
+                  <a:srgbClr val="DCDCAA"/>
+                </a:solidFill>
+                <a:effectLst/>
+                <a:latin typeface="Consolas" panose="020B0609020204030204" pitchFamily="49" charset="0"/>
+              </a:rPr>
+              <a:t>Biger</a:t>
+            </a:r>
+            <a:r>
+              <a:rPr lang="en-US" altLang="zh-TW" b="0" dirty="0">
+                <a:solidFill>
+                  <a:srgbClr val="D4D4D4"/>
+                </a:solidFill>
+                <a:effectLst/>
+                <a:latin typeface="Consolas" panose="020B0609020204030204" pitchFamily="49" charset="0"/>
+              </a:rPr>
+              <a:t>(</a:t>
+            </a:r>
+            <a:r>
+              <a:rPr lang="en-US" altLang="zh-TW" b="0" dirty="0">
+                <a:solidFill>
+                  <a:srgbClr val="9CDCFE"/>
+                </a:solidFill>
+                <a:effectLst/>
+                <a:latin typeface="Consolas" panose="020B0609020204030204" pitchFamily="49" charset="0"/>
+              </a:rPr>
+              <a:t>x</a:t>
+            </a:r>
+            <a:r>
+              <a:rPr lang="en-US" altLang="zh-TW" b="0" dirty="0">
+                <a:solidFill>
+                  <a:srgbClr val="D4D4D4"/>
+                </a:solidFill>
+                <a:effectLst/>
+                <a:latin typeface="Consolas" panose="020B0609020204030204" pitchFamily="49" charset="0"/>
+              </a:rPr>
+              <a:t>){</a:t>
+            </a:r>
+          </a:p>
+          <a:p>
+            <a:r>
+              <a:rPr lang="en-US" altLang="zh-TW" b="0" dirty="0">
+                <a:solidFill>
+                  <a:srgbClr val="D4D4D4"/>
+                </a:solidFill>
+                <a:effectLst/>
+                <a:latin typeface="Consolas" panose="020B0609020204030204" pitchFamily="49" charset="0"/>
+              </a:rPr>
+              <a:t>    </a:t>
+            </a:r>
+            <a:r>
+              <a:rPr lang="en-US" altLang="zh-TW" b="0" dirty="0" err="1">
+                <a:solidFill>
+                  <a:srgbClr val="9CDCFE"/>
+                </a:solidFill>
+                <a:effectLst/>
+                <a:latin typeface="Consolas" panose="020B0609020204030204" pitchFamily="49" charset="0"/>
+              </a:rPr>
+              <a:t>x</a:t>
+            </a:r>
+            <a:r>
+              <a:rPr lang="en-US" altLang="zh-TW" b="0" dirty="0" err="1">
+                <a:solidFill>
+                  <a:srgbClr val="D4D4D4"/>
+                </a:solidFill>
+                <a:effectLst/>
+                <a:latin typeface="Consolas" panose="020B0609020204030204" pitchFamily="49" charset="0"/>
+              </a:rPr>
+              <a:t>.</a:t>
+            </a:r>
+            <a:r>
+              <a:rPr lang="en-US" altLang="zh-TW" b="0" dirty="0" err="1">
+                <a:solidFill>
+                  <a:srgbClr val="9CDCFE"/>
+                </a:solidFill>
+                <a:effectLst/>
+                <a:latin typeface="Consolas" panose="020B0609020204030204" pitchFamily="49" charset="0"/>
+              </a:rPr>
+              <a:t>style</a:t>
+            </a:r>
+            <a:r>
+              <a:rPr lang="en-US" altLang="zh-TW" b="0" dirty="0" err="1">
+                <a:solidFill>
+                  <a:srgbClr val="D4D4D4"/>
+                </a:solidFill>
+                <a:effectLst/>
+                <a:latin typeface="Consolas" panose="020B0609020204030204" pitchFamily="49" charset="0"/>
+              </a:rPr>
+              <a:t>.</a:t>
+            </a:r>
+            <a:r>
+              <a:rPr lang="en-US" altLang="zh-TW" b="0" dirty="0" err="1">
+                <a:solidFill>
+                  <a:srgbClr val="9CDCFE"/>
+                </a:solidFill>
+                <a:effectLst/>
+                <a:latin typeface="Consolas" panose="020B0609020204030204" pitchFamily="49" charset="0"/>
+              </a:rPr>
+              <a:t>width</a:t>
+            </a:r>
+            <a:r>
+              <a:rPr lang="en-US" altLang="zh-TW" b="0" dirty="0">
+                <a:solidFill>
+                  <a:srgbClr val="D4D4D4"/>
+                </a:solidFill>
+                <a:effectLst/>
+                <a:latin typeface="Consolas" panose="020B0609020204030204" pitchFamily="49" charset="0"/>
+              </a:rPr>
+              <a:t>=</a:t>
+            </a:r>
+            <a:r>
+              <a:rPr lang="en-US" altLang="zh-TW" b="0" dirty="0">
+                <a:solidFill>
+                  <a:srgbClr val="CE9178"/>
+                </a:solidFill>
+                <a:effectLst/>
+                <a:latin typeface="Consolas" panose="020B0609020204030204" pitchFamily="49" charset="0"/>
+              </a:rPr>
+              <a:t>"28%"</a:t>
+            </a:r>
+            <a:endParaRPr lang="en-US" altLang="zh-TW" b="0" dirty="0">
+              <a:solidFill>
+                <a:srgbClr val="D4D4D4"/>
+              </a:solidFill>
+              <a:effectLst/>
+              <a:latin typeface="Consolas" panose="020B0609020204030204" pitchFamily="49" charset="0"/>
+            </a:endParaRPr>
+          </a:p>
+          <a:p>
+            <a:r>
+              <a:rPr lang="en-US" altLang="zh-TW" b="0" dirty="0">
+                <a:solidFill>
+                  <a:srgbClr val="D4D4D4"/>
+                </a:solidFill>
+                <a:effectLst/>
+                <a:latin typeface="Consolas" panose="020B0609020204030204" pitchFamily="49" charset="0"/>
+              </a:rPr>
+              <a:t>    </a:t>
+            </a:r>
+            <a:r>
+              <a:rPr lang="en-US" altLang="zh-TW" b="0" dirty="0" err="1">
+                <a:solidFill>
+                  <a:srgbClr val="9CDCFE"/>
+                </a:solidFill>
+                <a:effectLst/>
+                <a:latin typeface="Consolas" panose="020B0609020204030204" pitchFamily="49" charset="0"/>
+              </a:rPr>
+              <a:t>x</a:t>
+            </a:r>
+            <a:r>
+              <a:rPr lang="en-US" altLang="zh-TW" b="0" dirty="0" err="1">
+                <a:solidFill>
+                  <a:srgbClr val="D4D4D4"/>
+                </a:solidFill>
+                <a:effectLst/>
+                <a:latin typeface="Consolas" panose="020B0609020204030204" pitchFamily="49" charset="0"/>
+              </a:rPr>
+              <a:t>.</a:t>
+            </a:r>
+            <a:r>
+              <a:rPr lang="en-US" altLang="zh-TW" b="0" dirty="0" err="1">
+                <a:solidFill>
+                  <a:srgbClr val="9CDCFE"/>
+                </a:solidFill>
+                <a:effectLst/>
+                <a:latin typeface="Consolas" panose="020B0609020204030204" pitchFamily="49" charset="0"/>
+              </a:rPr>
+              <a:t>style</a:t>
+            </a:r>
+            <a:r>
+              <a:rPr lang="en-US" altLang="zh-TW" b="0" dirty="0" err="1">
+                <a:solidFill>
+                  <a:srgbClr val="D4D4D4"/>
+                </a:solidFill>
+                <a:effectLst/>
+                <a:latin typeface="Consolas" panose="020B0609020204030204" pitchFamily="49" charset="0"/>
+              </a:rPr>
+              <a:t>.</a:t>
+            </a:r>
+            <a:r>
+              <a:rPr lang="en-US" altLang="zh-TW" b="0" dirty="0" err="1">
+                <a:solidFill>
+                  <a:srgbClr val="9CDCFE"/>
+                </a:solidFill>
+                <a:effectLst/>
+                <a:latin typeface="Consolas" panose="020B0609020204030204" pitchFamily="49" charset="0"/>
+              </a:rPr>
+              <a:t>margin</a:t>
+            </a:r>
+            <a:r>
+              <a:rPr lang="en-US" altLang="zh-TW" b="0" dirty="0">
+                <a:solidFill>
+                  <a:srgbClr val="D4D4D4"/>
+                </a:solidFill>
+                <a:effectLst/>
+                <a:latin typeface="Consolas" panose="020B0609020204030204" pitchFamily="49" charset="0"/>
+              </a:rPr>
+              <a:t>=</a:t>
+            </a:r>
+            <a:r>
+              <a:rPr lang="en-US" altLang="zh-TW" b="0" dirty="0">
+                <a:solidFill>
+                  <a:srgbClr val="CE9178"/>
+                </a:solidFill>
+                <a:effectLst/>
+                <a:latin typeface="Consolas" panose="020B0609020204030204" pitchFamily="49" charset="0"/>
+              </a:rPr>
+              <a:t>"-20px"</a:t>
+            </a:r>
+            <a:endParaRPr lang="en-US" altLang="zh-TW" b="0" dirty="0">
+              <a:solidFill>
+                <a:srgbClr val="D4D4D4"/>
+              </a:solidFill>
+              <a:effectLst/>
+              <a:latin typeface="Consolas" panose="020B0609020204030204" pitchFamily="49" charset="0"/>
+            </a:endParaRPr>
+          </a:p>
+          <a:p>
+            <a:r>
+              <a:rPr lang="en-US" altLang="zh-TW" b="0" dirty="0">
+                <a:solidFill>
+                  <a:srgbClr val="D4D4D4"/>
+                </a:solidFill>
+                <a:effectLst/>
+                <a:latin typeface="Consolas" panose="020B0609020204030204" pitchFamily="49" charset="0"/>
+              </a:rPr>
+              <a:t>    </a:t>
+            </a:r>
+            <a:r>
+              <a:rPr lang="en-US" altLang="zh-TW" b="0" dirty="0" err="1">
+                <a:solidFill>
+                  <a:srgbClr val="9CDCFE"/>
+                </a:solidFill>
+                <a:effectLst/>
+                <a:latin typeface="Consolas" panose="020B0609020204030204" pitchFamily="49" charset="0"/>
+              </a:rPr>
+              <a:t>x</a:t>
+            </a:r>
+            <a:r>
+              <a:rPr lang="en-US" altLang="zh-TW" b="0" dirty="0" err="1">
+                <a:solidFill>
+                  <a:srgbClr val="D4D4D4"/>
+                </a:solidFill>
+                <a:effectLst/>
+                <a:latin typeface="Consolas" panose="020B0609020204030204" pitchFamily="49" charset="0"/>
+              </a:rPr>
+              <a:t>.</a:t>
+            </a:r>
+            <a:r>
+              <a:rPr lang="en-US" altLang="zh-TW" b="0" dirty="0" err="1">
+                <a:solidFill>
+                  <a:srgbClr val="9CDCFE"/>
+                </a:solidFill>
+                <a:effectLst/>
+                <a:latin typeface="Consolas" panose="020B0609020204030204" pitchFamily="49" charset="0"/>
+              </a:rPr>
+              <a:t>style</a:t>
+            </a:r>
+            <a:r>
+              <a:rPr lang="en-US" altLang="zh-TW" b="0" dirty="0" err="1">
+                <a:solidFill>
+                  <a:srgbClr val="D4D4D4"/>
+                </a:solidFill>
+                <a:effectLst/>
+                <a:latin typeface="Consolas" panose="020B0609020204030204" pitchFamily="49" charset="0"/>
+              </a:rPr>
+              <a:t>.</a:t>
+            </a:r>
+            <a:r>
+              <a:rPr lang="en-US" altLang="zh-TW" b="0" dirty="0" err="1">
+                <a:solidFill>
+                  <a:srgbClr val="9CDCFE"/>
+                </a:solidFill>
+                <a:effectLst/>
+                <a:latin typeface="Consolas" panose="020B0609020204030204" pitchFamily="49" charset="0"/>
+              </a:rPr>
+              <a:t>marginTop</a:t>
+            </a:r>
+            <a:r>
+              <a:rPr lang="en-US" altLang="zh-TW" b="0" dirty="0">
+                <a:solidFill>
+                  <a:srgbClr val="D4D4D4"/>
+                </a:solidFill>
+                <a:effectLst/>
+                <a:latin typeface="Consolas" panose="020B0609020204030204" pitchFamily="49" charset="0"/>
+              </a:rPr>
+              <a:t>=</a:t>
+            </a:r>
+            <a:r>
+              <a:rPr lang="en-US" altLang="zh-TW" b="0" dirty="0">
+                <a:solidFill>
+                  <a:srgbClr val="CE9178"/>
+                </a:solidFill>
+                <a:effectLst/>
+                <a:latin typeface="Consolas" panose="020B0609020204030204" pitchFamily="49" charset="0"/>
+              </a:rPr>
+              <a:t>"-50px"</a:t>
+            </a:r>
+            <a:endParaRPr lang="en-US" altLang="zh-TW" b="0" dirty="0">
+              <a:solidFill>
+                <a:srgbClr val="D4D4D4"/>
+              </a:solidFill>
+              <a:effectLst/>
+              <a:latin typeface="Consolas" panose="020B0609020204030204" pitchFamily="49" charset="0"/>
+            </a:endParaRPr>
+          </a:p>
+          <a:p>
+            <a:r>
+              <a:rPr lang="en-US" altLang="zh-TW" b="0" dirty="0">
+                <a:solidFill>
+                  <a:srgbClr val="D4D4D4"/>
+                </a:solidFill>
+                <a:effectLst/>
+                <a:latin typeface="Consolas" panose="020B0609020204030204" pitchFamily="49" charset="0"/>
+              </a:rPr>
+              <a:t>    </a:t>
+            </a:r>
+            <a:r>
+              <a:rPr lang="en-US" altLang="zh-TW" b="0" dirty="0" err="1">
+                <a:solidFill>
+                  <a:srgbClr val="9CDCFE"/>
+                </a:solidFill>
+                <a:effectLst/>
+                <a:latin typeface="Consolas" panose="020B0609020204030204" pitchFamily="49" charset="0"/>
+              </a:rPr>
+              <a:t>x</a:t>
+            </a:r>
+            <a:r>
+              <a:rPr lang="en-US" altLang="zh-TW" b="0" dirty="0" err="1">
+                <a:solidFill>
+                  <a:srgbClr val="D4D4D4"/>
+                </a:solidFill>
+                <a:effectLst/>
+                <a:latin typeface="Consolas" panose="020B0609020204030204" pitchFamily="49" charset="0"/>
+              </a:rPr>
+              <a:t>.</a:t>
+            </a:r>
+            <a:r>
+              <a:rPr lang="en-US" altLang="zh-TW" b="0" dirty="0" err="1">
+                <a:solidFill>
+                  <a:srgbClr val="9CDCFE"/>
+                </a:solidFill>
+                <a:effectLst/>
+                <a:latin typeface="Consolas" panose="020B0609020204030204" pitchFamily="49" charset="0"/>
+              </a:rPr>
+              <a:t>style</a:t>
+            </a:r>
+            <a:r>
+              <a:rPr lang="en-US" altLang="zh-TW" b="0" dirty="0" err="1">
+                <a:solidFill>
+                  <a:srgbClr val="D4D4D4"/>
+                </a:solidFill>
+                <a:effectLst/>
+                <a:latin typeface="Consolas" panose="020B0609020204030204" pitchFamily="49" charset="0"/>
+              </a:rPr>
+              <a:t>.</a:t>
+            </a:r>
+            <a:r>
+              <a:rPr lang="en-US" altLang="zh-TW" b="0" dirty="0" err="1">
+                <a:solidFill>
+                  <a:srgbClr val="9CDCFE"/>
+                </a:solidFill>
+                <a:effectLst/>
+                <a:latin typeface="Consolas" panose="020B0609020204030204" pitchFamily="49" charset="0"/>
+              </a:rPr>
+              <a:t>transitionDuration</a:t>
+            </a:r>
+            <a:r>
+              <a:rPr lang="en-US" altLang="zh-TW" b="0" dirty="0">
+                <a:solidFill>
+                  <a:srgbClr val="D4D4D4"/>
+                </a:solidFill>
+                <a:effectLst/>
+                <a:latin typeface="Consolas" panose="020B0609020204030204" pitchFamily="49" charset="0"/>
+              </a:rPr>
+              <a:t>=</a:t>
+            </a:r>
+            <a:r>
+              <a:rPr lang="en-US" altLang="zh-TW" b="0" dirty="0">
+                <a:solidFill>
+                  <a:srgbClr val="CE9178"/>
+                </a:solidFill>
+                <a:effectLst/>
+                <a:latin typeface="Consolas" panose="020B0609020204030204" pitchFamily="49" charset="0"/>
+              </a:rPr>
+              <a:t>"0.5s"</a:t>
+            </a:r>
+            <a:endParaRPr lang="en-US" altLang="zh-TW" b="0" dirty="0">
+              <a:solidFill>
+                <a:srgbClr val="D4D4D4"/>
+              </a:solidFill>
+              <a:effectLst/>
+              <a:latin typeface="Consolas" panose="020B0609020204030204" pitchFamily="49" charset="0"/>
+            </a:endParaRPr>
+          </a:p>
+          <a:p>
+            <a:r>
+              <a:rPr lang="en-US" altLang="zh-TW" b="0" dirty="0">
+                <a:solidFill>
+                  <a:srgbClr val="D4D4D4"/>
+                </a:solidFill>
+                <a:effectLst/>
+                <a:latin typeface="Consolas" panose="020B0609020204030204" pitchFamily="49" charset="0"/>
+              </a:rPr>
+              <a:t>   }</a:t>
+            </a:r>
+          </a:p>
+          <a:p>
+            <a:br>
+              <a:rPr lang="en-US" altLang="zh-TW" b="0" dirty="0">
+                <a:solidFill>
+                  <a:srgbClr val="D4D4D4"/>
+                </a:solidFill>
+                <a:effectLst/>
+                <a:latin typeface="Consolas" panose="020B0609020204030204" pitchFamily="49" charset="0"/>
+              </a:rPr>
+            </a:br>
+            <a:r>
+              <a:rPr lang="en-US" altLang="zh-TW" b="0" dirty="0">
+                <a:solidFill>
+                  <a:srgbClr val="569CD6"/>
+                </a:solidFill>
+                <a:effectLst/>
+                <a:latin typeface="Consolas" panose="020B0609020204030204" pitchFamily="49" charset="0"/>
+              </a:rPr>
+              <a:t>function</a:t>
+            </a:r>
+            <a:r>
+              <a:rPr lang="en-US" altLang="zh-TW" b="0" dirty="0">
+                <a:solidFill>
+                  <a:srgbClr val="D4D4D4"/>
+                </a:solidFill>
+                <a:effectLst/>
+                <a:latin typeface="Consolas" panose="020B0609020204030204" pitchFamily="49" charset="0"/>
+              </a:rPr>
+              <a:t> </a:t>
+            </a:r>
+            <a:r>
+              <a:rPr lang="en-US" altLang="zh-TW" b="0" dirty="0">
+                <a:solidFill>
+                  <a:srgbClr val="DCDCAA"/>
+                </a:solidFill>
+                <a:effectLst/>
+                <a:latin typeface="Consolas" panose="020B0609020204030204" pitchFamily="49" charset="0"/>
+              </a:rPr>
+              <a:t>Small</a:t>
+            </a:r>
+            <a:r>
+              <a:rPr lang="en-US" altLang="zh-TW" b="0" dirty="0">
+                <a:solidFill>
+                  <a:srgbClr val="D4D4D4"/>
+                </a:solidFill>
+                <a:effectLst/>
+                <a:latin typeface="Consolas" panose="020B0609020204030204" pitchFamily="49" charset="0"/>
+              </a:rPr>
+              <a:t>(</a:t>
+            </a:r>
+            <a:r>
+              <a:rPr lang="en-US" altLang="zh-TW" b="0" dirty="0">
+                <a:solidFill>
+                  <a:srgbClr val="9CDCFE"/>
+                </a:solidFill>
+                <a:effectLst/>
+                <a:latin typeface="Consolas" panose="020B0609020204030204" pitchFamily="49" charset="0"/>
+              </a:rPr>
+              <a:t>x</a:t>
+            </a:r>
+            <a:r>
+              <a:rPr lang="en-US" altLang="zh-TW" b="0" dirty="0">
+                <a:solidFill>
+                  <a:srgbClr val="D4D4D4"/>
+                </a:solidFill>
+                <a:effectLst/>
+                <a:latin typeface="Consolas" panose="020B0609020204030204" pitchFamily="49" charset="0"/>
+              </a:rPr>
+              <a:t>){</a:t>
+            </a:r>
+          </a:p>
+          <a:p>
+            <a:r>
+              <a:rPr lang="en-US" altLang="zh-TW" b="0" dirty="0">
+                <a:solidFill>
+                  <a:srgbClr val="D4D4D4"/>
+                </a:solidFill>
+                <a:effectLst/>
+                <a:latin typeface="Consolas" panose="020B0609020204030204" pitchFamily="49" charset="0"/>
+              </a:rPr>
+              <a:t>    </a:t>
+            </a:r>
+            <a:r>
+              <a:rPr lang="en-US" altLang="zh-TW" b="0" dirty="0" err="1">
+                <a:solidFill>
+                  <a:srgbClr val="9CDCFE"/>
+                </a:solidFill>
+                <a:effectLst/>
+                <a:latin typeface="Consolas" panose="020B0609020204030204" pitchFamily="49" charset="0"/>
+              </a:rPr>
+              <a:t>x</a:t>
+            </a:r>
+            <a:r>
+              <a:rPr lang="en-US" altLang="zh-TW" b="0" dirty="0" err="1">
+                <a:solidFill>
+                  <a:srgbClr val="D4D4D4"/>
+                </a:solidFill>
+                <a:effectLst/>
+                <a:latin typeface="Consolas" panose="020B0609020204030204" pitchFamily="49" charset="0"/>
+              </a:rPr>
+              <a:t>.</a:t>
+            </a:r>
+            <a:r>
+              <a:rPr lang="en-US" altLang="zh-TW" b="0" dirty="0" err="1">
+                <a:solidFill>
+                  <a:srgbClr val="9CDCFE"/>
+                </a:solidFill>
+                <a:effectLst/>
+                <a:latin typeface="Consolas" panose="020B0609020204030204" pitchFamily="49" charset="0"/>
+              </a:rPr>
+              <a:t>style</a:t>
+            </a:r>
+            <a:r>
+              <a:rPr lang="en-US" altLang="zh-TW" b="0" dirty="0" err="1">
+                <a:solidFill>
+                  <a:srgbClr val="D4D4D4"/>
+                </a:solidFill>
+                <a:effectLst/>
+                <a:latin typeface="Consolas" panose="020B0609020204030204" pitchFamily="49" charset="0"/>
+              </a:rPr>
+              <a:t>.</a:t>
+            </a:r>
+            <a:r>
+              <a:rPr lang="en-US" altLang="zh-TW" b="0" dirty="0" err="1">
+                <a:solidFill>
+                  <a:srgbClr val="9CDCFE"/>
+                </a:solidFill>
+                <a:effectLst/>
+                <a:latin typeface="Consolas" panose="020B0609020204030204" pitchFamily="49" charset="0"/>
+              </a:rPr>
+              <a:t>width</a:t>
+            </a:r>
+            <a:r>
+              <a:rPr lang="en-US" altLang="zh-TW" b="0" dirty="0">
+                <a:solidFill>
+                  <a:srgbClr val="D4D4D4"/>
+                </a:solidFill>
+                <a:effectLst/>
+                <a:latin typeface="Consolas" panose="020B0609020204030204" pitchFamily="49" charset="0"/>
+              </a:rPr>
+              <a:t>=</a:t>
+            </a:r>
+            <a:r>
+              <a:rPr lang="en-US" altLang="zh-TW" b="0" dirty="0">
+                <a:solidFill>
+                  <a:srgbClr val="CE9178"/>
+                </a:solidFill>
+                <a:effectLst/>
+                <a:latin typeface="Consolas" panose="020B0609020204030204" pitchFamily="49" charset="0"/>
+              </a:rPr>
+              <a:t>"25%"</a:t>
+            </a:r>
+            <a:endParaRPr lang="en-US" altLang="zh-TW" b="0" dirty="0">
+              <a:solidFill>
+                <a:srgbClr val="D4D4D4"/>
+              </a:solidFill>
+              <a:effectLst/>
+              <a:latin typeface="Consolas" panose="020B0609020204030204" pitchFamily="49" charset="0"/>
+            </a:endParaRPr>
+          </a:p>
+          <a:p>
+            <a:r>
+              <a:rPr lang="en-US" altLang="zh-TW" b="0" dirty="0">
+                <a:solidFill>
+                  <a:srgbClr val="D4D4D4"/>
+                </a:solidFill>
+                <a:effectLst/>
+                <a:latin typeface="Consolas" panose="020B0609020204030204" pitchFamily="49" charset="0"/>
+              </a:rPr>
+              <a:t>    </a:t>
+            </a:r>
+            <a:r>
+              <a:rPr lang="en-US" altLang="zh-TW" b="0" dirty="0" err="1">
+                <a:solidFill>
+                  <a:srgbClr val="9CDCFE"/>
+                </a:solidFill>
+                <a:effectLst/>
+                <a:latin typeface="Consolas" panose="020B0609020204030204" pitchFamily="49" charset="0"/>
+              </a:rPr>
+              <a:t>x</a:t>
+            </a:r>
+            <a:r>
+              <a:rPr lang="en-US" altLang="zh-TW" b="0" dirty="0" err="1">
+                <a:solidFill>
+                  <a:srgbClr val="D4D4D4"/>
+                </a:solidFill>
+                <a:effectLst/>
+                <a:latin typeface="Consolas" panose="020B0609020204030204" pitchFamily="49" charset="0"/>
+              </a:rPr>
+              <a:t>.</a:t>
+            </a:r>
+            <a:r>
+              <a:rPr lang="en-US" altLang="zh-TW" b="0" dirty="0" err="1">
+                <a:solidFill>
+                  <a:srgbClr val="9CDCFE"/>
+                </a:solidFill>
+                <a:effectLst/>
+                <a:latin typeface="Consolas" panose="020B0609020204030204" pitchFamily="49" charset="0"/>
+              </a:rPr>
+              <a:t>style</a:t>
+            </a:r>
+            <a:r>
+              <a:rPr lang="en-US" altLang="zh-TW" b="0" dirty="0" err="1">
+                <a:solidFill>
+                  <a:srgbClr val="D4D4D4"/>
+                </a:solidFill>
+                <a:effectLst/>
+                <a:latin typeface="Consolas" panose="020B0609020204030204" pitchFamily="49" charset="0"/>
+              </a:rPr>
+              <a:t>.</a:t>
+            </a:r>
+            <a:r>
+              <a:rPr lang="en-US" altLang="zh-TW" b="0" dirty="0" err="1">
+                <a:solidFill>
+                  <a:srgbClr val="9CDCFE"/>
+                </a:solidFill>
+                <a:effectLst/>
+                <a:latin typeface="Consolas" panose="020B0609020204030204" pitchFamily="49" charset="0"/>
+              </a:rPr>
+              <a:t>margin</a:t>
+            </a:r>
+            <a:r>
+              <a:rPr lang="en-US" altLang="zh-TW" b="0" dirty="0">
+                <a:solidFill>
+                  <a:srgbClr val="D4D4D4"/>
+                </a:solidFill>
+                <a:effectLst/>
+                <a:latin typeface="Consolas" panose="020B0609020204030204" pitchFamily="49" charset="0"/>
+              </a:rPr>
+              <a:t>=</a:t>
+            </a:r>
+            <a:r>
+              <a:rPr lang="en-US" altLang="zh-TW" b="0" dirty="0">
+                <a:solidFill>
+                  <a:srgbClr val="CE9178"/>
+                </a:solidFill>
+                <a:effectLst/>
+                <a:latin typeface="Consolas" panose="020B0609020204030204" pitchFamily="49" charset="0"/>
+              </a:rPr>
+              <a:t>"0px"</a:t>
+            </a:r>
+            <a:endParaRPr lang="en-US" altLang="zh-TW" b="0" dirty="0">
+              <a:solidFill>
+                <a:srgbClr val="D4D4D4"/>
+              </a:solidFill>
+              <a:effectLst/>
+              <a:latin typeface="Consolas" panose="020B0609020204030204" pitchFamily="49" charset="0"/>
+            </a:endParaRPr>
+          </a:p>
+          <a:p>
+            <a:r>
+              <a:rPr lang="en-US" altLang="zh-TW" b="0" dirty="0">
+                <a:solidFill>
+                  <a:srgbClr val="D4D4D4"/>
+                </a:solidFill>
+                <a:effectLst/>
+                <a:latin typeface="Consolas" panose="020B0609020204030204" pitchFamily="49" charset="0"/>
+              </a:rPr>
+              <a:t>    </a:t>
+            </a:r>
+            <a:r>
+              <a:rPr lang="en-US" altLang="zh-TW" b="0" dirty="0" err="1">
+                <a:solidFill>
+                  <a:srgbClr val="9CDCFE"/>
+                </a:solidFill>
+                <a:effectLst/>
+                <a:latin typeface="Consolas" panose="020B0609020204030204" pitchFamily="49" charset="0"/>
+              </a:rPr>
+              <a:t>x</a:t>
+            </a:r>
+            <a:r>
+              <a:rPr lang="en-US" altLang="zh-TW" b="0" dirty="0" err="1">
+                <a:solidFill>
+                  <a:srgbClr val="D4D4D4"/>
+                </a:solidFill>
+                <a:effectLst/>
+                <a:latin typeface="Consolas" panose="020B0609020204030204" pitchFamily="49" charset="0"/>
+              </a:rPr>
+              <a:t>.</a:t>
+            </a:r>
+            <a:r>
+              <a:rPr lang="en-US" altLang="zh-TW" b="0" dirty="0" err="1">
+                <a:solidFill>
+                  <a:srgbClr val="9CDCFE"/>
+                </a:solidFill>
+                <a:effectLst/>
+                <a:latin typeface="Consolas" panose="020B0609020204030204" pitchFamily="49" charset="0"/>
+              </a:rPr>
+              <a:t>style</a:t>
+            </a:r>
+            <a:r>
+              <a:rPr lang="en-US" altLang="zh-TW" b="0" dirty="0" err="1">
+                <a:solidFill>
+                  <a:srgbClr val="D4D4D4"/>
+                </a:solidFill>
+                <a:effectLst/>
+                <a:latin typeface="Consolas" panose="020B0609020204030204" pitchFamily="49" charset="0"/>
+              </a:rPr>
+              <a:t>.</a:t>
+            </a:r>
+            <a:r>
+              <a:rPr lang="en-US" altLang="zh-TW" b="0" dirty="0" err="1">
+                <a:solidFill>
+                  <a:srgbClr val="9CDCFE"/>
+                </a:solidFill>
+                <a:effectLst/>
+                <a:latin typeface="Consolas" panose="020B0609020204030204" pitchFamily="49" charset="0"/>
+              </a:rPr>
+              <a:t>transitionDuration</a:t>
+            </a:r>
+            <a:r>
+              <a:rPr lang="en-US" altLang="zh-TW" b="0" dirty="0">
+                <a:solidFill>
+                  <a:srgbClr val="D4D4D4"/>
+                </a:solidFill>
+                <a:effectLst/>
+                <a:latin typeface="Consolas" panose="020B0609020204030204" pitchFamily="49" charset="0"/>
+              </a:rPr>
+              <a:t>=</a:t>
+            </a:r>
+            <a:r>
+              <a:rPr lang="en-US" altLang="zh-TW" b="0" dirty="0">
+                <a:solidFill>
+                  <a:srgbClr val="CE9178"/>
+                </a:solidFill>
+                <a:effectLst/>
+                <a:latin typeface="Consolas" panose="020B0609020204030204" pitchFamily="49" charset="0"/>
+              </a:rPr>
+              <a:t>"0.5s"</a:t>
+            </a:r>
+            <a:endParaRPr lang="en-US" altLang="zh-TW" b="0" dirty="0">
+              <a:solidFill>
+                <a:srgbClr val="D4D4D4"/>
+              </a:solidFill>
+              <a:effectLst/>
+              <a:latin typeface="Consolas" panose="020B0609020204030204" pitchFamily="49" charset="0"/>
+            </a:endParaRPr>
+          </a:p>
+          <a:p>
+            <a:r>
+              <a:rPr lang="en-US" altLang="zh-TW" b="0" dirty="0">
+                <a:solidFill>
+                  <a:srgbClr val="D4D4D4"/>
+                </a:solidFill>
+                <a:effectLst/>
+                <a:latin typeface="Consolas" panose="020B0609020204030204" pitchFamily="49" charset="0"/>
+              </a:rPr>
+              <a:t>}</a:t>
+            </a:r>
+          </a:p>
+        </p:txBody>
+      </p:sp>
+      <p:sp>
+        <p:nvSpPr>
+          <p:cNvPr id="10" name="文字方塊 9">
+            <a:extLst>
+              <a:ext uri="{FF2B5EF4-FFF2-40B4-BE49-F238E27FC236}">
+                <a16:creationId xmlns:a16="http://schemas.microsoft.com/office/drawing/2014/main" id="{52214CD2-D750-5E5F-E823-61EC0B8991B5}"/>
+              </a:ext>
+            </a:extLst>
+          </p:cNvPr>
+          <p:cNvSpPr txBox="1"/>
+          <p:nvPr/>
+        </p:nvSpPr>
+        <p:spPr>
+          <a:xfrm>
+            <a:off x="8134979" y="4255510"/>
+            <a:ext cx="2323072" cy="369332"/>
+          </a:xfrm>
+          <a:prstGeom prst="rect">
+            <a:avLst/>
+          </a:prstGeom>
+          <a:noFill/>
+        </p:spPr>
+        <p:txBody>
+          <a:bodyPr wrap="none" rtlCol="0">
+            <a:spAutoFit/>
+          </a:bodyPr>
+          <a:lstStyle/>
+          <a:p>
+            <a:r>
+              <a:rPr lang="zh-TW" altLang="en-US" dirty="0">
+                <a:solidFill>
+                  <a:schemeClr val="bg1"/>
+                </a:solidFill>
+              </a:rPr>
+              <a:t>讓動作時間持續</a:t>
+            </a:r>
+            <a:r>
+              <a:rPr lang="en-US" altLang="zh-TW" dirty="0">
+                <a:solidFill>
+                  <a:schemeClr val="bg1"/>
+                </a:solidFill>
+              </a:rPr>
+              <a:t>0.5</a:t>
+            </a:r>
+            <a:r>
+              <a:rPr lang="zh-TW" altLang="en-US" dirty="0">
+                <a:solidFill>
+                  <a:schemeClr val="bg1"/>
+                </a:solidFill>
+              </a:rPr>
+              <a:t>秒</a:t>
+            </a:r>
+          </a:p>
+        </p:txBody>
+      </p:sp>
+      <p:sp>
+        <p:nvSpPr>
+          <p:cNvPr id="11" name="文字方塊 10">
+            <a:extLst>
+              <a:ext uri="{FF2B5EF4-FFF2-40B4-BE49-F238E27FC236}">
+                <a16:creationId xmlns:a16="http://schemas.microsoft.com/office/drawing/2014/main" id="{D475B0F6-CBEC-2BE7-F4C2-BAC047B9E4A8}"/>
+              </a:ext>
+            </a:extLst>
+          </p:cNvPr>
+          <p:cNvSpPr txBox="1"/>
+          <p:nvPr/>
+        </p:nvSpPr>
+        <p:spPr>
+          <a:xfrm>
+            <a:off x="9296515" y="3028890"/>
+            <a:ext cx="1107996" cy="369332"/>
+          </a:xfrm>
+          <a:prstGeom prst="rect">
+            <a:avLst/>
+          </a:prstGeom>
+          <a:noFill/>
+        </p:spPr>
+        <p:txBody>
+          <a:bodyPr wrap="none" rtlCol="0">
+            <a:spAutoFit/>
+          </a:bodyPr>
+          <a:lstStyle/>
+          <a:p>
+            <a:r>
+              <a:rPr lang="zh-TW" altLang="en-US" dirty="0">
+                <a:solidFill>
+                  <a:schemeClr val="bg1"/>
+                </a:solidFill>
+              </a:rPr>
+              <a:t>圖片放大</a:t>
+            </a:r>
+          </a:p>
+        </p:txBody>
+      </p:sp>
+      <p:sp>
+        <p:nvSpPr>
+          <p:cNvPr id="12" name="文字方塊 11">
+            <a:extLst>
+              <a:ext uri="{FF2B5EF4-FFF2-40B4-BE49-F238E27FC236}">
+                <a16:creationId xmlns:a16="http://schemas.microsoft.com/office/drawing/2014/main" id="{50D1DBA3-CA0A-CE88-4E4B-B101AABF47CC}"/>
+              </a:ext>
+            </a:extLst>
+          </p:cNvPr>
+          <p:cNvSpPr txBox="1"/>
+          <p:nvPr/>
+        </p:nvSpPr>
+        <p:spPr>
+          <a:xfrm>
+            <a:off x="9348549" y="3332746"/>
+            <a:ext cx="2262158" cy="369332"/>
+          </a:xfrm>
+          <a:prstGeom prst="rect">
+            <a:avLst/>
+          </a:prstGeom>
+          <a:noFill/>
+        </p:spPr>
+        <p:txBody>
+          <a:bodyPr wrap="none" rtlCol="0">
+            <a:spAutoFit/>
+          </a:bodyPr>
+          <a:lstStyle/>
+          <a:p>
+            <a:r>
+              <a:rPr lang="zh-TW" altLang="en-US" b="1" dirty="0">
+                <a:solidFill>
+                  <a:schemeClr val="bg1"/>
+                </a:solidFill>
+              </a:rPr>
+              <a:t>空出放大需要的空間</a:t>
+            </a:r>
+          </a:p>
+        </p:txBody>
+      </p:sp>
+      <p:sp>
+        <p:nvSpPr>
+          <p:cNvPr id="13" name="文字方塊 12">
+            <a:extLst>
+              <a:ext uri="{FF2B5EF4-FFF2-40B4-BE49-F238E27FC236}">
+                <a16:creationId xmlns:a16="http://schemas.microsoft.com/office/drawing/2014/main" id="{D3DCBFF4-9972-987E-6026-B7D6CA1FE13A}"/>
+              </a:ext>
+            </a:extLst>
+          </p:cNvPr>
+          <p:cNvSpPr txBox="1"/>
+          <p:nvPr/>
+        </p:nvSpPr>
+        <p:spPr>
+          <a:xfrm>
+            <a:off x="9760376" y="3625786"/>
+            <a:ext cx="1569660" cy="369332"/>
+          </a:xfrm>
+          <a:prstGeom prst="rect">
+            <a:avLst/>
+          </a:prstGeom>
+          <a:noFill/>
+        </p:spPr>
+        <p:txBody>
+          <a:bodyPr wrap="none" rtlCol="0">
+            <a:spAutoFit/>
+          </a:bodyPr>
+          <a:lstStyle/>
+          <a:p>
+            <a:r>
+              <a:rPr lang="zh-TW" altLang="en-US" b="1" dirty="0">
+                <a:solidFill>
+                  <a:schemeClr val="bg1"/>
+                </a:solidFill>
+              </a:rPr>
+              <a:t>向上放大提高</a:t>
+            </a:r>
+          </a:p>
+        </p:txBody>
+      </p:sp>
+    </p:spTree>
+    <p:extLst>
+      <p:ext uri="{BB962C8B-B14F-4D97-AF65-F5344CB8AC3E}">
+        <p14:creationId xmlns:p14="http://schemas.microsoft.com/office/powerpoint/2010/main" val="915288459"/>
+      </p:ext>
+    </p:extLst>
+  </p:cSld>
+  <p:clrMapOvr>
+    <a:masterClrMapping/>
+  </p:clrMapOvr>
+</p:sld>
+</file>
+
+<file path=ppt/slides/slide5.xml><?xml version="1.0" encoding="utf-8"?>
 <p:sld xmlns:a="http://schemas.openxmlformats.org/drawingml/2006/main" xmlns:r="http://schemas.openxmlformats.org/officeDocument/2006/relationships" xmlns:p="http://schemas.openxmlformats.org/presentationml/2006/main">
   <p:cSld>
     <p:spTree>
@@ -6575,7 +9547,7 @@
 </p:sld>
 </file>
 
-<file path=ppt/slides/slide4.xml><?xml version="1.0" encoding="utf-8"?>
+<file path=ppt/slides/slide6.xml><?xml version="1.0" encoding="utf-8"?>
 <p:sld xmlns:a="http://schemas.openxmlformats.org/drawingml/2006/main" xmlns:r="http://schemas.openxmlformats.org/officeDocument/2006/relationships" xmlns:p="http://schemas.openxmlformats.org/presentationml/2006/main">
   <p:cSld>
     <p:spTree>
@@ -6594,38 +9566,6 @@
       </p:grpSpPr>
       <p:sp>
         <p:nvSpPr>
-          <p:cNvPr id="2" name="標題 1">
-            <a:extLst>
-              <a:ext uri="{FF2B5EF4-FFF2-40B4-BE49-F238E27FC236}">
-                <a16:creationId xmlns:a16="http://schemas.microsoft.com/office/drawing/2014/main" id="{CC0C5B80-399C-47F9-EFCF-6CC604DFA75E}"/>
-              </a:ext>
-            </a:extLst>
-          </p:cNvPr>
-          <p:cNvSpPr>
-            <a:spLocks noGrp="1"/>
-          </p:cNvSpPr>
-          <p:nvPr>
-            <p:ph type="title"/>
-          </p:nvPr>
-        </p:nvSpPr>
-        <p:spPr/>
-        <p:txBody>
-          <a:bodyPr/>
-          <a:lstStyle/>
-          <a:p>
-            <a:r>
-              <a:rPr lang="en-US" altLang="zh-TW" dirty="0"/>
-              <a:t>Top, Home </a:t>
-            </a:r>
-            <a:r>
-              <a:rPr lang="zh-TW" altLang="en-US" dirty="0"/>
-              <a:t>功能</a:t>
-            </a:r>
-          </a:p>
-        </p:txBody>
-      </p:sp>
-      <p:sp>
-        <p:nvSpPr>
           <p:cNvPr id="3" name="內容版面配置區 2">
             <a:extLst>
               <a:ext uri="{FF2B5EF4-FFF2-40B4-BE49-F238E27FC236}">
@@ -6640,12 +9580,7 @@
             <p:ph idx="1"/>
           </p:nvPr>
         </p:nvSpPr>
-        <p:spPr>
-          <a:xfrm>
-            <a:off x="838200" y="1825308"/>
-            <a:ext cx="10515600" cy="4351338"/>
-          </a:xfrm>
-        </p:spPr>
+        <p:spPr/>
         <p:txBody>
           <a:bodyPr/>
           <a:lstStyle/>
@@ -8197,6 +11132,43 @@
           </a:p>
         </p:txBody>
       </p:sp>
+      <p:sp>
+        <p:nvSpPr>
+          <p:cNvPr id="2" name="標題 1">
+            <a:extLst>
+              <a:ext uri="{FF2B5EF4-FFF2-40B4-BE49-F238E27FC236}">
+                <a16:creationId xmlns:a16="http://schemas.microsoft.com/office/drawing/2014/main" id="{CC0C5B80-399C-47F9-EFCF-6CC604DFA75E}"/>
+              </a:ext>
+            </a:extLst>
+          </p:cNvPr>
+          <p:cNvSpPr>
+            <a:spLocks noGrp="1"/>
+          </p:cNvSpPr>
+          <p:nvPr>
+            <p:ph type="title"/>
+          </p:nvPr>
+        </p:nvSpPr>
+        <p:spPr>
+          <a:xfrm>
+            <a:off x="959441" y="-284912"/>
+            <a:ext cx="10058400" cy="1450757"/>
+          </a:xfrm>
+        </p:spPr>
+        <p:txBody>
+          <a:bodyPr/>
+          <a:lstStyle/>
+          <a:p>
+            <a:r>
+              <a:rPr lang="en-US" altLang="zh-TW" dirty="0"/>
+              <a:t>Top, Home </a:t>
+            </a:r>
+            <a:r>
+              <a:rPr lang="zh-TW" altLang="en-US" dirty="0"/>
+              <a:t>功能</a:t>
+            </a:r>
+          </a:p>
+        </p:txBody>
+      </p:sp>
     </p:spTree>
     <p:extLst>
       <p:ext uri="{BB962C8B-B14F-4D97-AF65-F5344CB8AC3E}">
@@ -8210,7 +11182,7 @@
 </p:sld>
 </file>
 
-<file path=ppt/slides/slide5.xml><?xml version="1.0" encoding="utf-8"?>
+<file path=ppt/slides/slide7.xml><?xml version="1.0" encoding="utf-8"?>
 <p:sld xmlns:a="http://schemas.openxmlformats.org/drawingml/2006/main" xmlns:r="http://schemas.openxmlformats.org/officeDocument/2006/relationships" xmlns:p="http://schemas.openxmlformats.org/presentationml/2006/main">
   <p:cSld>
     <p:spTree>
@@ -9188,7 +12160,7 @@
 </p:sld>
 </file>
 
-<file path=ppt/slides/slide6.xml><?xml version="1.0" encoding="utf-8"?>
+<file path=ppt/slides/slide8.xml><?xml version="1.0" encoding="utf-8"?>
 <p:sld xmlns:a="http://schemas.openxmlformats.org/drawingml/2006/main" xmlns:r="http://schemas.openxmlformats.org/officeDocument/2006/relationships" xmlns:p="http://schemas.openxmlformats.org/presentationml/2006/main">
   <p:cSld>
     <p:spTree>
@@ -10385,7 +13357,7 @@
 </p:sld>
 </file>
 
-<file path=ppt/slides/slide7.xml><?xml version="1.0" encoding="utf-8"?>
+<file path=ppt/slides/slide9.xml><?xml version="1.0" encoding="utf-8"?>
 <p:sld xmlns:a="http://schemas.openxmlformats.org/drawingml/2006/main" xmlns:r="http://schemas.openxmlformats.org/officeDocument/2006/relationships" xmlns:p="http://schemas.openxmlformats.org/presentationml/2006/main">
   <p:cSld>
     <p:spTree>
@@ -12871,1308 +15843,55 @@
 </p:sld>
 </file>
 
-<file path=ppt/slides/slide8.xml><?xml version="1.0" encoding="utf-8"?>
-<p:sld xmlns:a="http://schemas.openxmlformats.org/drawingml/2006/main" xmlns:r="http://schemas.openxmlformats.org/officeDocument/2006/relationships" xmlns:p="http://schemas.openxmlformats.org/presentationml/2006/main">
-  <p:cSld>
-    <p:spTree>
-      <p:nvGrpSpPr>
-        <p:cNvPr id="1" name=""/>
-        <p:cNvGrpSpPr/>
-        <p:nvPr/>
-      </p:nvGrpSpPr>
-      <p:grpSpPr>
-        <a:xfrm>
-          <a:off x="0" y="0"/>
-          <a:ext cx="0" cy="0"/>
-          <a:chOff x="0" y="0"/>
-          <a:chExt cx="0" cy="0"/>
-        </a:xfrm>
-      </p:grpSpPr>
-      <p:sp>
-        <p:nvSpPr>
-          <p:cNvPr id="3" name="內容版面配置區 2">
-            <a:extLst>
-              <a:ext uri="{FF2B5EF4-FFF2-40B4-BE49-F238E27FC236}">
-                <a16:creationId xmlns:a16="http://schemas.microsoft.com/office/drawing/2014/main" id="{13642058-D68C-6D89-47A3-17A90EACD992}"/>
-              </a:ext>
-            </a:extLst>
-          </p:cNvPr>
-          <p:cNvSpPr>
-            <a:spLocks noGrp="1"/>
-          </p:cNvSpPr>
-          <p:nvPr>
-            <p:ph idx="1"/>
-          </p:nvPr>
-        </p:nvSpPr>
-        <p:spPr/>
-        <p:txBody>
-          <a:bodyPr/>
-          <a:lstStyle/>
-          <a:p>
-            <a:endParaRPr lang="zh-TW" altLang="en-US" dirty="0"/>
-          </a:p>
-        </p:txBody>
-      </p:sp>
-      <p:pic>
-        <p:nvPicPr>
-          <p:cNvPr id="5" name="圖片 4">
-            <a:extLst>
-              <a:ext uri="{FF2B5EF4-FFF2-40B4-BE49-F238E27FC236}">
-                <a16:creationId xmlns:a16="http://schemas.microsoft.com/office/drawing/2014/main" id="{E79BD735-6ABB-4E40-72D6-5C8F839B5032}"/>
-              </a:ext>
-            </a:extLst>
-          </p:cNvPr>
-          <p:cNvPicPr>
-            <a:picLocks noChangeAspect="1"/>
-          </p:cNvPicPr>
-          <p:nvPr/>
-        </p:nvPicPr>
-        <p:blipFill>
-          <a:blip r:embed="rId2"/>
-          <a:stretch>
-            <a:fillRect/>
-          </a:stretch>
-        </p:blipFill>
-        <p:spPr>
-          <a:xfrm>
-            <a:off x="-533197" y="681037"/>
-            <a:ext cx="11469701" cy="2657846"/>
-          </a:xfrm>
-          <a:prstGeom prst="rect">
-            <a:avLst/>
-          </a:prstGeom>
-        </p:spPr>
-      </p:pic>
-      <p:pic>
-        <p:nvPicPr>
-          <p:cNvPr id="7" name="圖片 6">
-            <a:extLst>
-              <a:ext uri="{FF2B5EF4-FFF2-40B4-BE49-F238E27FC236}">
-                <a16:creationId xmlns:a16="http://schemas.microsoft.com/office/drawing/2014/main" id="{F37825E7-4164-546B-CA4C-6534CB1BE156}"/>
-              </a:ext>
-            </a:extLst>
-          </p:cNvPr>
-          <p:cNvPicPr>
-            <a:picLocks noChangeAspect="1"/>
-          </p:cNvPicPr>
-          <p:nvPr/>
-        </p:nvPicPr>
-        <p:blipFill>
-          <a:blip r:embed="rId3"/>
-          <a:stretch>
-            <a:fillRect/>
-          </a:stretch>
-        </p:blipFill>
-        <p:spPr>
-          <a:xfrm>
-            <a:off x="0" y="3429000"/>
-            <a:ext cx="10802858" cy="2876951"/>
-          </a:xfrm>
-          <a:prstGeom prst="rect">
-            <a:avLst/>
-          </a:prstGeom>
-        </p:spPr>
-      </p:pic>
-      <p:sp>
-        <p:nvSpPr>
-          <p:cNvPr id="9" name="文字方塊 8">
-            <a:extLst>
-              <a:ext uri="{FF2B5EF4-FFF2-40B4-BE49-F238E27FC236}">
-                <a16:creationId xmlns:a16="http://schemas.microsoft.com/office/drawing/2014/main" id="{83F6EAA8-F2E5-C631-568E-9383FD123BB4}"/>
-              </a:ext>
-            </a:extLst>
-          </p:cNvPr>
-          <p:cNvSpPr txBox="1"/>
-          <p:nvPr/>
-        </p:nvSpPr>
-        <p:spPr>
-          <a:xfrm>
-            <a:off x="5201654" y="681037"/>
-            <a:ext cx="6152146" cy="3970318"/>
-          </a:xfrm>
-          <a:prstGeom prst="rect">
-            <a:avLst/>
-          </a:prstGeom>
-          <a:solidFill>
-            <a:schemeClr val="tx1"/>
-          </a:solidFill>
-        </p:spPr>
-        <p:txBody>
-          <a:bodyPr wrap="square">
-            <a:spAutoFit/>
-          </a:bodyPr>
-          <a:lstStyle/>
-          <a:p>
-            <a:r>
-              <a:rPr lang="en-US" altLang="zh-TW" b="0" dirty="0">
-                <a:solidFill>
-                  <a:srgbClr val="569CD6"/>
-                </a:solidFill>
-                <a:effectLst/>
-                <a:latin typeface="Consolas" panose="020B0609020204030204" pitchFamily="49" charset="0"/>
-              </a:rPr>
-              <a:t>function</a:t>
-            </a:r>
-            <a:r>
-              <a:rPr lang="en-US" altLang="zh-TW" b="0" dirty="0">
-                <a:solidFill>
-                  <a:srgbClr val="D4D4D4"/>
-                </a:solidFill>
-                <a:effectLst/>
-                <a:latin typeface="Consolas" panose="020B0609020204030204" pitchFamily="49" charset="0"/>
-              </a:rPr>
-              <a:t> </a:t>
-            </a:r>
-            <a:r>
-              <a:rPr lang="en-US" altLang="zh-TW" b="0" dirty="0">
-                <a:solidFill>
-                  <a:srgbClr val="DCDCAA"/>
-                </a:solidFill>
-                <a:effectLst/>
-                <a:latin typeface="Consolas" panose="020B0609020204030204" pitchFamily="49" charset="0"/>
-              </a:rPr>
-              <a:t>message</a:t>
-            </a:r>
-            <a:r>
-              <a:rPr lang="en-US" altLang="zh-TW" b="0" dirty="0">
-                <a:solidFill>
-                  <a:srgbClr val="D4D4D4"/>
-                </a:solidFill>
-                <a:effectLst/>
-                <a:latin typeface="Consolas" panose="020B0609020204030204" pitchFamily="49" charset="0"/>
-              </a:rPr>
-              <a:t>(){</a:t>
-            </a:r>
-          </a:p>
-          <a:p>
-            <a:r>
-              <a:rPr lang="en-US" altLang="zh-TW" b="0" dirty="0">
-                <a:solidFill>
-                  <a:srgbClr val="D4D4D4"/>
-                </a:solidFill>
-                <a:effectLst/>
-                <a:latin typeface="Consolas" panose="020B0609020204030204" pitchFamily="49" charset="0"/>
-              </a:rPr>
-              <a:t>    </a:t>
-            </a:r>
-            <a:r>
-              <a:rPr lang="en-US" altLang="zh-TW" b="0" dirty="0">
-                <a:solidFill>
-                  <a:srgbClr val="569CD6"/>
-                </a:solidFill>
-                <a:effectLst/>
-                <a:latin typeface="Consolas" panose="020B0609020204030204" pitchFamily="49" charset="0"/>
-              </a:rPr>
-              <a:t>let</a:t>
-            </a:r>
-            <a:r>
-              <a:rPr lang="en-US" altLang="zh-TW" b="0" dirty="0">
-                <a:solidFill>
-                  <a:srgbClr val="D4D4D4"/>
-                </a:solidFill>
-                <a:effectLst/>
-                <a:latin typeface="Consolas" panose="020B0609020204030204" pitchFamily="49" charset="0"/>
-              </a:rPr>
-              <a:t> </a:t>
-            </a:r>
-            <a:r>
-              <a:rPr lang="en-US" altLang="zh-TW" b="0" dirty="0" err="1">
-                <a:solidFill>
-                  <a:srgbClr val="9CDCFE"/>
-                </a:solidFill>
-                <a:effectLst/>
-                <a:latin typeface="Consolas" panose="020B0609020204030204" pitchFamily="49" charset="0"/>
-              </a:rPr>
-              <a:t>ms</a:t>
-            </a:r>
-            <a:r>
-              <a:rPr lang="en-US" altLang="zh-TW" b="0" dirty="0">
-                <a:solidFill>
-                  <a:srgbClr val="D4D4D4"/>
-                </a:solidFill>
-                <a:effectLst/>
-                <a:latin typeface="Consolas" panose="020B0609020204030204" pitchFamily="49" charset="0"/>
-              </a:rPr>
-              <a:t> = </a:t>
-            </a:r>
-            <a:r>
-              <a:rPr lang="en-US" altLang="zh-TW" b="0" dirty="0" err="1">
-                <a:solidFill>
-                  <a:srgbClr val="9CDCFE"/>
-                </a:solidFill>
-                <a:effectLst/>
-                <a:latin typeface="Consolas" panose="020B0609020204030204" pitchFamily="49" charset="0"/>
-              </a:rPr>
-              <a:t>document</a:t>
-            </a:r>
-            <a:r>
-              <a:rPr lang="en-US" altLang="zh-TW" b="0" dirty="0" err="1">
-                <a:solidFill>
-                  <a:srgbClr val="D4D4D4"/>
-                </a:solidFill>
-                <a:effectLst/>
-                <a:latin typeface="Consolas" panose="020B0609020204030204" pitchFamily="49" charset="0"/>
-              </a:rPr>
-              <a:t>.</a:t>
-            </a:r>
-            <a:r>
-              <a:rPr lang="en-US" altLang="zh-TW" b="0" dirty="0" err="1">
-                <a:solidFill>
-                  <a:srgbClr val="DCDCAA"/>
-                </a:solidFill>
-                <a:effectLst/>
-                <a:latin typeface="Consolas" panose="020B0609020204030204" pitchFamily="49" charset="0"/>
-              </a:rPr>
-              <a:t>getElementsByClassName</a:t>
-            </a:r>
-            <a:r>
-              <a:rPr lang="en-US" altLang="zh-TW" b="0" dirty="0">
-                <a:solidFill>
-                  <a:srgbClr val="D4D4D4"/>
-                </a:solidFill>
-                <a:effectLst/>
-                <a:latin typeface="Consolas" panose="020B0609020204030204" pitchFamily="49" charset="0"/>
-              </a:rPr>
-              <a:t>(</a:t>
-            </a:r>
-            <a:r>
-              <a:rPr lang="en-US" altLang="zh-TW" b="0" dirty="0">
-                <a:solidFill>
-                  <a:srgbClr val="CE9178"/>
-                </a:solidFill>
-                <a:effectLst/>
-                <a:latin typeface="Consolas" panose="020B0609020204030204" pitchFamily="49" charset="0"/>
-              </a:rPr>
-              <a:t>"board"</a:t>
-            </a:r>
-            <a:r>
-              <a:rPr lang="en-US" altLang="zh-TW" b="0" dirty="0">
-                <a:solidFill>
-                  <a:srgbClr val="D4D4D4"/>
-                </a:solidFill>
-                <a:effectLst/>
-                <a:latin typeface="Consolas" panose="020B0609020204030204" pitchFamily="49" charset="0"/>
-              </a:rPr>
-              <a:t>)[</a:t>
-            </a:r>
-            <a:r>
-              <a:rPr lang="en-US" altLang="zh-TW" b="0" dirty="0">
-                <a:solidFill>
-                  <a:srgbClr val="B5CEA8"/>
-                </a:solidFill>
-                <a:effectLst/>
-                <a:latin typeface="Consolas" panose="020B0609020204030204" pitchFamily="49" charset="0"/>
-              </a:rPr>
-              <a:t>0</a:t>
-            </a:r>
-            <a:r>
-              <a:rPr lang="en-US" altLang="zh-TW" b="0" dirty="0">
-                <a:solidFill>
-                  <a:srgbClr val="D4D4D4"/>
-                </a:solidFill>
-                <a:effectLst/>
-                <a:latin typeface="Consolas" panose="020B0609020204030204" pitchFamily="49" charset="0"/>
-              </a:rPr>
-              <a:t>];</a:t>
-            </a:r>
-          </a:p>
-          <a:p>
-            <a:r>
-              <a:rPr lang="en-US" altLang="zh-TW" b="0" dirty="0">
-                <a:solidFill>
-                  <a:srgbClr val="D4D4D4"/>
-                </a:solidFill>
-                <a:effectLst/>
-                <a:latin typeface="Consolas" panose="020B0609020204030204" pitchFamily="49" charset="0"/>
-              </a:rPr>
-              <a:t>    </a:t>
-            </a:r>
-            <a:r>
-              <a:rPr lang="en-US" altLang="zh-TW" b="0" dirty="0">
-                <a:solidFill>
-                  <a:srgbClr val="569CD6"/>
-                </a:solidFill>
-                <a:effectLst/>
-                <a:latin typeface="Consolas" panose="020B0609020204030204" pitchFamily="49" charset="0"/>
-              </a:rPr>
-              <a:t>let</a:t>
-            </a:r>
-            <a:r>
-              <a:rPr lang="en-US" altLang="zh-TW" b="0" dirty="0">
-                <a:solidFill>
-                  <a:srgbClr val="D4D4D4"/>
-                </a:solidFill>
-                <a:effectLst/>
-                <a:latin typeface="Consolas" panose="020B0609020204030204" pitchFamily="49" charset="0"/>
-              </a:rPr>
-              <a:t> </a:t>
-            </a:r>
-            <a:r>
-              <a:rPr lang="en-US" altLang="zh-TW" b="0" dirty="0">
-                <a:solidFill>
-                  <a:srgbClr val="9CDCFE"/>
-                </a:solidFill>
-                <a:effectLst/>
-                <a:latin typeface="Consolas" panose="020B0609020204030204" pitchFamily="49" charset="0"/>
-              </a:rPr>
-              <a:t>add</a:t>
-            </a:r>
-            <a:r>
-              <a:rPr lang="en-US" altLang="zh-TW" b="0" dirty="0">
-                <a:solidFill>
-                  <a:srgbClr val="D4D4D4"/>
-                </a:solidFill>
-                <a:effectLst/>
-                <a:latin typeface="Consolas" panose="020B0609020204030204" pitchFamily="49" charset="0"/>
-              </a:rPr>
-              <a:t> = </a:t>
-            </a:r>
-            <a:r>
-              <a:rPr lang="en-US" altLang="zh-TW" b="0" dirty="0" err="1">
-                <a:solidFill>
-                  <a:srgbClr val="9CDCFE"/>
-                </a:solidFill>
-                <a:effectLst/>
-                <a:latin typeface="Consolas" panose="020B0609020204030204" pitchFamily="49" charset="0"/>
-              </a:rPr>
-              <a:t>document</a:t>
-            </a:r>
-            <a:r>
-              <a:rPr lang="en-US" altLang="zh-TW" b="0" dirty="0" err="1">
-                <a:solidFill>
-                  <a:srgbClr val="D4D4D4"/>
-                </a:solidFill>
-                <a:effectLst/>
-                <a:latin typeface="Consolas" panose="020B0609020204030204" pitchFamily="49" charset="0"/>
-              </a:rPr>
-              <a:t>.</a:t>
-            </a:r>
-            <a:r>
-              <a:rPr lang="en-US" altLang="zh-TW" b="0" dirty="0" err="1">
-                <a:solidFill>
-                  <a:srgbClr val="DCDCAA"/>
-                </a:solidFill>
-                <a:effectLst/>
-                <a:latin typeface="Consolas" panose="020B0609020204030204" pitchFamily="49" charset="0"/>
-              </a:rPr>
-              <a:t>getElementById</a:t>
-            </a:r>
-            <a:r>
-              <a:rPr lang="en-US" altLang="zh-TW" b="0" dirty="0">
-                <a:solidFill>
-                  <a:srgbClr val="D4D4D4"/>
-                </a:solidFill>
-                <a:effectLst/>
-                <a:latin typeface="Consolas" panose="020B0609020204030204" pitchFamily="49" charset="0"/>
-              </a:rPr>
-              <a:t>(</a:t>
-            </a:r>
-            <a:r>
-              <a:rPr lang="en-US" altLang="zh-TW" b="0" dirty="0">
-                <a:solidFill>
-                  <a:srgbClr val="CE9178"/>
-                </a:solidFill>
-                <a:effectLst/>
-                <a:latin typeface="Consolas" panose="020B0609020204030204" pitchFamily="49" charset="0"/>
-              </a:rPr>
-              <a:t>"text"</a:t>
-            </a:r>
-            <a:r>
-              <a:rPr lang="en-US" altLang="zh-TW" b="0" dirty="0">
-                <a:solidFill>
-                  <a:srgbClr val="D4D4D4"/>
-                </a:solidFill>
-                <a:effectLst/>
-                <a:latin typeface="Consolas" panose="020B0609020204030204" pitchFamily="49" charset="0"/>
-              </a:rPr>
-              <a:t>).</a:t>
-            </a:r>
-            <a:r>
-              <a:rPr lang="en-US" altLang="zh-TW" b="0" dirty="0">
-                <a:solidFill>
-                  <a:srgbClr val="9CDCFE"/>
-                </a:solidFill>
-                <a:effectLst/>
-                <a:latin typeface="Consolas" panose="020B0609020204030204" pitchFamily="49" charset="0"/>
-              </a:rPr>
-              <a:t>value</a:t>
-            </a:r>
-            <a:endParaRPr lang="en-US" altLang="zh-TW" b="0" dirty="0">
-              <a:solidFill>
-                <a:srgbClr val="D4D4D4"/>
-              </a:solidFill>
-              <a:effectLst/>
-              <a:latin typeface="Consolas" panose="020B0609020204030204" pitchFamily="49" charset="0"/>
-            </a:endParaRPr>
-          </a:p>
-          <a:p>
-            <a:r>
-              <a:rPr lang="en-US" altLang="zh-TW" b="0" dirty="0">
-                <a:solidFill>
-                  <a:srgbClr val="D4D4D4"/>
-                </a:solidFill>
-                <a:effectLst/>
-                <a:latin typeface="Consolas" panose="020B0609020204030204" pitchFamily="49" charset="0"/>
-              </a:rPr>
-              <a:t>    </a:t>
-            </a:r>
-            <a:r>
-              <a:rPr lang="en-US" altLang="zh-TW" b="0" dirty="0">
-                <a:solidFill>
-                  <a:srgbClr val="569CD6"/>
-                </a:solidFill>
-                <a:effectLst/>
-                <a:latin typeface="Consolas" panose="020B0609020204030204" pitchFamily="49" charset="0"/>
-              </a:rPr>
-              <a:t>let</a:t>
-            </a:r>
-            <a:r>
-              <a:rPr lang="en-US" altLang="zh-TW" b="0" dirty="0">
-                <a:solidFill>
-                  <a:srgbClr val="D4D4D4"/>
-                </a:solidFill>
-                <a:effectLst/>
-                <a:latin typeface="Consolas" panose="020B0609020204030204" pitchFamily="49" charset="0"/>
-              </a:rPr>
-              <a:t> </a:t>
-            </a:r>
-            <a:r>
-              <a:rPr lang="en-US" altLang="zh-TW" b="0" dirty="0">
-                <a:solidFill>
-                  <a:srgbClr val="9CDCFE"/>
-                </a:solidFill>
-                <a:effectLst/>
-                <a:latin typeface="Consolas" panose="020B0609020204030204" pitchFamily="49" charset="0"/>
-              </a:rPr>
-              <a:t>li</a:t>
-            </a:r>
-            <a:r>
-              <a:rPr lang="en-US" altLang="zh-TW" b="0" dirty="0">
-                <a:solidFill>
-                  <a:srgbClr val="D4D4D4"/>
-                </a:solidFill>
-                <a:effectLst/>
-                <a:latin typeface="Consolas" panose="020B0609020204030204" pitchFamily="49" charset="0"/>
-              </a:rPr>
-              <a:t> = </a:t>
-            </a:r>
-            <a:r>
-              <a:rPr lang="en-US" altLang="zh-TW" b="0" dirty="0" err="1">
-                <a:solidFill>
-                  <a:srgbClr val="9CDCFE"/>
-                </a:solidFill>
-                <a:effectLst/>
-                <a:latin typeface="Consolas" panose="020B0609020204030204" pitchFamily="49" charset="0"/>
-              </a:rPr>
-              <a:t>document</a:t>
-            </a:r>
-            <a:r>
-              <a:rPr lang="en-US" altLang="zh-TW" b="0" dirty="0" err="1">
-                <a:solidFill>
-                  <a:srgbClr val="D4D4D4"/>
-                </a:solidFill>
-                <a:effectLst/>
-                <a:latin typeface="Consolas" panose="020B0609020204030204" pitchFamily="49" charset="0"/>
-              </a:rPr>
-              <a:t>.</a:t>
-            </a:r>
-            <a:r>
-              <a:rPr lang="en-US" altLang="zh-TW" b="0" dirty="0" err="1">
-                <a:solidFill>
-                  <a:srgbClr val="DCDCAA"/>
-                </a:solidFill>
-                <a:effectLst/>
-                <a:latin typeface="Consolas" panose="020B0609020204030204" pitchFamily="49" charset="0"/>
-              </a:rPr>
-              <a:t>createElement</a:t>
-            </a:r>
-            <a:r>
-              <a:rPr lang="en-US" altLang="zh-TW" b="0" dirty="0">
-                <a:solidFill>
-                  <a:srgbClr val="D4D4D4"/>
-                </a:solidFill>
-                <a:effectLst/>
-                <a:latin typeface="Consolas" panose="020B0609020204030204" pitchFamily="49" charset="0"/>
-              </a:rPr>
-              <a:t>(</a:t>
-            </a:r>
-            <a:r>
-              <a:rPr lang="en-US" altLang="zh-TW" b="0" dirty="0">
-                <a:solidFill>
-                  <a:srgbClr val="CE9178"/>
-                </a:solidFill>
-                <a:effectLst/>
-                <a:latin typeface="Consolas" panose="020B0609020204030204" pitchFamily="49" charset="0"/>
-              </a:rPr>
-              <a:t>"li"</a:t>
-            </a:r>
-            <a:r>
-              <a:rPr lang="en-US" altLang="zh-TW" b="0" dirty="0">
-                <a:solidFill>
-                  <a:srgbClr val="D4D4D4"/>
-                </a:solidFill>
-                <a:effectLst/>
-                <a:latin typeface="Consolas" panose="020B0609020204030204" pitchFamily="49" charset="0"/>
-              </a:rPr>
-              <a:t>);</a:t>
-            </a:r>
-          </a:p>
-          <a:p>
-            <a:endParaRPr lang="en-US" altLang="zh-TW" b="0" dirty="0">
-              <a:solidFill>
-                <a:srgbClr val="D4D4D4"/>
-              </a:solidFill>
-              <a:effectLst/>
-              <a:latin typeface="Consolas" panose="020B0609020204030204" pitchFamily="49" charset="0"/>
-            </a:endParaRPr>
-          </a:p>
-          <a:p>
-            <a:r>
-              <a:rPr lang="en-US" altLang="zh-TW" b="0" dirty="0">
-                <a:solidFill>
-                  <a:srgbClr val="D4D4D4"/>
-                </a:solidFill>
-                <a:effectLst/>
-                <a:latin typeface="Consolas" panose="020B0609020204030204" pitchFamily="49" charset="0"/>
-              </a:rPr>
-              <a:t>    </a:t>
-            </a:r>
-            <a:r>
-              <a:rPr lang="en-US" altLang="zh-TW" b="0" dirty="0" err="1">
-                <a:solidFill>
-                  <a:srgbClr val="9CDCFE"/>
-                </a:solidFill>
-                <a:effectLst/>
-                <a:latin typeface="Consolas" panose="020B0609020204030204" pitchFamily="49" charset="0"/>
-              </a:rPr>
-              <a:t>li</a:t>
-            </a:r>
-            <a:r>
-              <a:rPr lang="en-US" altLang="zh-TW" b="0" dirty="0" err="1">
-                <a:solidFill>
-                  <a:srgbClr val="D4D4D4"/>
-                </a:solidFill>
-                <a:effectLst/>
-                <a:latin typeface="Consolas" panose="020B0609020204030204" pitchFamily="49" charset="0"/>
-              </a:rPr>
-              <a:t>.</a:t>
-            </a:r>
-            <a:r>
-              <a:rPr lang="en-US" altLang="zh-TW" b="0" dirty="0" err="1">
-                <a:solidFill>
-                  <a:srgbClr val="9CDCFE"/>
-                </a:solidFill>
-                <a:effectLst/>
-                <a:latin typeface="Consolas" panose="020B0609020204030204" pitchFamily="49" charset="0"/>
-              </a:rPr>
-              <a:t>innerText</a:t>
-            </a:r>
-            <a:r>
-              <a:rPr lang="en-US" altLang="zh-TW" b="0" dirty="0">
-                <a:solidFill>
-                  <a:srgbClr val="D4D4D4"/>
-                </a:solidFill>
-                <a:effectLst/>
-                <a:latin typeface="Consolas" panose="020B0609020204030204" pitchFamily="49" charset="0"/>
-              </a:rPr>
-              <a:t>=</a:t>
-            </a:r>
-            <a:r>
-              <a:rPr lang="en-US" altLang="zh-TW" b="0" dirty="0">
-                <a:solidFill>
-                  <a:srgbClr val="9CDCFE"/>
-                </a:solidFill>
-                <a:effectLst/>
-                <a:latin typeface="Consolas" panose="020B0609020204030204" pitchFamily="49" charset="0"/>
-              </a:rPr>
-              <a:t>add</a:t>
-            </a:r>
-            <a:r>
-              <a:rPr lang="en-US" altLang="zh-TW" b="0" dirty="0">
-                <a:solidFill>
-                  <a:srgbClr val="D4D4D4"/>
-                </a:solidFill>
-                <a:effectLst/>
-                <a:latin typeface="Consolas" panose="020B0609020204030204" pitchFamily="49" charset="0"/>
-              </a:rPr>
-              <a:t>;</a:t>
-            </a:r>
-          </a:p>
-          <a:p>
-            <a:endParaRPr lang="en-US" altLang="zh-TW" b="0" dirty="0">
-              <a:solidFill>
-                <a:srgbClr val="D4D4D4"/>
-              </a:solidFill>
-              <a:effectLst/>
-              <a:latin typeface="Consolas" panose="020B0609020204030204" pitchFamily="49" charset="0"/>
-            </a:endParaRPr>
-          </a:p>
-          <a:p>
-            <a:r>
-              <a:rPr lang="en-US" altLang="zh-TW" b="0" dirty="0">
-                <a:solidFill>
-                  <a:srgbClr val="D4D4D4"/>
-                </a:solidFill>
-                <a:effectLst/>
-                <a:latin typeface="Consolas" panose="020B0609020204030204" pitchFamily="49" charset="0"/>
-              </a:rPr>
-              <a:t>    </a:t>
-            </a:r>
-            <a:r>
-              <a:rPr lang="en-US" altLang="zh-TW" b="0" dirty="0" err="1">
-                <a:solidFill>
-                  <a:srgbClr val="9CDCFE"/>
-                </a:solidFill>
-                <a:effectLst/>
-                <a:latin typeface="Consolas" panose="020B0609020204030204" pitchFamily="49" charset="0"/>
-              </a:rPr>
-              <a:t>ms</a:t>
-            </a:r>
-            <a:r>
-              <a:rPr lang="en-US" altLang="zh-TW" b="0" dirty="0" err="1">
-                <a:solidFill>
-                  <a:srgbClr val="D4D4D4"/>
-                </a:solidFill>
-                <a:effectLst/>
-                <a:latin typeface="Consolas" panose="020B0609020204030204" pitchFamily="49" charset="0"/>
-              </a:rPr>
-              <a:t>.</a:t>
-            </a:r>
-            <a:r>
-              <a:rPr lang="en-US" altLang="zh-TW" b="0" dirty="0" err="1">
-                <a:solidFill>
-                  <a:srgbClr val="DCDCAA"/>
-                </a:solidFill>
-                <a:effectLst/>
-                <a:latin typeface="Consolas" panose="020B0609020204030204" pitchFamily="49" charset="0"/>
-              </a:rPr>
-              <a:t>insertBefore</a:t>
-            </a:r>
-            <a:r>
-              <a:rPr lang="en-US" altLang="zh-TW" b="0" dirty="0">
-                <a:solidFill>
-                  <a:srgbClr val="D4D4D4"/>
-                </a:solidFill>
-                <a:effectLst/>
-                <a:latin typeface="Consolas" panose="020B0609020204030204" pitchFamily="49" charset="0"/>
-              </a:rPr>
-              <a:t>(</a:t>
-            </a:r>
-            <a:r>
-              <a:rPr lang="en-US" altLang="zh-TW" b="0" dirty="0" err="1">
-                <a:solidFill>
-                  <a:srgbClr val="9CDCFE"/>
-                </a:solidFill>
-                <a:effectLst/>
-                <a:latin typeface="Consolas" panose="020B0609020204030204" pitchFamily="49" charset="0"/>
-              </a:rPr>
-              <a:t>li</a:t>
-            </a:r>
-            <a:r>
-              <a:rPr lang="en-US" altLang="zh-TW" b="0" dirty="0" err="1">
-                <a:solidFill>
-                  <a:srgbClr val="D4D4D4"/>
-                </a:solidFill>
-                <a:effectLst/>
-                <a:latin typeface="Consolas" panose="020B0609020204030204" pitchFamily="49" charset="0"/>
-              </a:rPr>
-              <a:t>,</a:t>
-            </a:r>
-            <a:r>
-              <a:rPr lang="en-US" altLang="zh-TW" b="0" dirty="0" err="1">
-                <a:solidFill>
-                  <a:srgbClr val="9CDCFE"/>
-                </a:solidFill>
-                <a:effectLst/>
-                <a:latin typeface="Consolas" panose="020B0609020204030204" pitchFamily="49" charset="0"/>
-              </a:rPr>
-              <a:t>ms</a:t>
-            </a:r>
-            <a:r>
-              <a:rPr lang="en-US" altLang="zh-TW" b="0" dirty="0" err="1">
-                <a:solidFill>
-                  <a:srgbClr val="D4D4D4"/>
-                </a:solidFill>
-                <a:effectLst/>
-                <a:latin typeface="Consolas" panose="020B0609020204030204" pitchFamily="49" charset="0"/>
-              </a:rPr>
-              <a:t>.</a:t>
-            </a:r>
-            <a:r>
-              <a:rPr lang="en-US" altLang="zh-TW" b="0" dirty="0" err="1">
-                <a:solidFill>
-                  <a:srgbClr val="4FC1FF"/>
-                </a:solidFill>
-                <a:effectLst/>
-                <a:latin typeface="Consolas" panose="020B0609020204030204" pitchFamily="49" charset="0"/>
-              </a:rPr>
-              <a:t>children</a:t>
-            </a:r>
-            <a:r>
-              <a:rPr lang="en-US" altLang="zh-TW" b="0" dirty="0">
-                <a:solidFill>
-                  <a:srgbClr val="D4D4D4"/>
-                </a:solidFill>
-                <a:effectLst/>
-                <a:latin typeface="Consolas" panose="020B0609020204030204" pitchFamily="49" charset="0"/>
-              </a:rPr>
-              <a:t>[</a:t>
-            </a:r>
-            <a:r>
-              <a:rPr lang="en-US" altLang="zh-TW" b="0" dirty="0">
-                <a:solidFill>
-                  <a:srgbClr val="B5CEA8"/>
-                </a:solidFill>
-                <a:effectLst/>
-                <a:latin typeface="Consolas" panose="020B0609020204030204" pitchFamily="49" charset="0"/>
-              </a:rPr>
-              <a:t>0</a:t>
-            </a:r>
-            <a:r>
-              <a:rPr lang="en-US" altLang="zh-TW" b="0" dirty="0">
-                <a:solidFill>
-                  <a:srgbClr val="D4D4D4"/>
-                </a:solidFill>
-                <a:effectLst/>
-                <a:latin typeface="Consolas" panose="020B0609020204030204" pitchFamily="49" charset="0"/>
-              </a:rPr>
-              <a:t>]);</a:t>
-            </a:r>
-          </a:p>
-          <a:p>
-            <a:endParaRPr lang="en-US" altLang="zh-TW" b="0" dirty="0">
-              <a:solidFill>
-                <a:srgbClr val="D4D4D4"/>
-              </a:solidFill>
-              <a:effectLst/>
-              <a:latin typeface="Consolas" panose="020B0609020204030204" pitchFamily="49" charset="0"/>
-            </a:endParaRPr>
-          </a:p>
-          <a:p>
-            <a:r>
-              <a:rPr lang="en-US" altLang="zh-TW" b="0" dirty="0">
-                <a:solidFill>
-                  <a:srgbClr val="D4D4D4"/>
-                </a:solidFill>
-                <a:effectLst/>
-                <a:latin typeface="Consolas" panose="020B0609020204030204" pitchFamily="49" charset="0"/>
-              </a:rPr>
-              <a:t>    </a:t>
-            </a:r>
-            <a:r>
-              <a:rPr lang="en-US" altLang="zh-TW" b="0" dirty="0" err="1">
-                <a:solidFill>
-                  <a:srgbClr val="9CDCFE"/>
-                </a:solidFill>
-                <a:effectLst/>
-                <a:latin typeface="Consolas" panose="020B0609020204030204" pitchFamily="49" charset="0"/>
-              </a:rPr>
-              <a:t>document</a:t>
-            </a:r>
-            <a:r>
-              <a:rPr lang="en-US" altLang="zh-TW" b="0" dirty="0" err="1">
-                <a:solidFill>
-                  <a:srgbClr val="D4D4D4"/>
-                </a:solidFill>
-                <a:effectLst/>
-                <a:latin typeface="Consolas" panose="020B0609020204030204" pitchFamily="49" charset="0"/>
-              </a:rPr>
-              <a:t>.</a:t>
-            </a:r>
-            <a:r>
-              <a:rPr lang="en-US" altLang="zh-TW" b="0" dirty="0" err="1">
-                <a:solidFill>
-                  <a:srgbClr val="DCDCAA"/>
-                </a:solidFill>
-                <a:effectLst/>
-                <a:latin typeface="Consolas" panose="020B0609020204030204" pitchFamily="49" charset="0"/>
-              </a:rPr>
-              <a:t>getElementById</a:t>
-            </a:r>
-            <a:r>
-              <a:rPr lang="en-US" altLang="zh-TW" b="0" dirty="0">
-                <a:solidFill>
-                  <a:srgbClr val="D4D4D4"/>
-                </a:solidFill>
-                <a:effectLst/>
-                <a:latin typeface="Consolas" panose="020B0609020204030204" pitchFamily="49" charset="0"/>
-              </a:rPr>
-              <a:t>(</a:t>
-            </a:r>
-            <a:r>
-              <a:rPr lang="en-US" altLang="zh-TW" b="0" dirty="0">
-                <a:solidFill>
-                  <a:srgbClr val="CE9178"/>
-                </a:solidFill>
-                <a:effectLst/>
-                <a:latin typeface="Consolas" panose="020B0609020204030204" pitchFamily="49" charset="0"/>
-              </a:rPr>
-              <a:t>"text"</a:t>
-            </a:r>
-            <a:r>
-              <a:rPr lang="en-US" altLang="zh-TW" b="0" dirty="0">
-                <a:solidFill>
-                  <a:srgbClr val="D4D4D4"/>
-                </a:solidFill>
-                <a:effectLst/>
-                <a:latin typeface="Consolas" panose="020B0609020204030204" pitchFamily="49" charset="0"/>
-              </a:rPr>
-              <a:t>).</a:t>
-            </a:r>
-            <a:r>
-              <a:rPr lang="en-US" altLang="zh-TW" b="0" dirty="0">
-                <a:solidFill>
-                  <a:srgbClr val="9CDCFE"/>
-                </a:solidFill>
-                <a:effectLst/>
-                <a:latin typeface="Consolas" panose="020B0609020204030204" pitchFamily="49" charset="0"/>
-              </a:rPr>
-              <a:t>value</a:t>
-            </a:r>
-            <a:r>
-              <a:rPr lang="en-US" altLang="zh-TW" b="0" dirty="0">
-                <a:solidFill>
-                  <a:srgbClr val="D4D4D4"/>
-                </a:solidFill>
-                <a:effectLst/>
-                <a:latin typeface="Consolas" panose="020B0609020204030204" pitchFamily="49" charset="0"/>
-              </a:rPr>
-              <a:t> = </a:t>
-            </a:r>
-            <a:r>
-              <a:rPr lang="en-US" altLang="zh-TW" b="0" dirty="0">
-                <a:solidFill>
-                  <a:srgbClr val="CE9178"/>
-                </a:solidFill>
-                <a:effectLst/>
-                <a:latin typeface="Consolas" panose="020B0609020204030204" pitchFamily="49" charset="0"/>
-              </a:rPr>
-              <a:t>" "</a:t>
-            </a:r>
-            <a:r>
-              <a:rPr lang="en-US" altLang="zh-TW" b="0" dirty="0">
-                <a:solidFill>
-                  <a:srgbClr val="D4D4D4"/>
-                </a:solidFill>
-                <a:effectLst/>
-                <a:latin typeface="Consolas" panose="020B0609020204030204" pitchFamily="49" charset="0"/>
-              </a:rPr>
-              <a:t>;</a:t>
-            </a:r>
-          </a:p>
-          <a:p>
-            <a:r>
-              <a:rPr lang="en-US" altLang="zh-TW" b="0" dirty="0">
-                <a:solidFill>
-                  <a:srgbClr val="D4D4D4"/>
-                </a:solidFill>
-                <a:effectLst/>
-                <a:latin typeface="Consolas" panose="020B0609020204030204" pitchFamily="49" charset="0"/>
-              </a:rPr>
-              <a:t>    </a:t>
-            </a:r>
-            <a:r>
-              <a:rPr lang="en-US" altLang="zh-TW" b="0" dirty="0">
-                <a:solidFill>
-                  <a:srgbClr val="6A9955"/>
-                </a:solidFill>
-                <a:effectLst/>
-                <a:latin typeface="Consolas" panose="020B0609020204030204" pitchFamily="49" charset="0"/>
-              </a:rPr>
-              <a:t>// alert(</a:t>
-            </a:r>
-            <a:r>
-              <a:rPr lang="en-US" altLang="zh-TW" b="0" dirty="0" err="1">
-                <a:solidFill>
-                  <a:srgbClr val="6A9955"/>
-                </a:solidFill>
-                <a:effectLst/>
-                <a:latin typeface="Consolas" panose="020B0609020204030204" pitchFamily="49" charset="0"/>
-              </a:rPr>
-              <a:t>ms</a:t>
-            </a:r>
-            <a:r>
-              <a:rPr lang="en-US" altLang="zh-TW" b="0" dirty="0">
-                <a:solidFill>
-                  <a:srgbClr val="6A9955"/>
-                </a:solidFill>
-                <a:effectLst/>
-                <a:latin typeface="Consolas" panose="020B0609020204030204" pitchFamily="49" charset="0"/>
-              </a:rPr>
-              <a:t>)</a:t>
-            </a:r>
-            <a:endParaRPr lang="en-US" altLang="zh-TW" b="0" dirty="0">
-              <a:solidFill>
-                <a:srgbClr val="D4D4D4"/>
-              </a:solidFill>
-              <a:effectLst/>
-              <a:latin typeface="Consolas" panose="020B0609020204030204" pitchFamily="49" charset="0"/>
-            </a:endParaRPr>
-          </a:p>
-          <a:p>
-            <a:r>
-              <a:rPr lang="en-US" altLang="zh-TW" b="0" dirty="0">
-                <a:solidFill>
-                  <a:srgbClr val="D4D4D4"/>
-                </a:solidFill>
-                <a:effectLst/>
-                <a:latin typeface="Consolas" panose="020B0609020204030204" pitchFamily="49" charset="0"/>
-              </a:rPr>
-              <a:t>}</a:t>
-            </a:r>
-          </a:p>
-        </p:txBody>
-      </p:sp>
-      <p:sp>
-        <p:nvSpPr>
-          <p:cNvPr id="8" name="文字方塊 7">
-            <a:extLst>
-              <a:ext uri="{FF2B5EF4-FFF2-40B4-BE49-F238E27FC236}">
-                <a16:creationId xmlns:a16="http://schemas.microsoft.com/office/drawing/2014/main" id="{FC34973E-045F-186E-A7AA-4CEC74031640}"/>
-              </a:ext>
-            </a:extLst>
-          </p:cNvPr>
-          <p:cNvSpPr txBox="1"/>
-          <p:nvPr/>
-        </p:nvSpPr>
-        <p:spPr>
-          <a:xfrm>
-            <a:off x="7479094" y="1562093"/>
-            <a:ext cx="1569660" cy="369332"/>
-          </a:xfrm>
-          <a:prstGeom prst="rect">
-            <a:avLst/>
-          </a:prstGeom>
-          <a:noFill/>
-        </p:spPr>
-        <p:txBody>
-          <a:bodyPr wrap="none" rtlCol="0">
-            <a:spAutoFit/>
-          </a:bodyPr>
-          <a:lstStyle/>
-          <a:p>
-            <a:r>
-              <a:rPr lang="zh-TW" altLang="en-US" dirty="0">
-                <a:solidFill>
-                  <a:schemeClr val="bg1"/>
-                </a:solidFill>
-              </a:rPr>
-              <a:t>取得輸入內容</a:t>
-            </a:r>
-            <a:endParaRPr lang="en-US" altLang="zh-TW" dirty="0">
-              <a:solidFill>
-                <a:schemeClr val="bg1"/>
-              </a:solidFill>
-            </a:endParaRPr>
-          </a:p>
-        </p:txBody>
-      </p:sp>
-      <p:sp>
-        <p:nvSpPr>
-          <p:cNvPr id="10" name="文字方塊 9">
-            <a:extLst>
-              <a:ext uri="{FF2B5EF4-FFF2-40B4-BE49-F238E27FC236}">
-                <a16:creationId xmlns:a16="http://schemas.microsoft.com/office/drawing/2014/main" id="{4F764303-E5A5-CE16-20F8-77AD419F7452}"/>
-              </a:ext>
-            </a:extLst>
-          </p:cNvPr>
-          <p:cNvSpPr txBox="1"/>
-          <p:nvPr/>
-        </p:nvSpPr>
-        <p:spPr>
-          <a:xfrm>
-            <a:off x="7479094" y="2361159"/>
-            <a:ext cx="1675459" cy="369332"/>
-          </a:xfrm>
-          <a:prstGeom prst="rect">
-            <a:avLst/>
-          </a:prstGeom>
-          <a:noFill/>
-        </p:spPr>
-        <p:txBody>
-          <a:bodyPr wrap="none" rtlCol="0">
-            <a:spAutoFit/>
-          </a:bodyPr>
-          <a:lstStyle/>
-          <a:p>
-            <a:r>
-              <a:rPr lang="zh-TW" altLang="en-US" dirty="0">
-                <a:solidFill>
-                  <a:schemeClr val="bg1"/>
-                </a:solidFill>
-              </a:rPr>
-              <a:t>新增一格</a:t>
-            </a:r>
-            <a:r>
-              <a:rPr lang="en-US" altLang="zh-TW" dirty="0">
-                <a:solidFill>
-                  <a:schemeClr val="bg1"/>
-                </a:solidFill>
-              </a:rPr>
-              <a:t>li</a:t>
-            </a:r>
-            <a:r>
-              <a:rPr lang="zh-TW" altLang="en-US" dirty="0">
-                <a:solidFill>
-                  <a:schemeClr val="bg1"/>
-                </a:solidFill>
-              </a:rPr>
-              <a:t>標籤</a:t>
-            </a:r>
-            <a:endParaRPr lang="en-US" altLang="zh-TW" dirty="0">
-              <a:solidFill>
-                <a:schemeClr val="bg1"/>
-              </a:solidFill>
-            </a:endParaRPr>
-          </a:p>
-        </p:txBody>
-      </p:sp>
-      <p:sp>
-        <p:nvSpPr>
-          <p:cNvPr id="11" name="文字方塊 10">
-            <a:extLst>
-              <a:ext uri="{FF2B5EF4-FFF2-40B4-BE49-F238E27FC236}">
-                <a16:creationId xmlns:a16="http://schemas.microsoft.com/office/drawing/2014/main" id="{59CFBAAC-0D61-28E4-5755-21CC1A3E185A}"/>
-              </a:ext>
-            </a:extLst>
-          </p:cNvPr>
-          <p:cNvSpPr txBox="1"/>
-          <p:nvPr/>
-        </p:nvSpPr>
-        <p:spPr>
-          <a:xfrm>
-            <a:off x="7479094" y="2838947"/>
-            <a:ext cx="2137124" cy="369332"/>
-          </a:xfrm>
-          <a:prstGeom prst="rect">
-            <a:avLst/>
-          </a:prstGeom>
-          <a:noFill/>
-        </p:spPr>
-        <p:txBody>
-          <a:bodyPr wrap="none" rtlCol="0">
-            <a:spAutoFit/>
-          </a:bodyPr>
-          <a:lstStyle/>
-          <a:p>
-            <a:r>
-              <a:rPr lang="zh-TW" altLang="en-US" dirty="0">
-                <a:solidFill>
-                  <a:schemeClr val="bg1"/>
-                </a:solidFill>
-              </a:rPr>
-              <a:t>輸入內容放進新的</a:t>
-            </a:r>
-            <a:r>
-              <a:rPr lang="en-US" altLang="zh-TW" dirty="0">
-                <a:solidFill>
-                  <a:schemeClr val="bg1"/>
-                </a:solidFill>
-              </a:rPr>
-              <a:t>li</a:t>
-            </a:r>
-          </a:p>
-        </p:txBody>
-      </p:sp>
-      <p:sp>
-        <p:nvSpPr>
-          <p:cNvPr id="12" name="文字方塊 11">
-            <a:extLst>
-              <a:ext uri="{FF2B5EF4-FFF2-40B4-BE49-F238E27FC236}">
-                <a16:creationId xmlns:a16="http://schemas.microsoft.com/office/drawing/2014/main" id="{EC0C7893-897B-089E-C67F-511E47F1811A}"/>
-              </a:ext>
-            </a:extLst>
-          </p:cNvPr>
-          <p:cNvSpPr txBox="1"/>
-          <p:nvPr/>
-        </p:nvSpPr>
-        <p:spPr>
-          <a:xfrm>
-            <a:off x="7479094" y="3437299"/>
-            <a:ext cx="1959191" cy="369332"/>
-          </a:xfrm>
-          <a:prstGeom prst="rect">
-            <a:avLst/>
-          </a:prstGeom>
-          <a:noFill/>
-        </p:spPr>
-        <p:txBody>
-          <a:bodyPr wrap="none" rtlCol="0">
-            <a:spAutoFit/>
-          </a:bodyPr>
-          <a:lstStyle/>
-          <a:p>
-            <a:r>
-              <a:rPr lang="zh-TW" altLang="en-US" dirty="0">
-                <a:solidFill>
-                  <a:schemeClr val="bg1"/>
-                </a:solidFill>
-              </a:rPr>
-              <a:t>新的</a:t>
-            </a:r>
-            <a:r>
-              <a:rPr lang="en-US" altLang="zh-TW" dirty="0">
-                <a:solidFill>
-                  <a:schemeClr val="bg1"/>
-                </a:solidFill>
-              </a:rPr>
-              <a:t>li</a:t>
-            </a:r>
-            <a:r>
-              <a:rPr lang="zh-TW" altLang="en-US" dirty="0">
-                <a:solidFill>
-                  <a:schemeClr val="bg1"/>
-                </a:solidFill>
-              </a:rPr>
-              <a:t>放進 留言板</a:t>
-            </a:r>
-            <a:endParaRPr lang="en-US" altLang="zh-TW" dirty="0">
-              <a:solidFill>
-                <a:schemeClr val="bg1"/>
-              </a:solidFill>
-            </a:endParaRPr>
-          </a:p>
-        </p:txBody>
-      </p:sp>
-      <p:sp>
-        <p:nvSpPr>
-          <p:cNvPr id="13" name="文字方塊 12">
-            <a:extLst>
-              <a:ext uri="{FF2B5EF4-FFF2-40B4-BE49-F238E27FC236}">
-                <a16:creationId xmlns:a16="http://schemas.microsoft.com/office/drawing/2014/main" id="{A7EDF051-90B9-0AEA-AD04-1E6BF9BB6ED3}"/>
-              </a:ext>
-            </a:extLst>
-          </p:cNvPr>
-          <p:cNvSpPr txBox="1"/>
-          <p:nvPr/>
-        </p:nvSpPr>
-        <p:spPr>
-          <a:xfrm>
-            <a:off x="7479094" y="4044327"/>
-            <a:ext cx="1338828" cy="369332"/>
-          </a:xfrm>
-          <a:prstGeom prst="rect">
-            <a:avLst/>
-          </a:prstGeom>
-          <a:noFill/>
-        </p:spPr>
-        <p:txBody>
-          <a:bodyPr wrap="none" rtlCol="0">
-            <a:spAutoFit/>
-          </a:bodyPr>
-          <a:lstStyle/>
-          <a:p>
-            <a:r>
-              <a:rPr lang="zh-TW" altLang="en-US" dirty="0">
-                <a:solidFill>
-                  <a:schemeClr val="bg1"/>
-                </a:solidFill>
-              </a:rPr>
-              <a:t>清空輸入欄</a:t>
-            </a:r>
-            <a:endParaRPr lang="en-US" altLang="zh-TW" dirty="0">
-              <a:solidFill>
-                <a:schemeClr val="bg1"/>
-              </a:solidFill>
-            </a:endParaRPr>
-          </a:p>
-        </p:txBody>
-      </p:sp>
-      <p:sp>
-        <p:nvSpPr>
-          <p:cNvPr id="2" name="標題 1">
-            <a:extLst>
-              <a:ext uri="{FF2B5EF4-FFF2-40B4-BE49-F238E27FC236}">
-                <a16:creationId xmlns:a16="http://schemas.microsoft.com/office/drawing/2014/main" id="{187592B7-173A-8059-A748-D71440128A1B}"/>
-              </a:ext>
-            </a:extLst>
-          </p:cNvPr>
-          <p:cNvSpPr>
-            <a:spLocks noGrp="1"/>
-          </p:cNvSpPr>
-          <p:nvPr>
-            <p:ph type="title"/>
-          </p:nvPr>
-        </p:nvSpPr>
-        <p:spPr>
-          <a:xfrm>
-            <a:off x="4577080" y="5295907"/>
-            <a:ext cx="4861205" cy="1325563"/>
-          </a:xfrm>
-        </p:spPr>
-        <p:txBody>
-          <a:bodyPr/>
-          <a:lstStyle/>
-          <a:p>
-            <a:r>
-              <a:rPr lang="zh-TW" altLang="en-US" dirty="0"/>
-              <a:t>小小留言板</a:t>
-            </a:r>
-          </a:p>
-        </p:txBody>
-      </p:sp>
-    </p:spTree>
-    <p:extLst>
-      <p:ext uri="{BB962C8B-B14F-4D97-AF65-F5344CB8AC3E}">
-        <p14:creationId xmlns:p14="http://schemas.microsoft.com/office/powerpoint/2010/main" val="29531014"/>
-      </p:ext>
-    </p:extLst>
-  </p:cSld>
-  <p:clrMapOvr>
-    <a:masterClrMapping/>
-  </p:clrMapOvr>
-</p:sld>
-</file>
-
 <file path=ppt/theme/theme1.xml><?xml version="1.0" encoding="utf-8"?>
-<a:theme xmlns:a="http://schemas.openxmlformats.org/drawingml/2006/main" name="Office 佈景主題">
+<a:theme xmlns:a="http://schemas.openxmlformats.org/drawingml/2006/main" name="回顧">
   <a:themeElements>
-    <a:clrScheme name="Office">
+    <a:clrScheme name="回顧">
       <a:dk1>
-        <a:sysClr val="windowText" lastClr="000000"/>
+        <a:srgbClr val="000000"/>
       </a:dk1>
       <a:lt1>
         <a:sysClr val="window" lastClr="FFFFFF"/>
       </a:lt1>
       <a:dk2>
-        <a:srgbClr val="44546A"/>
+        <a:srgbClr val="637052"/>
       </a:dk2>
       <a:lt2>
-        <a:srgbClr val="E7E6E6"/>
+        <a:srgbClr val="CCDDEA"/>
       </a:lt2>
       <a:accent1>
-        <a:srgbClr val="4472C4"/>
+        <a:srgbClr val="E48312"/>
       </a:accent1>
       <a:accent2>
-        <a:srgbClr val="ED7D31"/>
+        <a:srgbClr val="BD582C"/>
       </a:accent2>
       <a:accent3>
-        <a:srgbClr val="A5A5A5"/>
+        <a:srgbClr val="865640"/>
       </a:accent3>
       <a:accent4>
-        <a:srgbClr val="FFC000"/>
+        <a:srgbClr val="9B8357"/>
       </a:accent4>
       <a:accent5>
-        <a:srgbClr val="5B9BD5"/>
+        <a:srgbClr val="C2BC80"/>
       </a:accent5>
       <a:accent6>
-        <a:srgbClr val="70AD47"/>
+        <a:srgbClr val="94A088"/>
       </a:accent6>
       <a:hlink>
-        <a:srgbClr val="0563C1"/>
+        <a:srgbClr val="2998E3"/>
       </a:hlink>
       <a:folHlink>
-        <a:srgbClr val="954F72"/>
+        <a:srgbClr val="8C8C8C"/>
       </a:folHlink>
     </a:clrScheme>
-    <a:fontScheme name="Office">
+    <a:fontScheme name="回顧">
       <a:majorFont>
         <a:latin typeface="Calibri Light" panose="020F0302020204030204"/>
         <a:ea typeface=""/>
         <a:cs typeface=""/>
-        <a:font script="Jpan" typeface="游ゴシック Light"/>
+        <a:font script="Jpan" typeface="ＭＳ Ｐゴシック"/>
         <a:font script="Hang" typeface="맑은 고딕"/>
-        <a:font script="Hans" typeface="等线 Light"/>
+        <a:font script="Hans" typeface="宋体"/>
         <a:font script="Hant" typeface="新細明體"/>
         <a:font script="Arab" typeface="Times New Roman"/>
         <a:font script="Hebr" typeface="Times New Roman"/>
@@ -14200,31 +15919,14 @@
         <a:font script="Viet" typeface="Times New Roman"/>
         <a:font script="Uigh" typeface="Microsoft Uighur"/>
         <a:font script="Geor" typeface="Sylfaen"/>
-        <a:font script="Armn" typeface="Arial"/>
-        <a:font script="Bugi" typeface="Leelawadee UI"/>
-        <a:font script="Bopo" typeface="Microsoft JhengHei"/>
-        <a:font script="Java" typeface="Javanese Text"/>
-        <a:font script="Lisu" typeface="Segoe UI"/>
-        <a:font script="Mymr" typeface="Myanmar Text"/>
-        <a:font script="Nkoo" typeface="Ebrima"/>
-        <a:font script="Olck" typeface="Nirmala UI"/>
-        <a:font script="Osma" typeface="Ebrima"/>
-        <a:font script="Phag" typeface="Phagspa"/>
-        <a:font script="Syrn" typeface="Estrangelo Edessa"/>
-        <a:font script="Syrj" typeface="Estrangelo Edessa"/>
-        <a:font script="Syre" typeface="Estrangelo Edessa"/>
-        <a:font script="Sora" typeface="Nirmala UI"/>
-        <a:font script="Tale" typeface="Microsoft Tai Le"/>
-        <a:font script="Talu" typeface="Microsoft New Tai Lue"/>
-        <a:font script="Tfng" typeface="Ebrima"/>
       </a:majorFont>
       <a:minorFont>
         <a:latin typeface="Calibri" panose="020F0502020204030204"/>
         <a:ea typeface=""/>
         <a:cs typeface=""/>
-        <a:font script="Jpan" typeface="游ゴシック"/>
+        <a:font script="Jpan" typeface="ＭＳ Ｐゴシック"/>
         <a:font script="Hang" typeface="맑은 고딕"/>
-        <a:font script="Hans" typeface="等线"/>
+        <a:font script="Hans" typeface="宋体"/>
         <a:font script="Hant" typeface="新細明體"/>
         <a:font script="Arab" typeface="Arial"/>
         <a:font script="Hebr" typeface="Arial"/>
@@ -14252,26 +15954,9 @@
         <a:font script="Viet" typeface="Arial"/>
         <a:font script="Uigh" typeface="Microsoft Uighur"/>
         <a:font script="Geor" typeface="Sylfaen"/>
-        <a:font script="Armn" typeface="Arial"/>
-        <a:font script="Bugi" typeface="Leelawadee UI"/>
-        <a:font script="Bopo" typeface="Microsoft JhengHei"/>
-        <a:font script="Java" typeface="Javanese Text"/>
-        <a:font script="Lisu" typeface="Segoe UI"/>
-        <a:font script="Mymr" typeface="Myanmar Text"/>
-        <a:font script="Nkoo" typeface="Ebrima"/>
-        <a:font script="Olck" typeface="Nirmala UI"/>
-        <a:font script="Osma" typeface="Ebrima"/>
-        <a:font script="Phag" typeface="Phagspa"/>
-        <a:font script="Syrn" typeface="Estrangelo Edessa"/>
-        <a:font script="Syrj" typeface="Estrangelo Edessa"/>
-        <a:font script="Syre" typeface="Estrangelo Edessa"/>
-        <a:font script="Sora" typeface="Nirmala UI"/>
-        <a:font script="Tale" typeface="Microsoft Tai Le"/>
-        <a:font script="Talu" typeface="Microsoft New Tai Lue"/>
-        <a:font script="Tfng" typeface="Ebrima"/>
       </a:minorFont>
     </a:fontScheme>
-    <a:fmtScheme name="Office">
+    <a:fmtScheme name="回顧">
       <a:fillStyleLst>
         <a:solidFill>
           <a:schemeClr val="phClr"/>
@@ -14280,76 +15965,81 @@
           <a:gsLst>
             <a:gs pos="0">
               <a:schemeClr val="phClr">
-                <a:lumMod val="110000"/>
-                <a:satMod val="105000"/>
-                <a:tint val="67000"/>
+                <a:tint val="65000"/>
+                <a:shade val="92000"/>
+                <a:satMod val="130000"/>
               </a:schemeClr>
             </a:gs>
-            <a:gs pos="50000">
+            <a:gs pos="45000">
               <a:schemeClr val="phClr">
-                <a:lumMod val="105000"/>
-                <a:satMod val="103000"/>
-                <a:tint val="73000"/>
+                <a:tint val="60000"/>
+                <a:shade val="99000"/>
+                <a:satMod val="120000"/>
               </a:schemeClr>
             </a:gs>
             <a:gs pos="100000">
               <a:schemeClr val="phClr">
-                <a:lumMod val="105000"/>
-                <a:satMod val="109000"/>
-                <a:tint val="81000"/>
+                <a:tint val="55000"/>
+                <a:satMod val="140000"/>
               </a:schemeClr>
             </a:gs>
           </a:gsLst>
-          <a:lin ang="5400000" scaled="0"/>
+          <a:path path="circle">
+            <a:fillToRect l="100000" t="100000" r="100000" b="100000"/>
+          </a:path>
         </a:gradFill>
         <a:gradFill rotWithShape="1">
           <a:gsLst>
             <a:gs pos="0">
               <a:schemeClr val="phClr">
-                <a:satMod val="103000"/>
-                <a:lumMod val="102000"/>
-                <a:tint val="94000"/>
+                <a:shade val="85000"/>
+                <a:satMod val="130000"/>
               </a:schemeClr>
             </a:gs>
-            <a:gs pos="50000">
+            <a:gs pos="34000">
               <a:schemeClr val="phClr">
-                <a:satMod val="110000"/>
-                <a:lumMod val="100000"/>
-                <a:shade val="100000"/>
+                <a:shade val="87000"/>
+                <a:satMod val="125000"/>
+              </a:schemeClr>
+            </a:gs>
+            <a:gs pos="70000">
+              <a:schemeClr val="phClr">
+                <a:tint val="100000"/>
+                <a:shade val="90000"/>
+                <a:satMod val="130000"/>
               </a:schemeClr>
             </a:gs>
             <a:gs pos="100000">
               <a:schemeClr val="phClr">
-                <a:lumMod val="99000"/>
-                <a:satMod val="120000"/>
-                <a:shade val="78000"/>
+                <a:tint val="100000"/>
+                <a:shade val="100000"/>
+                <a:satMod val="110000"/>
               </a:schemeClr>
             </a:gs>
           </a:gsLst>
-          <a:lin ang="5400000" scaled="0"/>
+          <a:path path="circle">
+            <a:fillToRect l="100000" t="100000" r="100000" b="100000"/>
+          </a:path>
         </a:gradFill>
       </a:fillStyleLst>
       <a:lnStyleLst>
-        <a:ln w="6350" cap="flat" cmpd="sng" algn="ctr">
-          <a:solidFill>
-            <a:schemeClr val="phClr"/>
-          </a:solidFill>
-          <a:prstDash val="solid"/>
-          <a:miter lim="800000"/>
-        </a:ln>
         <a:ln w="12700" cap="flat" cmpd="sng" algn="ctr">
           <a:solidFill>
             <a:schemeClr val="phClr"/>
           </a:solidFill>
           <a:prstDash val="solid"/>
-          <a:miter lim="800000"/>
         </a:ln>
-        <a:ln w="19050" cap="flat" cmpd="sng" algn="ctr">
+        <a:ln w="15875" cap="flat" cmpd="sng" algn="ctr">
           <a:solidFill>
             <a:schemeClr val="phClr"/>
           </a:solidFill>
           <a:prstDash val="solid"/>
-          <a:miter lim="800000"/>
+        </a:ln>
+        <a:ln w="25400" cap="flat" cmpd="sng" algn="ctr">
+          <a:solidFill>
+            <a:schemeClr val="phClr"/>
+          </a:solidFill>
+          <a:prstDash val="solid"/>
         </a:ln>
       </a:lnStyleLst>
       <a:effectStyleLst>
@@ -14357,16 +16047,33 @@
           <a:effectLst/>
         </a:effectStyle>
         <a:effectStyle>
-          <a:effectLst/>
+          <a:effectLst>
+            <a:outerShdw blurRad="38100" dist="25400" dir="2700000" algn="br" rotWithShape="0">
+              <a:srgbClr val="000000">
+                <a:alpha val="60000"/>
+              </a:srgbClr>
+            </a:outerShdw>
+          </a:effectLst>
         </a:effectStyle>
         <a:effectStyle>
           <a:effectLst>
-            <a:outerShdw blurRad="57150" dist="19050" dir="5400000" algn="ctr" rotWithShape="0">
+            <a:outerShdw blurRad="44450" dist="25400" dir="2700000" algn="br" rotWithShape="0">
               <a:srgbClr val="000000">
-                <a:alpha val="63000"/>
+                <a:alpha val="60000"/>
               </a:srgbClr>
             </a:outerShdw>
           </a:effectLst>
+          <a:scene3d>
+            <a:camera prst="orthographicFront">
+              <a:rot lat="0" lon="0" rev="0"/>
+            </a:camera>
+            <a:lightRig rig="threePt" dir="t">
+              <a:rot lat="0" lon="0" rev="19800000"/>
+            </a:lightRig>
+          </a:scene3d>
+          <a:sp3d prstMaterial="flat">
+            <a:bevelT w="25400" h="31750"/>
+          </a:sp3d>
         </a:effectStyle>
       </a:effectStyleLst>
       <a:bgFillStyleLst>
@@ -14375,36 +16082,36 @@
         </a:solidFill>
         <a:solidFill>
           <a:schemeClr val="phClr">
-            <a:tint val="95000"/>
-            <a:satMod val="170000"/>
+            <a:tint val="90000"/>
+            <a:shade val="97000"/>
+            <a:satMod val="130000"/>
           </a:schemeClr>
         </a:solidFill>
         <a:gradFill rotWithShape="1">
           <a:gsLst>
             <a:gs pos="0">
               <a:schemeClr val="phClr">
-                <a:tint val="93000"/>
-                <a:satMod val="150000"/>
-                <a:shade val="98000"/>
-                <a:lumMod val="102000"/>
+                <a:tint val="96000"/>
+                <a:shade val="99000"/>
+                <a:satMod val="140000"/>
               </a:schemeClr>
             </a:gs>
-            <a:gs pos="50000">
+            <a:gs pos="65000">
               <a:schemeClr val="phClr">
-                <a:tint val="98000"/>
+                <a:tint val="100000"/>
+                <a:shade val="80000"/>
                 <a:satMod val="130000"/>
-                <a:shade val="90000"/>
-                <a:lumMod val="103000"/>
               </a:schemeClr>
             </a:gs>
             <a:gs pos="100000">
               <a:schemeClr val="phClr">
-                <a:shade val="63000"/>
+                <a:tint val="100000"/>
+                <a:shade val="48000"/>
                 <a:satMod val="120000"/>
               </a:schemeClr>
             </a:gs>
           </a:gsLst>
-          <a:lin ang="5400000" scaled="0"/>
+          <a:lin ang="16200000" scaled="0"/>
         </a:gradFill>
       </a:bgFillStyleLst>
     </a:fmtScheme>
@@ -14413,7 +16120,7 @@
   <a:extraClrSchemeLst/>
   <a:extLst>
     <a:ext uri="{05A4C25C-085E-4340-85A3-A5531E510DB2}">
-      <thm15:themeFamily xmlns:thm15="http://schemas.microsoft.com/office/thememl/2012/main" name="Office Theme" id="{62F939B6-93AF-4DB8-9C6B-D6C7DFDC589F}" vid="{4A3C46E8-61CC-4603-A589-7422A47A8E4A}"/>
+      <thm15:themeFamily xmlns:thm15="http://schemas.microsoft.com/office/thememl/2012/main" name="Retrospect" id="{5F128B03-DCCA-4EEB-AB3B-CF2899314A46}" vid="{3F1AAB62-24C6-49D2-8E01-B56FAC9A3DCD}"/>
     </a:ext>
   </a:extLst>
 </a:theme>

--- a/105452891 任桓毅.pptx
+++ b/105452891 任桓毅.pptx
@@ -4375,39 +4375,6 @@
       </p:grpSpPr>
       <p:sp>
         <p:nvSpPr>
-          <p:cNvPr id="2" name="標題 1">
-            <a:extLst>
-              <a:ext uri="{FF2B5EF4-FFF2-40B4-BE49-F238E27FC236}">
-                <a16:creationId xmlns:a16="http://schemas.microsoft.com/office/drawing/2014/main" id="{187592B7-173A-8059-A748-D71440128A1B}"/>
-              </a:ext>
-            </a:extLst>
-          </p:cNvPr>
-          <p:cNvSpPr>
-            <a:spLocks noGrp="1"/>
-          </p:cNvSpPr>
-          <p:nvPr>
-            <p:ph type="title"/>
-          </p:nvPr>
-        </p:nvSpPr>
-        <p:spPr>
-          <a:xfrm>
-            <a:off x="4577080" y="5295907"/>
-            <a:ext cx="4861205" cy="1325563"/>
-          </a:xfrm>
-        </p:spPr>
-        <p:txBody>
-          <a:bodyPr/>
-          <a:lstStyle/>
-          <a:p>
-            <a:r>
-              <a:rPr lang="zh-TW" altLang="en-US" dirty="0"/>
-              <a:t>小小留言板</a:t>
-            </a:r>
-          </a:p>
-        </p:txBody>
-      </p:sp>
-      <p:sp>
-        <p:nvSpPr>
           <p:cNvPr id="3" name="內容版面配置區 2">
             <a:extLst>
               <a:ext uri="{FF2B5EF4-FFF2-40B4-BE49-F238E27FC236}">
@@ -5596,6 +5563,39 @@
           </a:p>
         </p:txBody>
       </p:sp>
+      <p:sp>
+        <p:nvSpPr>
+          <p:cNvPr id="2" name="標題 1">
+            <a:extLst>
+              <a:ext uri="{FF2B5EF4-FFF2-40B4-BE49-F238E27FC236}">
+                <a16:creationId xmlns:a16="http://schemas.microsoft.com/office/drawing/2014/main" id="{187592B7-173A-8059-A748-D71440128A1B}"/>
+              </a:ext>
+            </a:extLst>
+          </p:cNvPr>
+          <p:cNvSpPr>
+            <a:spLocks noGrp="1"/>
+          </p:cNvSpPr>
+          <p:nvPr>
+            <p:ph type="title"/>
+          </p:nvPr>
+        </p:nvSpPr>
+        <p:spPr>
+          <a:xfrm>
+            <a:off x="4908156" y="4490489"/>
+            <a:ext cx="4861205" cy="1325563"/>
+          </a:xfrm>
+        </p:spPr>
+        <p:txBody>
+          <a:bodyPr/>
+          <a:lstStyle/>
+          <a:p>
+            <a:r>
+              <a:rPr lang="zh-TW" altLang="en-US" dirty="0"/>
+              <a:t>小小留言板</a:t>
+            </a:r>
+          </a:p>
+        </p:txBody>
+      </p:sp>
     </p:spTree>
     <p:extLst>
       <p:ext uri="{BB962C8B-B14F-4D97-AF65-F5344CB8AC3E}">
@@ -5626,34 +5626,6 @@
           <a:chExt cx="0" cy="0"/>
         </a:xfrm>
       </p:grpSpPr>
-      <p:sp>
-        <p:nvSpPr>
-          <p:cNvPr id="2" name="標題 1">
-            <a:extLst>
-              <a:ext uri="{FF2B5EF4-FFF2-40B4-BE49-F238E27FC236}">
-                <a16:creationId xmlns:a16="http://schemas.microsoft.com/office/drawing/2014/main" id="{10E98BE9-CD33-5712-8BD2-D2EEC2F4D7F7}"/>
-              </a:ext>
-            </a:extLst>
-          </p:cNvPr>
-          <p:cNvSpPr>
-            <a:spLocks noGrp="1"/>
-          </p:cNvSpPr>
-          <p:nvPr>
-            <p:ph type="title"/>
-          </p:nvPr>
-        </p:nvSpPr>
-        <p:spPr/>
-        <p:txBody>
-          <a:bodyPr/>
-          <a:lstStyle/>
-          <a:p>
-            <a:r>
-              <a:rPr lang="zh-TW" altLang="en-US" dirty="0"/>
-              <a:t>站外搜尋</a:t>
-            </a:r>
-          </a:p>
-        </p:txBody>
-      </p:sp>
       <p:sp>
         <p:nvSpPr>
           <p:cNvPr id="3" name="內容版面配置區 2">
@@ -6807,6 +6779,34 @@
           </a:p>
         </p:txBody>
       </p:sp>
+      <p:sp>
+        <p:nvSpPr>
+          <p:cNvPr id="2" name="標題 1">
+            <a:extLst>
+              <a:ext uri="{FF2B5EF4-FFF2-40B4-BE49-F238E27FC236}">
+                <a16:creationId xmlns:a16="http://schemas.microsoft.com/office/drawing/2014/main" id="{10E98BE9-CD33-5712-8BD2-D2EEC2F4D7F7}"/>
+              </a:ext>
+            </a:extLst>
+          </p:cNvPr>
+          <p:cNvSpPr>
+            <a:spLocks noGrp="1"/>
+          </p:cNvSpPr>
+          <p:nvPr>
+            <p:ph type="title"/>
+          </p:nvPr>
+        </p:nvSpPr>
+        <p:spPr/>
+        <p:txBody>
+          <a:bodyPr/>
+          <a:lstStyle/>
+          <a:p>
+            <a:r>
+              <a:rPr lang="zh-TW" altLang="en-US" dirty="0"/>
+              <a:t>站外搜尋</a:t>
+            </a:r>
+          </a:p>
+        </p:txBody>
+      </p:sp>
     </p:spTree>
     <p:extLst>
       <p:ext uri="{BB962C8B-B14F-4D97-AF65-F5344CB8AC3E}">
@@ -6837,34 +6837,6 @@
           <a:chExt cx="0" cy="0"/>
         </a:xfrm>
       </p:grpSpPr>
-      <p:sp>
-        <p:nvSpPr>
-          <p:cNvPr id="2" name="標題 1">
-            <a:extLst>
-              <a:ext uri="{FF2B5EF4-FFF2-40B4-BE49-F238E27FC236}">
-                <a16:creationId xmlns:a16="http://schemas.microsoft.com/office/drawing/2014/main" id="{9819D4FB-158C-4CCC-581B-295EFCAF1F80}"/>
-              </a:ext>
-            </a:extLst>
-          </p:cNvPr>
-          <p:cNvSpPr>
-            <a:spLocks noGrp="1"/>
-          </p:cNvSpPr>
-          <p:nvPr>
-            <p:ph type="title"/>
-          </p:nvPr>
-        </p:nvSpPr>
-        <p:spPr/>
-        <p:txBody>
-          <a:bodyPr/>
-          <a:lstStyle/>
-          <a:p>
-            <a:r>
-              <a:rPr lang="zh-TW" altLang="en-US" dirty="0"/>
-              <a:t>滑鼠移動至標籤上產生滑動圖示</a:t>
-            </a:r>
-          </a:p>
-        </p:txBody>
-      </p:sp>
       <p:sp>
         <p:nvSpPr>
           <p:cNvPr id="3" name="內容版面配置區 2">
@@ -7727,6 +7699,34 @@
                 </a:solidFill>
               </a:rPr>
               <a:t>秒</a:t>
+            </a:r>
+          </a:p>
+        </p:txBody>
+      </p:sp>
+      <p:sp>
+        <p:nvSpPr>
+          <p:cNvPr id="2" name="標題 1">
+            <a:extLst>
+              <a:ext uri="{FF2B5EF4-FFF2-40B4-BE49-F238E27FC236}">
+                <a16:creationId xmlns:a16="http://schemas.microsoft.com/office/drawing/2014/main" id="{9819D4FB-158C-4CCC-581B-295EFCAF1F80}"/>
+              </a:ext>
+            </a:extLst>
+          </p:cNvPr>
+          <p:cNvSpPr>
+            <a:spLocks noGrp="1"/>
+          </p:cNvSpPr>
+          <p:nvPr>
+            <p:ph type="title"/>
+          </p:nvPr>
+        </p:nvSpPr>
+        <p:spPr/>
+        <p:txBody>
+          <a:bodyPr/>
+          <a:lstStyle/>
+          <a:p>
+            <a:r>
+              <a:rPr lang="zh-TW" altLang="en-US" dirty="0"/>
+              <a:t>滑鼠移動至標籤上產生滑動圖示</a:t>
             </a:r>
           </a:p>
         </p:txBody>
